--- a/Day2/강의 정리.pptx
+++ b/Day2/강의 정리.pptx
@@ -6,19 +6,15 @@
   </p:sldMasterIdLst>
   <p:sldIdLst>
     <p:sldId id="256" r:id="rId2"/>
-    <p:sldId id="270" r:id="rId3"/>
-    <p:sldId id="271" r:id="rId4"/>
-    <p:sldId id="272" r:id="rId5"/>
-    <p:sldId id="273" r:id="rId6"/>
-    <p:sldId id="257" r:id="rId7"/>
-    <p:sldId id="260" r:id="rId8"/>
-    <p:sldId id="258" r:id="rId9"/>
-    <p:sldId id="259" r:id="rId10"/>
-    <p:sldId id="267" r:id="rId11"/>
-    <p:sldId id="269" r:id="rId12"/>
-    <p:sldId id="261" r:id="rId13"/>
-    <p:sldId id="262" r:id="rId14"/>
-    <p:sldId id="265" r:id="rId15"/>
+    <p:sldId id="257" r:id="rId3"/>
+    <p:sldId id="260" r:id="rId4"/>
+    <p:sldId id="258" r:id="rId5"/>
+    <p:sldId id="259" r:id="rId6"/>
+    <p:sldId id="267" r:id="rId7"/>
+    <p:sldId id="269" r:id="rId8"/>
+    <p:sldId id="261" r:id="rId9"/>
+    <p:sldId id="262" r:id="rId10"/>
+    <p:sldId id="265" r:id="rId11"/>
   </p:sldIdLst>
   <p:sldSz cx="12192000" cy="6858000"/>
   <p:notesSz cx="6858000" cy="9144000"/>
@@ -3049,941 +3045,6 @@
       </p:grpSpPr>
       <p:pic>
         <p:nvPicPr>
-          <p:cNvPr id="2" name="그림 1"/>
-          <p:cNvPicPr>
-            <a:picLocks noChangeAspect="1"/>
-          </p:cNvPicPr>
-          <p:nvPr/>
-        </p:nvPicPr>
-        <p:blipFill>
-          <a:blip r:embed="rId2"/>
-          <a:stretch>
-            <a:fillRect/>
-          </a:stretch>
-        </p:blipFill>
-        <p:spPr>
-          <a:xfrm>
-            <a:off x="0" y="755930"/>
-            <a:ext cx="10685417" cy="2416847"/>
-          </a:xfrm>
-          <a:prstGeom prst="rect">
-            <a:avLst/>
-          </a:prstGeom>
-        </p:spPr>
-      </p:pic>
-      <p:sp>
-        <p:nvSpPr>
-          <p:cNvPr id="3" name="모서리가 둥근 직사각형 2"/>
-          <p:cNvSpPr/>
-          <p:nvPr/>
-        </p:nvSpPr>
-        <p:spPr>
-          <a:xfrm>
-            <a:off x="0" y="0"/>
-            <a:ext cx="12192000" cy="483326"/>
-          </a:xfrm>
-          <a:prstGeom prst="roundRect">
-            <a:avLst/>
-          </a:prstGeom>
-          <a:solidFill>
-            <a:schemeClr val="accent3">
-              <a:lumMod val="20000"/>
-              <a:lumOff val="80000"/>
-            </a:schemeClr>
-          </a:solidFill>
-          <a:ln>
-            <a:solidFill>
-              <a:schemeClr val="bg1"/>
-            </a:solidFill>
-          </a:ln>
-        </p:spPr>
-        <p:style>
-          <a:lnRef idx="2">
-            <a:schemeClr val="accent1">
-              <a:shade val="50000"/>
-            </a:schemeClr>
-          </a:lnRef>
-          <a:fillRef idx="1">
-            <a:schemeClr val="accent1"/>
-          </a:fillRef>
-          <a:effectRef idx="0">
-            <a:schemeClr val="accent1"/>
-          </a:effectRef>
-          <a:fontRef idx="minor">
-            <a:schemeClr val="lt1"/>
-          </a:fontRef>
-        </p:style>
-        <p:txBody>
-          <a:bodyPr rtlCol="0" anchor="ctr"/>
-          <a:lstStyle/>
-          <a:p>
-            <a:pPr algn="ctr"/>
-            <a:r>
-              <a:rPr lang="en-US" altLang="ko-KR" smtClean="0">
-                <a:solidFill>
-                  <a:sysClr val="windowText" lastClr="000000"/>
-                </a:solidFill>
-              </a:rPr>
-              <a:t>Git </a:t>
-            </a:r>
-            <a:r>
-              <a:rPr lang="ko-KR" altLang="en-US" smtClean="0">
-                <a:solidFill>
-                  <a:sysClr val="windowText" lastClr="000000"/>
-                </a:solidFill>
-              </a:rPr>
-              <a:t>사용 에러</a:t>
-            </a:r>
-            <a:endParaRPr lang="ko-KR" altLang="en-US">
-              <a:solidFill>
-                <a:sysClr val="windowText" lastClr="000000"/>
-              </a:solidFill>
-            </a:endParaRPr>
-          </a:p>
-        </p:txBody>
-      </p:sp>
-    </p:spTree>
-    <p:extLst>
-      <p:ext uri="{BB962C8B-B14F-4D97-AF65-F5344CB8AC3E}">
-        <p14:creationId xmlns:p14="http://schemas.microsoft.com/office/powerpoint/2010/main" val="3196824181"/>
-      </p:ext>
-    </p:extLst>
-  </p:cSld>
-  <p:clrMapOvr>
-    <a:masterClrMapping/>
-  </p:clrMapOvr>
-  <p:timing>
-    <p:tnLst>
-      <p:par>
-        <p:cTn id="1" dur="indefinite" restart="never" nodeType="tmRoot"/>
-      </p:par>
-    </p:tnLst>
-  </p:timing>
-</p:sld>
-</file>
-
-<file path=ppt/slides/slide11.xml><?xml version="1.0" encoding="utf-8"?>
-<p:sld xmlns:a="http://schemas.openxmlformats.org/drawingml/2006/main" xmlns:r="http://schemas.openxmlformats.org/officeDocument/2006/relationships" xmlns:p="http://schemas.openxmlformats.org/presentationml/2006/main">
-  <p:cSld>
-    <p:spTree>
-      <p:nvGrpSpPr>
-        <p:cNvPr id="1" name=""/>
-        <p:cNvGrpSpPr/>
-        <p:nvPr/>
-      </p:nvGrpSpPr>
-      <p:grpSpPr>
-        <a:xfrm>
-          <a:off x="0" y="0"/>
-          <a:ext cx="0" cy="0"/>
-          <a:chOff x="0" y="0"/>
-          <a:chExt cx="0" cy="0"/>
-        </a:xfrm>
-      </p:grpSpPr>
-      <p:sp>
-        <p:nvSpPr>
-          <p:cNvPr id="3" name="모서리가 둥근 직사각형 2"/>
-          <p:cNvSpPr/>
-          <p:nvPr/>
-        </p:nvSpPr>
-        <p:spPr>
-          <a:xfrm>
-            <a:off x="0" y="0"/>
-            <a:ext cx="12192000" cy="483326"/>
-          </a:xfrm>
-          <a:prstGeom prst="roundRect">
-            <a:avLst/>
-          </a:prstGeom>
-          <a:solidFill>
-            <a:schemeClr val="accent3">
-              <a:lumMod val="20000"/>
-              <a:lumOff val="80000"/>
-            </a:schemeClr>
-          </a:solidFill>
-          <a:ln>
-            <a:solidFill>
-              <a:schemeClr val="bg1"/>
-            </a:solidFill>
-          </a:ln>
-        </p:spPr>
-        <p:style>
-          <a:lnRef idx="2">
-            <a:schemeClr val="accent1">
-              <a:shade val="50000"/>
-            </a:schemeClr>
-          </a:lnRef>
-          <a:fillRef idx="1">
-            <a:schemeClr val="accent1"/>
-          </a:fillRef>
-          <a:effectRef idx="0">
-            <a:schemeClr val="accent1"/>
-          </a:effectRef>
-          <a:fontRef idx="minor">
-            <a:schemeClr val="lt1"/>
-          </a:fontRef>
-        </p:style>
-        <p:txBody>
-          <a:bodyPr rtlCol="0" anchor="ctr"/>
-          <a:lstStyle/>
-          <a:p>
-            <a:pPr algn="ctr"/>
-            <a:r>
-              <a:rPr lang="en-US" altLang="ko-KR" smtClean="0">
-                <a:solidFill>
-                  <a:sysClr val="windowText" lastClr="000000"/>
-                </a:solidFill>
-              </a:rPr>
-              <a:t>Git </a:t>
-            </a:r>
-            <a:r>
-              <a:rPr lang="ko-KR" altLang="en-US" smtClean="0">
-                <a:solidFill>
-                  <a:sysClr val="windowText" lastClr="000000"/>
-                </a:solidFill>
-              </a:rPr>
-              <a:t>에러 해결방법</a:t>
-            </a:r>
-            <a:endParaRPr lang="ko-KR" altLang="en-US">
-              <a:solidFill>
-                <a:sysClr val="windowText" lastClr="000000"/>
-              </a:solidFill>
-            </a:endParaRPr>
-          </a:p>
-        </p:txBody>
-      </p:sp>
-      <p:pic>
-        <p:nvPicPr>
-          <p:cNvPr id="4" name="그림 3"/>
-          <p:cNvPicPr>
-            <a:picLocks noChangeAspect="1"/>
-          </p:cNvPicPr>
-          <p:nvPr/>
-        </p:nvPicPr>
-        <p:blipFill>
-          <a:blip r:embed="rId2"/>
-          <a:stretch>
-            <a:fillRect/>
-          </a:stretch>
-        </p:blipFill>
-        <p:spPr>
-          <a:xfrm>
-            <a:off x="0" y="738820"/>
-            <a:ext cx="9733285" cy="2403606"/>
-          </a:xfrm>
-          <a:prstGeom prst="rect">
-            <a:avLst/>
-          </a:prstGeom>
-        </p:spPr>
-      </p:pic>
-      <p:sp>
-        <p:nvSpPr>
-          <p:cNvPr id="5" name="TextBox 4"/>
-          <p:cNvSpPr txBox="1"/>
-          <p:nvPr/>
-        </p:nvSpPr>
-        <p:spPr>
-          <a:xfrm>
-            <a:off x="0" y="3523129"/>
-            <a:ext cx="9733285" cy="646331"/>
-          </a:xfrm>
-          <a:prstGeom prst="rect">
-            <a:avLst/>
-          </a:prstGeom>
-          <a:noFill/>
-        </p:spPr>
-        <p:txBody>
-          <a:bodyPr wrap="square" rtlCol="0">
-            <a:spAutoFit/>
-          </a:bodyPr>
-          <a:lstStyle/>
-          <a:p>
-            <a:r>
-              <a:rPr lang="ko-KR" altLang="en-US" smtClean="0"/>
-              <a:t>터미널을 그냥 생성해서 사용하려고 하니</a:t>
-            </a:r>
-            <a:r>
-              <a:rPr lang="en-US" altLang="ko-KR" smtClean="0"/>
-              <a:t>, git </a:t>
-            </a:r>
-            <a:r>
-              <a:rPr lang="ko-KR" altLang="en-US" smtClean="0"/>
-              <a:t>설치를 했음에도 인식하지 못하고 있었음</a:t>
-            </a:r>
-            <a:r>
-              <a:rPr lang="en-US" altLang="ko-KR" smtClean="0"/>
-              <a:t>.</a:t>
-            </a:r>
-          </a:p>
-          <a:p>
-            <a:r>
-              <a:rPr lang="ko-KR" altLang="en-US" smtClean="0"/>
-              <a:t>터미널을 </a:t>
-            </a:r>
-            <a:r>
-              <a:rPr lang="en-US" altLang="ko-KR" smtClean="0"/>
-              <a:t>Git Bash</a:t>
-            </a:r>
-            <a:r>
-              <a:rPr lang="ko-KR" altLang="en-US" smtClean="0"/>
-              <a:t>로 다시 오픈하니 </a:t>
-            </a:r>
-            <a:r>
-              <a:rPr lang="en-US" altLang="ko-KR" smtClean="0"/>
-              <a:t>Git </a:t>
-            </a:r>
-            <a:r>
-              <a:rPr lang="ko-KR" altLang="en-US" smtClean="0"/>
-              <a:t>명령어 사용이 가능했음</a:t>
-            </a:r>
-            <a:r>
-              <a:rPr lang="en-US" altLang="ko-KR" smtClean="0"/>
-              <a:t>.</a:t>
-            </a:r>
-          </a:p>
-        </p:txBody>
-      </p:sp>
-    </p:spTree>
-    <p:extLst>
-      <p:ext uri="{BB962C8B-B14F-4D97-AF65-F5344CB8AC3E}">
-        <p14:creationId xmlns:p14="http://schemas.microsoft.com/office/powerpoint/2010/main" val="2172183285"/>
-      </p:ext>
-    </p:extLst>
-  </p:cSld>
-  <p:clrMapOvr>
-    <a:masterClrMapping/>
-  </p:clrMapOvr>
-  <p:timing>
-    <p:tnLst>
-      <p:par>
-        <p:cTn id="1" dur="indefinite" restart="never" nodeType="tmRoot"/>
-      </p:par>
-    </p:tnLst>
-  </p:timing>
-</p:sld>
-</file>
-
-<file path=ppt/slides/slide12.xml><?xml version="1.0" encoding="utf-8"?>
-<p:sld xmlns:a="http://schemas.openxmlformats.org/drawingml/2006/main" xmlns:r="http://schemas.openxmlformats.org/officeDocument/2006/relationships" xmlns:p="http://schemas.openxmlformats.org/presentationml/2006/main">
-  <p:cSld>
-    <p:spTree>
-      <p:nvGrpSpPr>
-        <p:cNvPr id="1" name=""/>
-        <p:cNvGrpSpPr/>
-        <p:nvPr/>
-      </p:nvGrpSpPr>
-      <p:grpSpPr>
-        <a:xfrm>
-          <a:off x="0" y="0"/>
-          <a:ext cx="0" cy="0"/>
-          <a:chOff x="0" y="0"/>
-          <a:chExt cx="0" cy="0"/>
-        </a:xfrm>
-      </p:grpSpPr>
-      <p:pic>
-        <p:nvPicPr>
-          <p:cNvPr id="3" name="그림 2"/>
-          <p:cNvPicPr>
-            <a:picLocks noChangeAspect="1"/>
-          </p:cNvPicPr>
-          <p:nvPr/>
-        </p:nvPicPr>
-        <p:blipFill>
-          <a:blip r:embed="rId2"/>
-          <a:stretch>
-            <a:fillRect/>
-          </a:stretch>
-        </p:blipFill>
-        <p:spPr>
-          <a:xfrm>
-            <a:off x="-1" y="2440135"/>
-            <a:ext cx="5857875" cy="637014"/>
-          </a:xfrm>
-          <a:prstGeom prst="rect">
-            <a:avLst/>
-          </a:prstGeom>
-        </p:spPr>
-      </p:pic>
-      <p:pic>
-        <p:nvPicPr>
-          <p:cNvPr id="4" name="그림 3"/>
-          <p:cNvPicPr>
-            <a:picLocks noChangeAspect="1"/>
-          </p:cNvPicPr>
-          <p:nvPr/>
-        </p:nvPicPr>
-        <p:blipFill>
-          <a:blip r:embed="rId3"/>
-          <a:stretch>
-            <a:fillRect/>
-          </a:stretch>
-        </p:blipFill>
-        <p:spPr>
-          <a:xfrm>
-            <a:off x="0" y="554069"/>
-            <a:ext cx="5857875" cy="1533525"/>
-          </a:xfrm>
-          <a:prstGeom prst="rect">
-            <a:avLst/>
-          </a:prstGeom>
-        </p:spPr>
-      </p:pic>
-      <p:sp>
-        <p:nvSpPr>
-          <p:cNvPr id="5" name="TextBox 4"/>
-          <p:cNvSpPr txBox="1"/>
-          <p:nvPr/>
-        </p:nvSpPr>
-        <p:spPr>
-          <a:xfrm>
-            <a:off x="6356194" y="554069"/>
-            <a:ext cx="5140712" cy="338554"/>
-          </a:xfrm>
-          <a:prstGeom prst="rect">
-            <a:avLst/>
-          </a:prstGeom>
-          <a:noFill/>
-        </p:spPr>
-        <p:txBody>
-          <a:bodyPr wrap="square" rtlCol="0">
-            <a:spAutoFit/>
-          </a:bodyPr>
-          <a:lstStyle/>
-          <a:p>
-            <a:r>
-              <a:rPr lang="en-US" altLang="ko-KR" sz="1600" smtClean="0"/>
-              <a:t>1 . git init</a:t>
-            </a:r>
-            <a:r>
-              <a:rPr lang="ko-KR" altLang="en-US" sz="1600" smtClean="0"/>
-              <a:t>으로 깃으로 현재 경로 등록하기</a:t>
-            </a:r>
-            <a:endParaRPr lang="ko-KR" altLang="en-US" sz="1600"/>
-          </a:p>
-        </p:txBody>
-      </p:sp>
-      <p:sp>
-        <p:nvSpPr>
-          <p:cNvPr id="6" name="TextBox 5"/>
-          <p:cNvSpPr txBox="1"/>
-          <p:nvPr/>
-        </p:nvSpPr>
-        <p:spPr>
-          <a:xfrm>
-            <a:off x="6356195" y="2440135"/>
-            <a:ext cx="5140712" cy="584775"/>
-          </a:xfrm>
-          <a:prstGeom prst="rect">
-            <a:avLst/>
-          </a:prstGeom>
-          <a:noFill/>
-        </p:spPr>
-        <p:txBody>
-          <a:bodyPr wrap="square" rtlCol="0">
-            <a:spAutoFit/>
-          </a:bodyPr>
-          <a:lstStyle/>
-          <a:p>
-            <a:r>
-              <a:rPr lang="en-US" altLang="ko-KR" sz="1600" smtClean="0"/>
-              <a:t>2 . git add . </a:t>
-            </a:r>
-            <a:r>
-              <a:rPr lang="ko-KR" altLang="en-US" sz="1600" smtClean="0"/>
-              <a:t>현재 경로내에 작업 변경 내용을 스테이징 영역</a:t>
-            </a:r>
-            <a:r>
-              <a:rPr lang="en-US" altLang="ko-KR" sz="1600" smtClean="0"/>
-              <a:t>(staging area)</a:t>
-            </a:r>
-            <a:r>
-              <a:rPr lang="ko-KR" altLang="en-US" sz="1600" smtClean="0"/>
-              <a:t>에 추가하기 위해서 사용</a:t>
-            </a:r>
-            <a:endParaRPr lang="ko-KR" altLang="en-US" sz="1600"/>
-          </a:p>
-        </p:txBody>
-      </p:sp>
-      <p:pic>
-        <p:nvPicPr>
-          <p:cNvPr id="8" name="그림 7"/>
-          <p:cNvPicPr>
-            <a:picLocks noChangeAspect="1"/>
-          </p:cNvPicPr>
-          <p:nvPr/>
-        </p:nvPicPr>
-        <p:blipFill>
-          <a:blip r:embed="rId4"/>
-          <a:stretch>
-            <a:fillRect/>
-          </a:stretch>
-        </p:blipFill>
-        <p:spPr>
-          <a:xfrm>
-            <a:off x="22302" y="3430371"/>
-            <a:ext cx="5835572" cy="2171700"/>
-          </a:xfrm>
-          <a:prstGeom prst="rect">
-            <a:avLst/>
-          </a:prstGeom>
-        </p:spPr>
-      </p:pic>
-      <p:sp>
-        <p:nvSpPr>
-          <p:cNvPr id="9" name="TextBox 8"/>
-          <p:cNvSpPr txBox="1"/>
-          <p:nvPr/>
-        </p:nvSpPr>
-        <p:spPr>
-          <a:xfrm>
-            <a:off x="6356195" y="3430371"/>
-            <a:ext cx="5140712" cy="338554"/>
-          </a:xfrm>
-          <a:prstGeom prst="rect">
-            <a:avLst/>
-          </a:prstGeom>
-          <a:noFill/>
-        </p:spPr>
-        <p:txBody>
-          <a:bodyPr wrap="square" rtlCol="0">
-            <a:spAutoFit/>
-          </a:bodyPr>
-          <a:lstStyle/>
-          <a:p>
-            <a:r>
-              <a:rPr lang="en-US" altLang="ko-KR" sz="1600" smtClean="0"/>
-              <a:t>3 . git status</a:t>
-            </a:r>
-            <a:r>
-              <a:rPr lang="ko-KR" altLang="en-US" sz="1600" smtClean="0"/>
-              <a:t>로 </a:t>
-            </a:r>
-            <a:r>
-              <a:rPr lang="en-US" altLang="ko-KR" sz="1600" smtClean="0"/>
-              <a:t>git </a:t>
-            </a:r>
-            <a:r>
-              <a:rPr lang="ko-KR" altLang="en-US" sz="1600" smtClean="0"/>
-              <a:t>상태 확인하기 </a:t>
-            </a:r>
-            <a:endParaRPr lang="ko-KR" altLang="en-US" sz="1600"/>
-          </a:p>
-        </p:txBody>
-      </p:sp>
-      <p:sp>
-        <p:nvSpPr>
-          <p:cNvPr id="11" name="모서리가 둥근 직사각형 10"/>
-          <p:cNvSpPr/>
-          <p:nvPr/>
-        </p:nvSpPr>
-        <p:spPr>
-          <a:xfrm>
-            <a:off x="0" y="0"/>
-            <a:ext cx="12192000" cy="483326"/>
-          </a:xfrm>
-          <a:prstGeom prst="roundRect">
-            <a:avLst/>
-          </a:prstGeom>
-          <a:solidFill>
-            <a:schemeClr val="accent3">
-              <a:lumMod val="20000"/>
-              <a:lumOff val="80000"/>
-            </a:schemeClr>
-          </a:solidFill>
-          <a:ln>
-            <a:solidFill>
-              <a:schemeClr val="bg1"/>
-            </a:solidFill>
-          </a:ln>
-        </p:spPr>
-        <p:style>
-          <a:lnRef idx="2">
-            <a:schemeClr val="accent1">
-              <a:shade val="50000"/>
-            </a:schemeClr>
-          </a:lnRef>
-          <a:fillRef idx="1">
-            <a:schemeClr val="accent1"/>
-          </a:fillRef>
-          <a:effectRef idx="0">
-            <a:schemeClr val="accent1"/>
-          </a:effectRef>
-          <a:fontRef idx="minor">
-            <a:schemeClr val="lt1"/>
-          </a:fontRef>
-        </p:style>
-        <p:txBody>
-          <a:bodyPr rtlCol="0" anchor="ctr"/>
-          <a:lstStyle/>
-          <a:p>
-            <a:pPr algn="ctr"/>
-            <a:r>
-              <a:rPr lang="ko-KR" altLang="en-US" smtClean="0">
-                <a:solidFill>
-                  <a:sysClr val="windowText" lastClr="000000"/>
-                </a:solidFill>
-              </a:rPr>
-              <a:t>터미널로 </a:t>
-            </a:r>
-            <a:r>
-              <a:rPr lang="en-US" altLang="ko-KR" smtClean="0">
-                <a:solidFill>
-                  <a:sysClr val="windowText" lastClr="000000"/>
-                </a:solidFill>
-              </a:rPr>
-              <a:t>Git </a:t>
-            </a:r>
-            <a:r>
-              <a:rPr lang="ko-KR" altLang="en-US" smtClean="0">
-                <a:solidFill>
-                  <a:sysClr val="windowText" lastClr="000000"/>
-                </a:solidFill>
-              </a:rPr>
-              <a:t>처음 생성 과정</a:t>
-            </a:r>
-            <a:endParaRPr lang="ko-KR" altLang="en-US">
-              <a:solidFill>
-                <a:sysClr val="windowText" lastClr="000000"/>
-              </a:solidFill>
-            </a:endParaRPr>
-          </a:p>
-        </p:txBody>
-      </p:sp>
-    </p:spTree>
-    <p:extLst>
-      <p:ext uri="{BB962C8B-B14F-4D97-AF65-F5344CB8AC3E}">
-        <p14:creationId xmlns:p14="http://schemas.microsoft.com/office/powerpoint/2010/main" val="2371689806"/>
-      </p:ext>
-    </p:extLst>
-  </p:cSld>
-  <p:clrMapOvr>
-    <a:masterClrMapping/>
-  </p:clrMapOvr>
-  <p:timing>
-    <p:tnLst>
-      <p:par>
-        <p:cTn id="1" dur="indefinite" restart="never" nodeType="tmRoot"/>
-      </p:par>
-    </p:tnLst>
-  </p:timing>
-</p:sld>
-</file>
-
-<file path=ppt/slides/slide13.xml><?xml version="1.0" encoding="utf-8"?>
-<p:sld xmlns:a="http://schemas.openxmlformats.org/drawingml/2006/main" xmlns:r="http://schemas.openxmlformats.org/officeDocument/2006/relationships" xmlns:p="http://schemas.openxmlformats.org/presentationml/2006/main">
-  <p:cSld>
-    <p:spTree>
-      <p:nvGrpSpPr>
-        <p:cNvPr id="1" name=""/>
-        <p:cNvGrpSpPr/>
-        <p:nvPr/>
-      </p:nvGrpSpPr>
-      <p:grpSpPr>
-        <a:xfrm>
-          <a:off x="0" y="0"/>
-          <a:ext cx="0" cy="0"/>
-          <a:chOff x="0" y="0"/>
-          <a:chExt cx="0" cy="0"/>
-        </a:xfrm>
-      </p:grpSpPr>
-      <p:pic>
-        <p:nvPicPr>
-          <p:cNvPr id="3" name="그림 2"/>
-          <p:cNvPicPr>
-            <a:picLocks noChangeAspect="1"/>
-          </p:cNvPicPr>
-          <p:nvPr/>
-        </p:nvPicPr>
-        <p:blipFill>
-          <a:blip r:embed="rId2"/>
-          <a:stretch>
-            <a:fillRect/>
-          </a:stretch>
-        </p:blipFill>
-        <p:spPr>
-          <a:xfrm>
-            <a:off x="0" y="476194"/>
-            <a:ext cx="4410075" cy="1895475"/>
-          </a:xfrm>
-          <a:prstGeom prst="rect">
-            <a:avLst/>
-          </a:prstGeom>
-        </p:spPr>
-      </p:pic>
-      <p:pic>
-        <p:nvPicPr>
-          <p:cNvPr id="5" name="그림 4"/>
-          <p:cNvPicPr>
-            <a:picLocks noChangeAspect="1"/>
-          </p:cNvPicPr>
-          <p:nvPr/>
-        </p:nvPicPr>
-        <p:blipFill>
-          <a:blip r:embed="rId3"/>
-          <a:stretch>
-            <a:fillRect/>
-          </a:stretch>
-        </p:blipFill>
-        <p:spPr>
-          <a:xfrm>
-            <a:off x="-1" y="2689014"/>
-            <a:ext cx="4410075" cy="1054163"/>
-          </a:xfrm>
-          <a:prstGeom prst="rect">
-            <a:avLst/>
-          </a:prstGeom>
-        </p:spPr>
-      </p:pic>
-      <p:pic>
-        <p:nvPicPr>
-          <p:cNvPr id="7" name="그림 6"/>
-          <p:cNvPicPr>
-            <a:picLocks noChangeAspect="1"/>
-          </p:cNvPicPr>
-          <p:nvPr/>
-        </p:nvPicPr>
-        <p:blipFill>
-          <a:blip r:embed="rId4"/>
-          <a:stretch>
-            <a:fillRect/>
-          </a:stretch>
-        </p:blipFill>
-        <p:spPr>
-          <a:xfrm>
-            <a:off x="0" y="4393060"/>
-            <a:ext cx="4419600" cy="1666875"/>
-          </a:xfrm>
-          <a:prstGeom prst="rect">
-            <a:avLst/>
-          </a:prstGeom>
-        </p:spPr>
-      </p:pic>
-      <p:sp>
-        <p:nvSpPr>
-          <p:cNvPr id="8" name="모서리가 둥근 직사각형 7"/>
-          <p:cNvSpPr/>
-          <p:nvPr/>
-        </p:nvSpPr>
-        <p:spPr>
-          <a:xfrm>
-            <a:off x="0" y="0"/>
-            <a:ext cx="12192000" cy="483326"/>
-          </a:xfrm>
-          <a:prstGeom prst="roundRect">
-            <a:avLst/>
-          </a:prstGeom>
-          <a:solidFill>
-            <a:schemeClr val="accent3">
-              <a:lumMod val="20000"/>
-              <a:lumOff val="80000"/>
-            </a:schemeClr>
-          </a:solidFill>
-          <a:ln>
-            <a:solidFill>
-              <a:schemeClr val="bg1"/>
-            </a:solidFill>
-          </a:ln>
-        </p:spPr>
-        <p:style>
-          <a:lnRef idx="2">
-            <a:schemeClr val="accent1">
-              <a:shade val="50000"/>
-            </a:schemeClr>
-          </a:lnRef>
-          <a:fillRef idx="1">
-            <a:schemeClr val="accent1"/>
-          </a:fillRef>
-          <a:effectRef idx="0">
-            <a:schemeClr val="accent1"/>
-          </a:effectRef>
-          <a:fontRef idx="minor">
-            <a:schemeClr val="lt1"/>
-          </a:fontRef>
-        </p:style>
-        <p:txBody>
-          <a:bodyPr rtlCol="0" anchor="ctr"/>
-          <a:lstStyle/>
-          <a:p>
-            <a:pPr algn="ctr"/>
-            <a:r>
-              <a:rPr lang="en-US" altLang="ko-KR" smtClean="0">
-                <a:solidFill>
-                  <a:sysClr val="windowText" lastClr="000000"/>
-                </a:solidFill>
-              </a:rPr>
-              <a:t>Git </a:t>
-            </a:r>
-            <a:r>
-              <a:rPr lang="ko-KR" altLang="en-US" smtClean="0">
-                <a:solidFill>
-                  <a:sysClr val="windowText" lastClr="000000"/>
-                </a:solidFill>
-              </a:rPr>
-              <a:t>자주 사용하는 명령어 </a:t>
-            </a:r>
-            <a:r>
-              <a:rPr lang="en-US" altLang="ko-KR" smtClean="0">
-                <a:solidFill>
-                  <a:sysClr val="windowText" lastClr="000000"/>
-                </a:solidFill>
-              </a:rPr>
-              <a:t>– commit, log, status</a:t>
-            </a:r>
-            <a:endParaRPr lang="ko-KR" altLang="en-US">
-              <a:solidFill>
-                <a:sysClr val="windowText" lastClr="000000"/>
-              </a:solidFill>
-            </a:endParaRPr>
-          </a:p>
-        </p:txBody>
-      </p:sp>
-      <p:sp>
-        <p:nvSpPr>
-          <p:cNvPr id="9" name="TextBox 8"/>
-          <p:cNvSpPr txBox="1"/>
-          <p:nvPr/>
-        </p:nvSpPr>
-        <p:spPr>
-          <a:xfrm>
-            <a:off x="5730681" y="497922"/>
-            <a:ext cx="5140712" cy="338554"/>
-          </a:xfrm>
-          <a:prstGeom prst="rect">
-            <a:avLst/>
-          </a:prstGeom>
-          <a:noFill/>
-        </p:spPr>
-        <p:txBody>
-          <a:bodyPr wrap="square" rtlCol="0">
-            <a:spAutoFit/>
-          </a:bodyPr>
-          <a:lstStyle/>
-          <a:p>
-            <a:r>
-              <a:rPr lang="en-US" altLang="ko-KR" sz="1600" smtClean="0"/>
-              <a:t>git commit –m </a:t>
-            </a:r>
-            <a:r>
-              <a:rPr lang="ko-KR" altLang="en-US" sz="1600" smtClean="0"/>
-              <a:t>로 커밋</a:t>
-            </a:r>
-            <a:r>
-              <a:rPr lang="en-US" altLang="ko-KR" sz="1600" smtClean="0"/>
-              <a:t>. –m </a:t>
-            </a:r>
-            <a:r>
-              <a:rPr lang="ko-KR" altLang="en-US" sz="1600" smtClean="0"/>
-              <a:t>으로 커밋 내용 작성</a:t>
-            </a:r>
-            <a:endParaRPr lang="ko-KR" altLang="en-US" sz="1600"/>
-          </a:p>
-        </p:txBody>
-      </p:sp>
-      <p:sp>
-        <p:nvSpPr>
-          <p:cNvPr id="10" name="TextBox 9"/>
-          <p:cNvSpPr txBox="1"/>
-          <p:nvPr/>
-        </p:nvSpPr>
-        <p:spPr>
-          <a:xfrm>
-            <a:off x="5730681" y="2689014"/>
-            <a:ext cx="5140712" cy="338554"/>
-          </a:xfrm>
-          <a:prstGeom prst="rect">
-            <a:avLst/>
-          </a:prstGeom>
-          <a:noFill/>
-        </p:spPr>
-        <p:txBody>
-          <a:bodyPr wrap="square" rtlCol="0">
-            <a:spAutoFit/>
-          </a:bodyPr>
-          <a:lstStyle/>
-          <a:p>
-            <a:r>
-              <a:rPr lang="en-US" altLang="ko-KR" sz="1600" smtClean="0"/>
-              <a:t>git </a:t>
-            </a:r>
-            <a:r>
-              <a:rPr lang="ko-KR" altLang="en-US" sz="1600" smtClean="0"/>
-              <a:t>상태 확인하기 </a:t>
-            </a:r>
-            <a:endParaRPr lang="ko-KR" altLang="en-US" sz="1600"/>
-          </a:p>
-        </p:txBody>
-      </p:sp>
-      <p:sp>
-        <p:nvSpPr>
-          <p:cNvPr id="11" name="TextBox 10"/>
-          <p:cNvSpPr txBox="1"/>
-          <p:nvPr/>
-        </p:nvSpPr>
-        <p:spPr>
-          <a:xfrm>
-            <a:off x="5730681" y="4393060"/>
-            <a:ext cx="5140712" cy="338554"/>
-          </a:xfrm>
-          <a:prstGeom prst="rect">
-            <a:avLst/>
-          </a:prstGeom>
-          <a:noFill/>
-        </p:spPr>
-        <p:txBody>
-          <a:bodyPr wrap="square" rtlCol="0">
-            <a:spAutoFit/>
-          </a:bodyPr>
-          <a:lstStyle/>
-          <a:p>
-            <a:r>
-              <a:rPr lang="en-US" altLang="ko-KR" sz="1600" smtClean="0"/>
-              <a:t>git </a:t>
-            </a:r>
-            <a:r>
-              <a:rPr lang="ko-KR" altLang="en-US" sz="1600" smtClean="0"/>
-              <a:t>사용 기록 확인하기</a:t>
-            </a:r>
-            <a:endParaRPr lang="ko-KR" altLang="en-US" sz="1600"/>
-          </a:p>
-        </p:txBody>
-      </p:sp>
-    </p:spTree>
-    <p:extLst>
-      <p:ext uri="{BB962C8B-B14F-4D97-AF65-F5344CB8AC3E}">
-        <p14:creationId xmlns:p14="http://schemas.microsoft.com/office/powerpoint/2010/main" val="2941614742"/>
-      </p:ext>
-    </p:extLst>
-  </p:cSld>
-  <p:clrMapOvr>
-    <a:masterClrMapping/>
-  </p:clrMapOvr>
-  <p:timing>
-    <p:tnLst>
-      <p:par>
-        <p:cTn id="1" dur="indefinite" restart="never" nodeType="tmRoot"/>
-      </p:par>
-    </p:tnLst>
-  </p:timing>
-</p:sld>
-</file>
-
-<file path=ppt/slides/slide14.xml><?xml version="1.0" encoding="utf-8"?>
-<p:sld xmlns:a="http://schemas.openxmlformats.org/drawingml/2006/main" xmlns:r="http://schemas.openxmlformats.org/officeDocument/2006/relationships" xmlns:p="http://schemas.openxmlformats.org/presentationml/2006/main">
-  <p:cSld>
-    <p:spTree>
-      <p:nvGrpSpPr>
-        <p:cNvPr id="1" name=""/>
-        <p:cNvGrpSpPr/>
-        <p:nvPr/>
-      </p:nvGrpSpPr>
-      <p:grpSpPr>
-        <a:xfrm>
-          <a:off x="0" y="0"/>
-          <a:ext cx="0" cy="0"/>
-          <a:chOff x="0" y="0"/>
-          <a:chExt cx="0" cy="0"/>
-        </a:xfrm>
-      </p:grpSpPr>
-      <p:pic>
-        <p:nvPicPr>
           <p:cNvPr id="3" name="그림 2"/>
           <p:cNvPicPr>
             <a:picLocks noChangeAspect="1"/>
@@ -4305,64 +3366,182 @@
           <a:chExt cx="0" cy="0"/>
         </a:xfrm>
       </p:grpSpPr>
-      <p:pic>
-        <p:nvPicPr>
-          <p:cNvPr id="4" name="그림 3"/>
-          <p:cNvPicPr>
-            <a:picLocks noChangeAspect="1"/>
-          </p:cNvPicPr>
+      <p:sp>
+        <p:nvSpPr>
+          <p:cNvPr id="4" name="TextBox 3"/>
+          <p:cNvSpPr txBox="1"/>
           <p:nvPr/>
-        </p:nvPicPr>
-        <p:blipFill>
-          <a:blip r:embed="rId2"/>
-          <a:stretch>
-            <a:fillRect/>
-          </a:stretch>
-        </p:blipFill>
-        <p:spPr>
-          <a:xfrm>
-            <a:off x="6655970" y="1018674"/>
-            <a:ext cx="5158093" cy="4481512"/>
+        </p:nvSpPr>
+        <p:spPr>
+          <a:xfrm>
+            <a:off x="1594624" y="613317"/>
+            <a:ext cx="9422781" cy="5016758"/>
           </a:xfrm>
           <a:prstGeom prst="rect">
             <a:avLst/>
           </a:prstGeom>
-        </p:spPr>
-      </p:pic>
-      <p:pic>
-        <p:nvPicPr>
-          <p:cNvPr id="5" name="그림 4"/>
-          <p:cNvPicPr>
-            <a:picLocks noChangeAspect="1"/>
-          </p:cNvPicPr>
-          <p:nvPr/>
-        </p:nvPicPr>
-        <p:blipFill>
-          <a:blip r:embed="rId3"/>
-          <a:stretch>
-            <a:fillRect/>
-          </a:stretch>
-        </p:blipFill>
-        <p:spPr>
-          <a:xfrm>
-            <a:off x="264946" y="1018674"/>
-            <a:ext cx="5742824" cy="4651331"/>
-          </a:xfrm>
-          <a:prstGeom prst="rect">
-            <a:avLst/>
-          </a:prstGeom>
-        </p:spPr>
-      </p:pic>
+          <a:noFill/>
+        </p:spPr>
+        <p:txBody>
+          <a:bodyPr wrap="square" rtlCol="0">
+            <a:spAutoFit/>
+          </a:bodyPr>
+          <a:lstStyle/>
+          <a:p>
+            <a:pPr marL="342900" indent="-342900">
+              <a:lnSpc>
+                <a:spcPct val="200000"/>
+              </a:lnSpc>
+              <a:buAutoNum type="arabicPeriod"/>
+            </a:pPr>
+            <a:r>
+              <a:rPr lang="en-US" altLang="ko-KR" sz="2000" b="1" smtClean="0"/>
+              <a:t>VS CODE </a:t>
+            </a:r>
+            <a:r>
+              <a:rPr lang="ko-KR" altLang="en-US" sz="2000" b="1" smtClean="0"/>
+              <a:t>설치</a:t>
+            </a:r>
+            <a:endParaRPr lang="en-US" altLang="ko-KR" sz="2000" b="1" smtClean="0"/>
+          </a:p>
+          <a:p>
+            <a:pPr marL="342900" indent="-342900">
+              <a:lnSpc>
+                <a:spcPct val="200000"/>
+              </a:lnSpc>
+              <a:buAutoNum type="arabicPeriod"/>
+            </a:pPr>
+            <a:r>
+              <a:rPr lang="en-US" altLang="ko-KR" sz="2000" b="1" smtClean="0"/>
+              <a:t>VS CODE_One Dark Pro (</a:t>
+            </a:r>
+            <a:r>
+              <a:rPr lang="ko-KR" altLang="en-US" sz="2000" b="1" smtClean="0"/>
+              <a:t>테마</a:t>
+            </a:r>
+            <a:r>
+              <a:rPr lang="en-US" altLang="ko-KR" sz="2000" b="1" smtClean="0"/>
+              <a:t>) </a:t>
+            </a:r>
+            <a:r>
+              <a:rPr lang="ko-KR" altLang="en-US" sz="2000" b="1" smtClean="0"/>
+              <a:t>설치</a:t>
+            </a:r>
+            <a:endParaRPr lang="en-US" altLang="ko-KR" sz="2000" b="1" smtClean="0"/>
+          </a:p>
+          <a:p>
+            <a:pPr marL="342900" indent="-342900">
+              <a:lnSpc>
+                <a:spcPct val="200000"/>
+              </a:lnSpc>
+              <a:buAutoNum type="arabicPeriod"/>
+            </a:pPr>
+            <a:r>
+              <a:rPr lang="en-US" altLang="ko-KR" sz="2000" b="1" smtClean="0"/>
+              <a:t>VS CODE_Live Server </a:t>
+            </a:r>
+            <a:r>
+              <a:rPr lang="ko-KR" altLang="en-US" sz="2000" b="1" smtClean="0"/>
+              <a:t>설치</a:t>
+            </a:r>
+            <a:endParaRPr lang="en-US" altLang="ko-KR" sz="2000" b="1" smtClean="0"/>
+          </a:p>
+          <a:p>
+            <a:pPr marL="342900" indent="-342900">
+              <a:lnSpc>
+                <a:spcPct val="200000"/>
+              </a:lnSpc>
+              <a:buAutoNum type="arabicPeriod"/>
+            </a:pPr>
+            <a:r>
+              <a:rPr lang="en-US" altLang="ko-KR" sz="2000" b="1" smtClean="0"/>
+              <a:t>VS CODE_MySQL </a:t>
+            </a:r>
+            <a:r>
+              <a:rPr lang="ko-KR" altLang="en-US" sz="2000" b="1" smtClean="0"/>
+              <a:t>설치</a:t>
+            </a:r>
+            <a:endParaRPr lang="en-US" altLang="ko-KR" sz="2000" b="1" smtClean="0"/>
+          </a:p>
+          <a:p>
+            <a:pPr marL="342900" indent="-342900">
+              <a:lnSpc>
+                <a:spcPct val="200000"/>
+              </a:lnSpc>
+              <a:buAutoNum type="arabicPeriod"/>
+            </a:pPr>
+            <a:r>
+              <a:rPr lang="en-US" altLang="ko-KR" sz="2000" b="1" smtClean="0"/>
+              <a:t>VS CODE_Git History </a:t>
+            </a:r>
+            <a:r>
+              <a:rPr lang="ko-KR" altLang="en-US" sz="2000" b="1" smtClean="0"/>
+              <a:t>설치</a:t>
+            </a:r>
+            <a:endParaRPr lang="en-US" altLang="ko-KR" sz="2000" b="1" smtClean="0"/>
+          </a:p>
+          <a:p>
+            <a:pPr marL="342900" indent="-342900">
+              <a:lnSpc>
+                <a:spcPct val="200000"/>
+              </a:lnSpc>
+              <a:buAutoNum type="arabicPeriod"/>
+            </a:pPr>
+            <a:r>
+              <a:rPr lang="en-US" altLang="ko-KR" sz="2000" b="1" smtClean="0"/>
+              <a:t>Git </a:t>
+            </a:r>
+            <a:r>
+              <a:rPr lang="ko-KR" altLang="en-US" sz="2000" b="1" smtClean="0"/>
+              <a:t>터미널 에러 및 해결</a:t>
+            </a:r>
+            <a:endParaRPr lang="en-US" altLang="ko-KR" sz="2000" b="1" smtClean="0"/>
+          </a:p>
+          <a:p>
+            <a:pPr marL="342900" indent="-342900">
+              <a:lnSpc>
+                <a:spcPct val="200000"/>
+              </a:lnSpc>
+              <a:buAutoNum type="arabicPeriod"/>
+            </a:pPr>
+            <a:r>
+              <a:rPr lang="en-US" altLang="ko-KR" sz="2000" b="1" smtClean="0"/>
+              <a:t>Git </a:t>
+            </a:r>
+            <a:r>
+              <a:rPr lang="ko-KR" altLang="en-US" sz="2000" b="1" smtClean="0"/>
+              <a:t>초기 설정 명령어 및 자주 사용하는 명령어</a:t>
+            </a:r>
+            <a:endParaRPr lang="en-US" altLang="ko-KR" sz="2000" b="1" smtClean="0"/>
+          </a:p>
+          <a:p>
+            <a:pPr marL="342900" indent="-342900">
+              <a:lnSpc>
+                <a:spcPct val="200000"/>
+              </a:lnSpc>
+              <a:buAutoNum type="arabicPeriod"/>
+            </a:pPr>
+            <a:endParaRPr lang="ko-KR" altLang="en-US" sz="2000" b="1"/>
+          </a:p>
+        </p:txBody>
+      </p:sp>
     </p:spTree>
     <p:extLst>
       <p:ext uri="{BB962C8B-B14F-4D97-AF65-F5344CB8AC3E}">
-        <p14:creationId xmlns:p14="http://schemas.microsoft.com/office/powerpoint/2010/main" val="3992813943"/>
+        <p14:creationId xmlns:p14="http://schemas.microsoft.com/office/powerpoint/2010/main" val="2821041393"/>
       </p:ext>
     </p:extLst>
   </p:cSld>
   <p:clrMapOvr>
     <a:masterClrMapping/>
   </p:clrMapOvr>
+  <p:timing>
+    <p:tnLst>
+      <p:par>
+        <p:cTn id="1" dur="indefinite" restart="never" nodeType="tmRoot"/>
+      </p:par>
+    </p:tnLst>
+  </p:timing>
 </p:sld>
 </file>
 
@@ -4383,64 +3562,276 @@
           <a:chExt cx="0" cy="0"/>
         </a:xfrm>
       </p:grpSpPr>
-      <p:pic>
-        <p:nvPicPr>
-          <p:cNvPr id="4" name="그림 3"/>
-          <p:cNvPicPr>
-            <a:picLocks noChangeAspect="1"/>
-          </p:cNvPicPr>
+      <p:sp>
+        <p:nvSpPr>
+          <p:cNvPr id="3" name="모서리가 둥근 직사각형 2"/>
+          <p:cNvSpPr/>
           <p:nvPr/>
-        </p:nvPicPr>
-        <p:blipFill>
-          <a:blip r:embed="rId2"/>
-          <a:stretch>
-            <a:fillRect/>
-          </a:stretch>
-        </p:blipFill>
-        <p:spPr>
-          <a:xfrm>
-            <a:off x="6511339" y="607094"/>
-            <a:ext cx="5644399" cy="4945780"/>
+        </p:nvSpPr>
+        <p:spPr>
+          <a:xfrm>
+            <a:off x="0" y="0"/>
+            <a:ext cx="12192000" cy="483326"/>
+          </a:xfrm>
+          <a:prstGeom prst="roundRect">
+            <a:avLst/>
+          </a:prstGeom>
+          <a:solidFill>
+            <a:schemeClr val="accent3">
+              <a:lumMod val="20000"/>
+              <a:lumOff val="80000"/>
+            </a:schemeClr>
+          </a:solidFill>
+          <a:ln>
+            <a:solidFill>
+              <a:schemeClr val="bg1"/>
+            </a:solidFill>
+          </a:ln>
+        </p:spPr>
+        <p:style>
+          <a:lnRef idx="2">
+            <a:schemeClr val="accent1">
+              <a:shade val="50000"/>
+            </a:schemeClr>
+          </a:lnRef>
+          <a:fillRef idx="1">
+            <a:schemeClr val="accent1"/>
+          </a:fillRef>
+          <a:effectRef idx="0">
+            <a:schemeClr val="accent1"/>
+          </a:effectRef>
+          <a:fontRef idx="minor">
+            <a:schemeClr val="lt1"/>
+          </a:fontRef>
+        </p:style>
+        <p:txBody>
+          <a:bodyPr rtlCol="0" anchor="ctr"/>
+          <a:lstStyle/>
+          <a:p>
+            <a:pPr algn="ctr"/>
+            <a:r>
+              <a:rPr lang="ko-KR" altLang="en-US" smtClean="0">
+                <a:solidFill>
+                  <a:sysClr val="windowText" lastClr="000000"/>
+                </a:solidFill>
+              </a:rPr>
+              <a:t>정규식</a:t>
+            </a:r>
+            <a:r>
+              <a:rPr lang="en-US" altLang="ko-KR">
+                <a:solidFill>
+                  <a:sysClr val="windowText" lastClr="000000"/>
+                </a:solidFill>
+              </a:rPr>
+              <a:t>(</a:t>
+            </a:r>
+            <a:r>
+              <a:rPr lang="en-US" altLang="ko-KR">
+                <a:solidFill>
+                  <a:sysClr val="windowText" lastClr="000000"/>
+                </a:solidFill>
+                <a:hlinkClick r:id="rId2"/>
+              </a:rPr>
+              <a:t>https://regexr.com</a:t>
+            </a:r>
+            <a:r>
+              <a:rPr lang="en-US" altLang="ko-KR" smtClean="0">
+                <a:solidFill>
+                  <a:sysClr val="windowText" lastClr="000000"/>
+                </a:solidFill>
+                <a:hlinkClick r:id="rId2"/>
+              </a:rPr>
+              <a:t>/</a:t>
+            </a:r>
+            <a:r>
+              <a:rPr lang="en-US" altLang="ko-KR" smtClean="0">
+                <a:solidFill>
+                  <a:sysClr val="windowText" lastClr="000000"/>
+                </a:solidFill>
+              </a:rPr>
+              <a:t>) &lt;-</a:t>
+            </a:r>
+            <a:r>
+              <a:rPr lang="ko-KR" altLang="en-US" smtClean="0">
+                <a:solidFill>
+                  <a:sysClr val="windowText" lastClr="000000"/>
+                </a:solidFill>
+              </a:rPr>
+              <a:t>테스트 할 수 있는 사이트</a:t>
+            </a:r>
+            <a:endParaRPr lang="ko-KR" altLang="en-US">
+              <a:solidFill>
+                <a:sysClr val="windowText" lastClr="000000"/>
+              </a:solidFill>
+            </a:endParaRPr>
+          </a:p>
+        </p:txBody>
+      </p:sp>
+      <p:sp>
+        <p:nvSpPr>
+          <p:cNvPr id="4" name="TextBox 3"/>
+          <p:cNvSpPr txBox="1"/>
+          <p:nvPr/>
+        </p:nvSpPr>
+        <p:spPr>
+          <a:xfrm>
+            <a:off x="5077327" y="2061406"/>
+            <a:ext cx="7251032" cy="2677656"/>
           </a:xfrm>
           <a:prstGeom prst="rect">
             <a:avLst/>
           </a:prstGeom>
-        </p:spPr>
-      </p:pic>
-      <p:pic>
-        <p:nvPicPr>
-          <p:cNvPr id="5" name="그림 4"/>
-          <p:cNvPicPr>
-            <a:picLocks noChangeAspect="1"/>
-          </p:cNvPicPr>
-          <p:nvPr/>
-        </p:nvPicPr>
-        <p:blipFill>
-          <a:blip r:embed="rId3"/>
-          <a:stretch>
-            <a:fillRect/>
-          </a:stretch>
-        </p:blipFill>
-        <p:spPr>
-          <a:xfrm>
-            <a:off x="308058" y="607094"/>
-            <a:ext cx="5595437" cy="4945780"/>
-          </a:xfrm>
-          <a:prstGeom prst="rect">
-            <a:avLst/>
-          </a:prstGeom>
-        </p:spPr>
-      </p:pic>
+          <a:noFill/>
+        </p:spPr>
+        <p:txBody>
+          <a:bodyPr wrap="square" rtlCol="0">
+            <a:spAutoFit/>
+          </a:bodyPr>
+          <a:lstStyle/>
+          <a:p>
+            <a:pPr>
+              <a:lnSpc>
+                <a:spcPct val="150000"/>
+              </a:lnSpc>
+            </a:pPr>
+            <a:r>
+              <a:rPr lang="ko-KR" altLang="en-US" sz="1400" smtClean="0"/>
+              <a:t>정규식이란 </a:t>
+            </a:r>
+            <a:r>
+              <a:rPr lang="en-US" altLang="ko-KR" sz="1400" smtClean="0"/>
+              <a:t>, </a:t>
+            </a:r>
+            <a:r>
+              <a:rPr lang="ko-KR" altLang="en-US" sz="1400" smtClean="0"/>
+              <a:t>정규 </a:t>
+            </a:r>
+            <a:r>
+              <a:rPr lang="ko-KR" altLang="en-US" sz="1400"/>
+              <a:t>표현식</a:t>
+            </a:r>
+            <a:r>
+              <a:rPr lang="en-US" altLang="ko-KR" sz="1400"/>
+              <a:t>, </a:t>
+            </a:r>
+            <a:r>
+              <a:rPr lang="ko-KR" altLang="en-US" sz="1400"/>
+              <a:t>또는 정규식은 문자열에서 특정 문자 조합을 찾기 위한 </a:t>
+            </a:r>
+            <a:r>
+              <a:rPr lang="ko-KR" altLang="en-US" sz="1400" smtClean="0"/>
+              <a:t>패턴</a:t>
+            </a:r>
+            <a:r>
+              <a:rPr lang="en-US" altLang="ko-KR" sz="1400" smtClean="0"/>
+              <a:t>.</a:t>
+            </a:r>
+          </a:p>
+          <a:p>
+            <a:pPr>
+              <a:lnSpc>
+                <a:spcPct val="150000"/>
+              </a:lnSpc>
+            </a:pPr>
+            <a:r>
+              <a:rPr lang="ko-KR" altLang="en-US" sz="1400" smtClean="0"/>
+              <a:t>내가 원하는 규칙을 정할 수 있다</a:t>
+            </a:r>
+            <a:r>
+              <a:rPr lang="en-US" altLang="ko-KR" sz="1400" smtClean="0"/>
+              <a:t>(</a:t>
+            </a:r>
+            <a:r>
+              <a:rPr lang="ko-KR" altLang="en-US" sz="1400" smtClean="0"/>
+              <a:t>특정 형식에 맞춰서</a:t>
+            </a:r>
+            <a:r>
+              <a:rPr lang="en-US" altLang="ko-KR" sz="1400" smtClean="0"/>
+              <a:t>)</a:t>
+            </a:r>
+          </a:p>
+          <a:p>
+            <a:pPr>
+              <a:lnSpc>
+                <a:spcPct val="150000"/>
+              </a:lnSpc>
+            </a:pPr>
+            <a:endParaRPr lang="en-US" altLang="ko-KR" sz="1400"/>
+          </a:p>
+          <a:p>
+            <a:pPr>
+              <a:lnSpc>
+                <a:spcPct val="150000"/>
+              </a:lnSpc>
+            </a:pPr>
+            <a:r>
+              <a:rPr lang="ko-KR" altLang="en-US" sz="1400" smtClean="0"/>
+              <a:t>사용 예시 </a:t>
+            </a:r>
+            <a:r>
+              <a:rPr lang="en-US" altLang="ko-KR" sz="1400"/>
+              <a:t>: </a:t>
+            </a:r>
+            <a:endParaRPr lang="en-US" altLang="ko-KR" sz="1400" smtClean="0"/>
+          </a:p>
+          <a:p>
+            <a:pPr>
+              <a:lnSpc>
+                <a:spcPct val="150000"/>
+              </a:lnSpc>
+            </a:pPr>
+            <a:r>
+              <a:rPr lang="en-US" altLang="ko-KR" sz="1400" smtClean="0"/>
+              <a:t>&lt;</a:t>
+            </a:r>
+            <a:r>
+              <a:rPr lang="en-US" altLang="ko-KR" sz="1400"/>
+              <a:t>input type="text" oninput="this.value = this.value.replace(/[^0-9.]/g</a:t>
+            </a:r>
+            <a:r>
+              <a:rPr lang="en-US" altLang="ko-KR" sz="1400" smtClean="0"/>
+              <a:t>, '').</a:t>
+            </a:r>
+            <a:r>
+              <a:rPr lang="en-US" altLang="ko-KR" sz="1400"/>
+              <a:t>replace(/(\..*)\./g, '$1');" /&gt; </a:t>
+            </a:r>
+          </a:p>
+          <a:p>
+            <a:pPr>
+              <a:lnSpc>
+                <a:spcPct val="150000"/>
+              </a:lnSpc>
+            </a:pPr>
+            <a:endParaRPr lang="en-US" altLang="ko-KR" sz="1400" smtClean="0"/>
+          </a:p>
+          <a:p>
+            <a:pPr>
+              <a:lnSpc>
+                <a:spcPct val="150000"/>
+              </a:lnSpc>
+            </a:pPr>
+            <a:endParaRPr lang="ko-KR" altLang="en-US" sz="1400"/>
+          </a:p>
+        </p:txBody>
+      </p:sp>
     </p:spTree>
     <p:extLst>
       <p:ext uri="{BB962C8B-B14F-4D97-AF65-F5344CB8AC3E}">
-        <p14:creationId xmlns:p14="http://schemas.microsoft.com/office/powerpoint/2010/main" val="4164937318"/>
+        <p14:creationId xmlns:p14="http://schemas.microsoft.com/office/powerpoint/2010/main" val="671338981"/>
       </p:ext>
     </p:extLst>
   </p:cSld>
   <p:clrMapOvr>
     <a:masterClrMapping/>
   </p:clrMapOvr>
+  <p:timing>
+    <p:tnLst>
+      <p:par>
+        <p:cTn id="1" dur="indefinite" restart="never" nodeType="tmRoot"/>
+      </p:par>
+    </p:tnLst>
+  </p:timing>
 </p:sld>
 </file>
 
@@ -4463,7 +3854,7 @@
       </p:grpSpPr>
       <p:pic>
         <p:nvPicPr>
-          <p:cNvPr id="4" name="그림 3"/>
+          <p:cNvPr id="2" name="그림 1"/>
           <p:cNvPicPr>
             <a:picLocks noChangeAspect="1"/>
           </p:cNvPicPr>
@@ -4477,48 +3868,110 @@
         </p:blipFill>
         <p:spPr>
           <a:xfrm>
-            <a:off x="6791326" y="312820"/>
-            <a:ext cx="5197530" cy="5221705"/>
+            <a:off x="0" y="754185"/>
+            <a:ext cx="11477625" cy="1762125"/>
           </a:xfrm>
           <a:prstGeom prst="rect">
             <a:avLst/>
           </a:prstGeom>
         </p:spPr>
       </p:pic>
-      <p:pic>
-        <p:nvPicPr>
-          <p:cNvPr id="5" name="그림 4"/>
-          <p:cNvPicPr>
-            <a:picLocks noChangeAspect="1"/>
-          </p:cNvPicPr>
+      <p:sp>
+        <p:nvSpPr>
+          <p:cNvPr id="3" name="모서리가 둥근 직사각형 2"/>
+          <p:cNvSpPr/>
           <p:nvPr/>
-        </p:nvPicPr>
-        <p:blipFill>
-          <a:blip r:embed="rId3"/>
-          <a:stretch>
-            <a:fillRect/>
-          </a:stretch>
-        </p:blipFill>
-        <p:spPr>
-          <a:xfrm>
-            <a:off x="195763" y="312821"/>
-            <a:ext cx="6410325" cy="5695950"/>
-          </a:xfrm>
-          <a:prstGeom prst="rect">
+        </p:nvSpPr>
+        <p:spPr>
+          <a:xfrm>
+            <a:off x="0" y="0"/>
+            <a:ext cx="12192000" cy="483326"/>
+          </a:xfrm>
+          <a:prstGeom prst="roundRect">
             <a:avLst/>
           </a:prstGeom>
-        </p:spPr>
-      </p:pic>
+          <a:solidFill>
+            <a:schemeClr val="accent3">
+              <a:lumMod val="20000"/>
+              <a:lumOff val="80000"/>
+            </a:schemeClr>
+          </a:solidFill>
+          <a:ln>
+            <a:solidFill>
+              <a:schemeClr val="bg1"/>
+            </a:solidFill>
+          </a:ln>
+        </p:spPr>
+        <p:style>
+          <a:lnRef idx="2">
+            <a:schemeClr val="accent1">
+              <a:shade val="50000"/>
+            </a:schemeClr>
+          </a:lnRef>
+          <a:fillRef idx="1">
+            <a:schemeClr val="accent1"/>
+          </a:fillRef>
+          <a:effectRef idx="0">
+            <a:schemeClr val="accent1"/>
+          </a:effectRef>
+          <a:fontRef idx="minor">
+            <a:schemeClr val="lt1"/>
+          </a:fontRef>
+        </p:style>
+        <p:txBody>
+          <a:bodyPr rtlCol="0" anchor="ctr"/>
+          <a:lstStyle/>
+          <a:p>
+            <a:pPr algn="ctr"/>
+            <a:r>
+              <a:rPr lang="en-US" altLang="ko-KR" smtClean="0">
+                <a:solidFill>
+                  <a:sysClr val="windowText" lastClr="000000"/>
+                </a:solidFill>
+              </a:rPr>
+              <a:t>Live Server – Visual Studio Code local </a:t>
+            </a:r>
+            <a:r>
+              <a:rPr lang="ko-KR" altLang="en-US" smtClean="0">
+                <a:solidFill>
+                  <a:sysClr val="windowText" lastClr="000000"/>
+                </a:solidFill>
+              </a:rPr>
+              <a:t>서버 연결을 실시간으로 해줌</a:t>
+            </a:r>
+            <a:r>
+              <a:rPr lang="en-US" altLang="ko-KR" smtClean="0">
+                <a:solidFill>
+                  <a:sysClr val="windowText" lastClr="000000"/>
+                </a:solidFill>
+              </a:rPr>
+              <a:t>.</a:t>
+            </a:r>
+            <a:endParaRPr lang="ko-KR" altLang="en-US">
+              <a:solidFill>
+                <a:sysClr val="windowText" lastClr="000000"/>
+              </a:solidFill>
+            </a:endParaRPr>
+          </a:p>
+        </p:txBody>
+      </p:sp>
     </p:spTree>
     <p:extLst>
       <p:ext uri="{BB962C8B-B14F-4D97-AF65-F5344CB8AC3E}">
-        <p14:creationId xmlns:p14="http://schemas.microsoft.com/office/powerpoint/2010/main" val="713891898"/>
+        <p14:creationId xmlns:p14="http://schemas.microsoft.com/office/powerpoint/2010/main" val="1917016563"/>
       </p:ext>
     </p:extLst>
   </p:cSld>
   <p:clrMapOvr>
     <a:masterClrMapping/>
   </p:clrMapOvr>
+  <p:timing>
+    <p:tnLst>
+      <p:par>
+        <p:cTn id="1" dur="indefinite" restart="never" nodeType="tmRoot"/>
+      </p:par>
+    </p:tnLst>
+  </p:timing>
 </p:sld>
 </file>
 
@@ -4541,7 +3994,7 @@
       </p:grpSpPr>
       <p:pic>
         <p:nvPicPr>
-          <p:cNvPr id="4" name="그림 3"/>
+          <p:cNvPr id="2" name="그림 1"/>
           <p:cNvPicPr>
             <a:picLocks noChangeAspect="1"/>
           </p:cNvPicPr>
@@ -4555,8 +4008,8 @@
         </p:blipFill>
         <p:spPr>
           <a:xfrm>
-            <a:off x="6798845" y="285497"/>
-            <a:ext cx="5219700" cy="5019675"/>
+            <a:off x="261822" y="698693"/>
+            <a:ext cx="3371850" cy="1914525"/>
           </a:xfrm>
           <a:prstGeom prst="rect">
             <a:avLst/>
@@ -4565,7 +4018,7 @@
       </p:pic>
       <p:pic>
         <p:nvPicPr>
-          <p:cNvPr id="5" name="그림 4"/>
+          <p:cNvPr id="3" name="그림 2"/>
           <p:cNvPicPr>
             <a:picLocks noChangeAspect="1"/>
           </p:cNvPicPr>
@@ -4579,24 +4032,126 @@
         </p:blipFill>
         <p:spPr>
           <a:xfrm>
-            <a:off x="179471" y="285497"/>
-            <a:ext cx="6408225" cy="5537421"/>
+            <a:off x="261822" y="3024138"/>
+            <a:ext cx="3374877" cy="816342"/>
           </a:xfrm>
           <a:prstGeom prst="rect">
             <a:avLst/>
           </a:prstGeom>
         </p:spPr>
       </p:pic>
+      <p:sp>
+        <p:nvSpPr>
+          <p:cNvPr id="4" name="모서리가 둥근 직사각형 3"/>
+          <p:cNvSpPr/>
+          <p:nvPr/>
+        </p:nvSpPr>
+        <p:spPr>
+          <a:xfrm>
+            <a:off x="0" y="0"/>
+            <a:ext cx="12192000" cy="483326"/>
+          </a:xfrm>
+          <a:prstGeom prst="roundRect">
+            <a:avLst/>
+          </a:prstGeom>
+          <a:solidFill>
+            <a:schemeClr val="accent3">
+              <a:lumMod val="20000"/>
+              <a:lumOff val="80000"/>
+            </a:schemeClr>
+          </a:solidFill>
+          <a:ln>
+            <a:solidFill>
+              <a:schemeClr val="bg1"/>
+            </a:solidFill>
+          </a:ln>
+        </p:spPr>
+        <p:style>
+          <a:lnRef idx="2">
+            <a:schemeClr val="accent1">
+              <a:shade val="50000"/>
+            </a:schemeClr>
+          </a:lnRef>
+          <a:fillRef idx="1">
+            <a:schemeClr val="accent1"/>
+          </a:fillRef>
+          <a:effectRef idx="0">
+            <a:schemeClr val="accent1"/>
+          </a:effectRef>
+          <a:fontRef idx="minor">
+            <a:schemeClr val="lt1"/>
+          </a:fontRef>
+        </p:style>
+        <p:txBody>
+          <a:bodyPr rtlCol="0" anchor="ctr"/>
+          <a:lstStyle/>
+          <a:p>
+            <a:pPr algn="ctr"/>
+            <a:r>
+              <a:rPr lang="en-US" altLang="ko-KR" smtClean="0">
+                <a:solidFill>
+                  <a:sysClr val="windowText" lastClr="000000"/>
+                </a:solidFill>
+              </a:rPr>
+              <a:t>MySQL – mysql</a:t>
+            </a:r>
+            <a:r>
+              <a:rPr lang="ko-KR" altLang="en-US" smtClean="0">
+                <a:solidFill>
+                  <a:sysClr val="windowText" lastClr="000000"/>
+                </a:solidFill>
+              </a:rPr>
+              <a:t>을 연동시켜주는 확장팩</a:t>
+            </a:r>
+            <a:r>
+              <a:rPr lang="en-US" altLang="ko-KR" smtClean="0">
+                <a:solidFill>
+                  <a:sysClr val="windowText" lastClr="000000"/>
+                </a:solidFill>
+              </a:rPr>
+              <a:t>. Git Histroy – </a:t>
+            </a:r>
+            <a:r>
+              <a:rPr lang="ko-KR" altLang="en-US" smtClean="0">
+                <a:solidFill>
+                  <a:sysClr val="windowText" lastClr="000000"/>
+                </a:solidFill>
+              </a:rPr>
+              <a:t>깃 사용 내역을 보기 편하게 해줌</a:t>
+            </a:r>
+            <a:r>
+              <a:rPr lang="en-US" altLang="ko-KR" smtClean="0">
+                <a:solidFill>
+                  <a:sysClr val="windowText" lastClr="000000"/>
+                </a:solidFill>
+              </a:rPr>
+              <a:t>.</a:t>
+            </a:r>
+            <a:endParaRPr lang="ko-KR" altLang="en-US">
+              <a:solidFill>
+                <a:sysClr val="windowText" lastClr="000000"/>
+              </a:solidFill>
+            </a:endParaRPr>
+          </a:p>
+        </p:txBody>
+      </p:sp>
     </p:spTree>
     <p:extLst>
       <p:ext uri="{BB962C8B-B14F-4D97-AF65-F5344CB8AC3E}">
-        <p14:creationId xmlns:p14="http://schemas.microsoft.com/office/powerpoint/2010/main" val="1042796925"/>
+        <p14:creationId xmlns:p14="http://schemas.microsoft.com/office/powerpoint/2010/main" val="931503997"/>
       </p:ext>
     </p:extLst>
   </p:cSld>
   <p:clrMapOvr>
     <a:masterClrMapping/>
   </p:clrMapOvr>
+  <p:timing>
+    <p:tnLst>
+      <p:par>
+        <p:cTn id="1" dur="indefinite" restart="never" nodeType="tmRoot"/>
+      </p:par>
+    </p:tnLst>
+  </p:timing>
 </p:sld>
 </file>
 
@@ -4617,169 +4172,105 @@
           <a:chExt cx="0" cy="0"/>
         </a:xfrm>
       </p:grpSpPr>
-      <p:sp>
-        <p:nvSpPr>
-          <p:cNvPr id="4" name="TextBox 3"/>
-          <p:cNvSpPr txBox="1"/>
+      <p:pic>
+        <p:nvPicPr>
+          <p:cNvPr id="2" name="그림 1"/>
+          <p:cNvPicPr>
+            <a:picLocks noChangeAspect="1"/>
+          </p:cNvPicPr>
           <p:nvPr/>
-        </p:nvSpPr>
-        <p:spPr>
-          <a:xfrm>
-            <a:off x="1594624" y="613317"/>
-            <a:ext cx="9422781" cy="5016758"/>
+        </p:nvPicPr>
+        <p:blipFill>
+          <a:blip r:embed="rId2"/>
+          <a:stretch>
+            <a:fillRect/>
+          </a:stretch>
+        </p:blipFill>
+        <p:spPr>
+          <a:xfrm>
+            <a:off x="0" y="755930"/>
+            <a:ext cx="10685417" cy="2416847"/>
           </a:xfrm>
           <a:prstGeom prst="rect">
             <a:avLst/>
           </a:prstGeom>
-          <a:noFill/>
-        </p:spPr>
-        <p:txBody>
-          <a:bodyPr wrap="square" rtlCol="0">
-            <a:spAutoFit/>
-          </a:bodyPr>
-          <a:lstStyle/>
-          <a:p>
-            <a:pPr marL="342900" indent="-342900">
-              <a:lnSpc>
-                <a:spcPct val="200000"/>
-              </a:lnSpc>
-              <a:buAutoNum type="arabicPeriod"/>
-            </a:pPr>
-            <a:r>
-              <a:rPr lang="en-US" altLang="ko-KR" sz="2000" b="1" smtClean="0"/>
-              <a:t>VS CODE </a:t>
-            </a:r>
-            <a:r>
-              <a:rPr lang="ko-KR" altLang="en-US" sz="2000" b="1" smtClean="0"/>
-              <a:t>설치</a:t>
-            </a:r>
-            <a:endParaRPr lang="en-US" altLang="ko-KR" sz="2000" b="1" smtClean="0"/>
-          </a:p>
-          <a:p>
-            <a:pPr marL="342900" indent="-342900">
-              <a:lnSpc>
-                <a:spcPct val="200000"/>
-              </a:lnSpc>
-              <a:buAutoNum type="arabicPeriod"/>
-            </a:pPr>
-            <a:r>
-              <a:rPr lang="en-US" altLang="ko-KR" sz="2000" b="1" smtClean="0"/>
-              <a:t>VS CODE_One Dark Pro (</a:t>
-            </a:r>
-            <a:r>
-              <a:rPr lang="ko-KR" altLang="en-US" sz="2000" b="1" smtClean="0"/>
-              <a:t>테마</a:t>
-            </a:r>
-            <a:r>
-              <a:rPr lang="en-US" altLang="ko-KR" sz="2000" b="1" smtClean="0"/>
-              <a:t>) </a:t>
-            </a:r>
-            <a:r>
-              <a:rPr lang="ko-KR" altLang="en-US" sz="2000" b="1" smtClean="0"/>
-              <a:t>설치</a:t>
-            </a:r>
-            <a:endParaRPr lang="en-US" altLang="ko-KR" sz="2000" b="1" smtClean="0"/>
-          </a:p>
-          <a:p>
-            <a:pPr marL="342900" indent="-342900">
-              <a:lnSpc>
-                <a:spcPct val="200000"/>
-              </a:lnSpc>
-              <a:buAutoNum type="arabicPeriod"/>
-            </a:pPr>
-            <a:r>
-              <a:rPr lang="en-US" altLang="ko-KR" sz="2000" b="1" smtClean="0"/>
-              <a:t>VS CODE_Live Server </a:t>
-            </a:r>
-            <a:r>
-              <a:rPr lang="ko-KR" altLang="en-US" sz="2000" b="1" smtClean="0"/>
-              <a:t>설치</a:t>
-            </a:r>
-            <a:endParaRPr lang="en-US" altLang="ko-KR" sz="2000" b="1" smtClean="0"/>
-          </a:p>
-          <a:p>
-            <a:pPr marL="342900" indent="-342900">
-              <a:lnSpc>
-                <a:spcPct val="200000"/>
-              </a:lnSpc>
-              <a:buAutoNum type="arabicPeriod"/>
-            </a:pPr>
-            <a:r>
-              <a:rPr lang="en-US" altLang="ko-KR" sz="2000" b="1" smtClean="0"/>
-              <a:t>VS CODE_MySQL </a:t>
-            </a:r>
-            <a:r>
-              <a:rPr lang="ko-KR" altLang="en-US" sz="2000" b="1" smtClean="0"/>
-              <a:t>설치</a:t>
-            </a:r>
-            <a:endParaRPr lang="en-US" altLang="ko-KR" sz="2000" b="1" smtClean="0"/>
-          </a:p>
-          <a:p>
-            <a:pPr marL="342900" indent="-342900">
-              <a:lnSpc>
-                <a:spcPct val="200000"/>
-              </a:lnSpc>
-              <a:buAutoNum type="arabicPeriod"/>
-            </a:pPr>
-            <a:r>
-              <a:rPr lang="en-US" altLang="ko-KR" sz="2000" b="1" smtClean="0"/>
-              <a:t>VS CODE_Git History </a:t>
-            </a:r>
-            <a:r>
-              <a:rPr lang="ko-KR" altLang="en-US" sz="2000" b="1" smtClean="0"/>
-              <a:t>설치</a:t>
-            </a:r>
-            <a:endParaRPr lang="en-US" altLang="ko-KR" sz="2000" b="1" smtClean="0"/>
-          </a:p>
-          <a:p>
-            <a:pPr marL="342900" indent="-342900">
-              <a:lnSpc>
-                <a:spcPct val="200000"/>
-              </a:lnSpc>
-              <a:buAutoNum type="arabicPeriod"/>
-            </a:pPr>
-            <a:r>
-              <a:rPr lang="en-US" altLang="ko-KR" sz="2000" b="1" smtClean="0"/>
+        </p:spPr>
+      </p:pic>
+      <p:sp>
+        <p:nvSpPr>
+          <p:cNvPr id="3" name="모서리가 둥근 직사각형 2"/>
+          <p:cNvSpPr/>
+          <p:nvPr/>
+        </p:nvSpPr>
+        <p:spPr>
+          <a:xfrm>
+            <a:off x="0" y="0"/>
+            <a:ext cx="12192000" cy="483326"/>
+          </a:xfrm>
+          <a:prstGeom prst="roundRect">
+            <a:avLst/>
+          </a:prstGeom>
+          <a:solidFill>
+            <a:schemeClr val="accent3">
+              <a:lumMod val="20000"/>
+              <a:lumOff val="80000"/>
+            </a:schemeClr>
+          </a:solidFill>
+          <a:ln>
+            <a:solidFill>
+              <a:schemeClr val="bg1"/>
+            </a:solidFill>
+          </a:ln>
+        </p:spPr>
+        <p:style>
+          <a:lnRef idx="2">
+            <a:schemeClr val="accent1">
+              <a:shade val="50000"/>
+            </a:schemeClr>
+          </a:lnRef>
+          <a:fillRef idx="1">
+            <a:schemeClr val="accent1"/>
+          </a:fillRef>
+          <a:effectRef idx="0">
+            <a:schemeClr val="accent1"/>
+          </a:effectRef>
+          <a:fontRef idx="minor">
+            <a:schemeClr val="lt1"/>
+          </a:fontRef>
+        </p:style>
+        <p:txBody>
+          <a:bodyPr rtlCol="0" anchor="ctr"/>
+          <a:lstStyle/>
+          <a:p>
+            <a:pPr algn="ctr"/>
+            <a:r>
+              <a:rPr lang="en-US" altLang="ko-KR" smtClean="0">
+                <a:solidFill>
+                  <a:sysClr val="windowText" lastClr="000000"/>
+                </a:solidFill>
+              </a:rPr>
               <a:t>Git </a:t>
             </a:r>
             <a:r>
-              <a:rPr lang="ko-KR" altLang="en-US" sz="2000" b="1" smtClean="0"/>
-              <a:t>터미널 에러 및 해결</a:t>
-            </a:r>
-            <a:endParaRPr lang="en-US" altLang="ko-KR" sz="2000" b="1" smtClean="0"/>
-          </a:p>
-          <a:p>
-            <a:pPr marL="342900" indent="-342900">
-              <a:lnSpc>
-                <a:spcPct val="200000"/>
-              </a:lnSpc>
-              <a:buAutoNum type="arabicPeriod"/>
-            </a:pPr>
-            <a:r>
-              <a:rPr lang="en-US" altLang="ko-KR" sz="2000" b="1" smtClean="0"/>
-              <a:t>Git </a:t>
-            </a:r>
-            <a:r>
-              <a:rPr lang="ko-KR" altLang="en-US" sz="2000" b="1" smtClean="0"/>
-              <a:t>초기 설정 명령어 및 자주 사용하는 명령어</a:t>
-            </a:r>
-            <a:endParaRPr lang="en-US" altLang="ko-KR" sz="2000" b="1" smtClean="0"/>
-          </a:p>
-          <a:p>
-            <a:pPr marL="342900" indent="-342900">
-              <a:lnSpc>
-                <a:spcPct val="200000"/>
-              </a:lnSpc>
-              <a:buAutoNum type="arabicPeriod"/>
-            </a:pPr>
-            <a:endParaRPr lang="ko-KR" altLang="en-US" sz="2000" b="1"/>
+              <a:rPr lang="ko-KR" altLang="en-US" smtClean="0">
+                <a:solidFill>
+                  <a:sysClr val="windowText" lastClr="000000"/>
+                </a:solidFill>
+              </a:rPr>
+              <a:t>사용 에러</a:t>
+            </a:r>
+            <a:endParaRPr lang="ko-KR" altLang="en-US">
+              <a:solidFill>
+                <a:sysClr val="windowText" lastClr="000000"/>
+              </a:solidFill>
+            </a:endParaRPr>
           </a:p>
         </p:txBody>
       </p:sp>
     </p:spTree>
     <p:extLst>
       <p:ext uri="{BB962C8B-B14F-4D97-AF65-F5344CB8AC3E}">
-        <p14:creationId xmlns:p14="http://schemas.microsoft.com/office/powerpoint/2010/main" val="2821041393"/>
+        <p14:creationId xmlns:p14="http://schemas.microsoft.com/office/powerpoint/2010/main" val="3196824181"/>
       </p:ext>
     </p:extLst>
   </p:cSld>
@@ -4861,54 +4352,20 @@
           <a:p>
             <a:pPr algn="ctr"/>
             <a:r>
+              <a:rPr lang="en-US" altLang="ko-KR" smtClean="0">
+                <a:solidFill>
+                  <a:sysClr val="windowText" lastClr="000000"/>
+                </a:solidFill>
+              </a:rPr>
+              <a:t>Git </a:t>
+            </a:r>
+            <a:r>
               <a:rPr lang="ko-KR" altLang="en-US" smtClean="0">
                 <a:solidFill>
                   <a:sysClr val="windowText" lastClr="000000"/>
                 </a:solidFill>
               </a:rPr>
-              <a:t>정규식</a:t>
-            </a:r>
-            <a:r>
-              <a:rPr lang="en-US" altLang="ko-KR">
-                <a:solidFill>
-                  <a:sysClr val="windowText" lastClr="000000"/>
-                </a:solidFill>
-              </a:rPr>
-              <a:t>(</a:t>
-            </a:r>
-            <a:r>
-              <a:rPr lang="en-US" altLang="ko-KR">
-                <a:solidFill>
-                  <a:sysClr val="windowText" lastClr="000000"/>
-                </a:solidFill>
-                <a:hlinkClick r:id="rId2"/>
-              </a:rPr>
-              <a:t>https://regexr.com</a:t>
-            </a:r>
-            <a:r>
-              <a:rPr lang="en-US" altLang="ko-KR" smtClean="0">
-                <a:solidFill>
-                  <a:sysClr val="windowText" lastClr="000000"/>
-                </a:solidFill>
-                <a:hlinkClick r:id="rId2"/>
-              </a:rPr>
-              <a:t>/</a:t>
-            </a:r>
-            <a:r>
-              <a:rPr lang="en-US" altLang="ko-KR" smtClean="0">
-                <a:solidFill>
-                  <a:sysClr val="windowText" lastClr="000000"/>
-                </a:solidFill>
-              </a:rPr>
-              <a:t>) &lt;-</a:t>
-            </a:r>
-            <a:r>
-              <a:rPr lang="ko-KR" altLang="en-US" smtClean="0">
-                <a:solidFill>
-                  <a:sysClr val="windowText" lastClr="000000"/>
-                </a:solidFill>
-              </a:rPr>
-              <a:t>테스트 할 수 있는 사이트</a:t>
+              <a:t>에러 해결방법</a:t>
             </a:r>
             <a:endParaRPr lang="ko-KR" altLang="en-US">
               <a:solidFill>
@@ -4918,16 +4375,40 @@
           </a:p>
         </p:txBody>
       </p:sp>
-      <p:sp>
-        <p:nvSpPr>
-          <p:cNvPr id="4" name="TextBox 3"/>
+      <p:pic>
+        <p:nvPicPr>
+          <p:cNvPr id="4" name="그림 3"/>
+          <p:cNvPicPr>
+            <a:picLocks noChangeAspect="1"/>
+          </p:cNvPicPr>
+          <p:nvPr/>
+        </p:nvPicPr>
+        <p:blipFill>
+          <a:blip r:embed="rId2"/>
+          <a:stretch>
+            <a:fillRect/>
+          </a:stretch>
+        </p:blipFill>
+        <p:spPr>
+          <a:xfrm>
+            <a:off x="0" y="738820"/>
+            <a:ext cx="9733285" cy="2403606"/>
+          </a:xfrm>
+          <a:prstGeom prst="rect">
+            <a:avLst/>
+          </a:prstGeom>
+        </p:spPr>
+      </p:pic>
+      <p:sp>
+        <p:nvSpPr>
+          <p:cNvPr id="5" name="TextBox 4"/>
           <p:cNvSpPr txBox="1"/>
           <p:nvPr/>
         </p:nvSpPr>
         <p:spPr>
           <a:xfrm>
-            <a:off x="5077327" y="2061406"/>
-            <a:ext cx="7251032" cy="2677656"/>
+            <a:off x="0" y="3523129"/>
+            <a:ext cx="9733285" cy="646331"/>
           </a:xfrm>
           <a:prstGeom prst="rect">
             <a:avLst/>
@@ -4940,136 +4421,55 @@
           </a:bodyPr>
           <a:lstStyle/>
           <a:p>
-            <a:pPr>
-              <a:lnSpc>
-                <a:spcPct val="150000"/>
-              </a:lnSpc>
-            </a:pPr>
-            <a:r>
-              <a:rPr lang="ko-KR" altLang="en-US" sz="1400" smtClean="0"/>
-              <a:t>정규식이란 </a:t>
-            </a:r>
-            <a:r>
-              <a:rPr lang="en-US" altLang="ko-KR" sz="1400" smtClean="0"/>
-              <a:t>, </a:t>
-            </a:r>
-            <a:r>
-              <a:rPr lang="ko-KR" altLang="en-US" sz="1400" smtClean="0"/>
-              <a:t>정규 </a:t>
-            </a:r>
-            <a:r>
-              <a:rPr lang="ko-KR" altLang="en-US" sz="1400"/>
-              <a:t>표현식</a:t>
-            </a:r>
-            <a:r>
-              <a:rPr lang="en-US" altLang="ko-KR" sz="1400"/>
-              <a:t>, </a:t>
-            </a:r>
-            <a:r>
-              <a:rPr lang="ko-KR" altLang="en-US" sz="1400"/>
-              <a:t>또는 정규식은 문자열에서 특정 문자 조합을 찾기 위한 </a:t>
-            </a:r>
-            <a:r>
-              <a:rPr lang="ko-KR" altLang="en-US" sz="1400" smtClean="0"/>
-              <a:t>패턴</a:t>
-            </a:r>
-            <a:r>
-              <a:rPr lang="en-US" altLang="ko-KR" sz="1400" smtClean="0"/>
+            <a:r>
+              <a:rPr lang="ko-KR" altLang="en-US" smtClean="0"/>
+              <a:t>터미널을 그냥 생성해서 사용하려고 하니</a:t>
+            </a:r>
+            <a:r>
+              <a:rPr lang="en-US" altLang="ko-KR" smtClean="0"/>
+              <a:t>, git </a:t>
+            </a:r>
+            <a:r>
+              <a:rPr lang="ko-KR" altLang="en-US" smtClean="0"/>
+              <a:t>설치를 했음에도 인식하지 못하고 있었음</a:t>
+            </a:r>
+            <a:r>
+              <a:rPr lang="en-US" altLang="ko-KR" smtClean="0"/>
               <a:t>.</a:t>
             </a:r>
           </a:p>
           <a:p>
-            <a:pPr>
-              <a:lnSpc>
-                <a:spcPct val="150000"/>
-              </a:lnSpc>
-            </a:pPr>
-            <a:r>
-              <a:rPr lang="ko-KR" altLang="en-US" sz="1400" smtClean="0"/>
-              <a:t>내가 원하는 규칙을 정할 수 있다</a:t>
-            </a:r>
-            <a:r>
-              <a:rPr lang="en-US" altLang="ko-KR" sz="1400" smtClean="0"/>
-              <a:t>(</a:t>
-            </a:r>
-            <a:r>
-              <a:rPr lang="ko-KR" altLang="en-US" sz="1400" smtClean="0"/>
-              <a:t>특정 형식에 맞춰서</a:t>
-            </a:r>
-            <a:r>
-              <a:rPr lang="en-US" altLang="ko-KR" sz="1400" smtClean="0"/>
-              <a:t>)</a:t>
-            </a:r>
-          </a:p>
-          <a:p>
-            <a:pPr>
-              <a:lnSpc>
-                <a:spcPct val="150000"/>
-              </a:lnSpc>
-            </a:pPr>
-            <a:endParaRPr lang="en-US" altLang="ko-KR" sz="1400"/>
-          </a:p>
-          <a:p>
-            <a:pPr>
-              <a:lnSpc>
-                <a:spcPct val="150000"/>
-              </a:lnSpc>
-            </a:pPr>
-            <a:r>
-              <a:rPr lang="ko-KR" altLang="en-US" sz="1400" smtClean="0"/>
-              <a:t>사용 예시 </a:t>
-            </a:r>
-            <a:r>
-              <a:rPr lang="en-US" altLang="ko-KR" sz="1400"/>
-              <a:t>: </a:t>
-            </a:r>
-            <a:endParaRPr lang="en-US" altLang="ko-KR" sz="1400" smtClean="0"/>
-          </a:p>
-          <a:p>
-            <a:pPr>
-              <a:lnSpc>
-                <a:spcPct val="150000"/>
-              </a:lnSpc>
-            </a:pPr>
-            <a:r>
-              <a:rPr lang="en-US" altLang="ko-KR" sz="1400" smtClean="0"/>
-              <a:t>&lt;</a:t>
-            </a:r>
-            <a:r>
-              <a:rPr lang="en-US" altLang="ko-KR" sz="1400"/>
-              <a:t>input type="text" oninput="this.value = this.value.replace(/[^0-9.]/g</a:t>
-            </a:r>
-            <a:r>
-              <a:rPr lang="en-US" altLang="ko-KR" sz="1400" smtClean="0"/>
-              <a:t>, '').</a:t>
-            </a:r>
-            <a:r>
-              <a:rPr lang="en-US" altLang="ko-KR" sz="1400"/>
-              <a:t>replace(/(\..*)\./g, '$1');" /&gt; </a:t>
-            </a:r>
-          </a:p>
-          <a:p>
-            <a:pPr>
-              <a:lnSpc>
-                <a:spcPct val="150000"/>
-              </a:lnSpc>
-            </a:pPr>
-            <a:endParaRPr lang="en-US" altLang="ko-KR" sz="1400" smtClean="0"/>
-          </a:p>
-          <a:p>
-            <a:pPr>
-              <a:lnSpc>
-                <a:spcPct val="150000"/>
-              </a:lnSpc>
-            </a:pPr>
-            <a:endParaRPr lang="ko-KR" altLang="en-US" sz="1400"/>
+            <a:r>
+              <a:rPr lang="ko-KR" altLang="en-US" smtClean="0"/>
+              <a:t>터미널을 </a:t>
+            </a:r>
+            <a:r>
+              <a:rPr lang="en-US" altLang="ko-KR" smtClean="0"/>
+              <a:t>Git Bash</a:t>
+            </a:r>
+            <a:r>
+              <a:rPr lang="ko-KR" altLang="en-US" smtClean="0"/>
+              <a:t>로 다시 오픈하니 </a:t>
+            </a:r>
+            <a:r>
+              <a:rPr lang="en-US" altLang="ko-KR" smtClean="0"/>
+              <a:t>Git </a:t>
+            </a:r>
+            <a:r>
+              <a:rPr lang="ko-KR" altLang="en-US" smtClean="0"/>
+              <a:t>명령어 사용이 가능했음</a:t>
+            </a:r>
+            <a:r>
+              <a:rPr lang="en-US" altLang="ko-KR" smtClean="0"/>
+              <a:t>.</a:t>
+            </a:r>
           </a:p>
         </p:txBody>
       </p:sp>
     </p:spTree>
     <p:extLst>
       <p:ext uri="{BB962C8B-B14F-4D97-AF65-F5344CB8AC3E}">
-        <p14:creationId xmlns:p14="http://schemas.microsoft.com/office/powerpoint/2010/main" val="671338981"/>
+        <p14:creationId xmlns:p14="http://schemas.microsoft.com/office/powerpoint/2010/main" val="2172183285"/>
       </p:ext>
     </p:extLst>
   </p:cSld>
@@ -5105,7 +4505,7 @@
       </p:grpSpPr>
       <p:pic>
         <p:nvPicPr>
-          <p:cNvPr id="2" name="그림 1"/>
+          <p:cNvPr id="3" name="그림 2"/>
           <p:cNvPicPr>
             <a:picLocks noChangeAspect="1"/>
           </p:cNvPicPr>
@@ -5119,17 +4519,183 @@
         </p:blipFill>
         <p:spPr>
           <a:xfrm>
-            <a:off x="0" y="754185"/>
-            <a:ext cx="11477625" cy="1762125"/>
+            <a:off x="-1" y="2440135"/>
+            <a:ext cx="5857875" cy="637014"/>
           </a:xfrm>
           <a:prstGeom prst="rect">
             <a:avLst/>
           </a:prstGeom>
         </p:spPr>
       </p:pic>
-      <p:sp>
-        <p:nvSpPr>
-          <p:cNvPr id="3" name="모서리가 둥근 직사각형 2"/>
+      <p:pic>
+        <p:nvPicPr>
+          <p:cNvPr id="4" name="그림 3"/>
+          <p:cNvPicPr>
+            <a:picLocks noChangeAspect="1"/>
+          </p:cNvPicPr>
+          <p:nvPr/>
+        </p:nvPicPr>
+        <p:blipFill>
+          <a:blip r:embed="rId3"/>
+          <a:stretch>
+            <a:fillRect/>
+          </a:stretch>
+        </p:blipFill>
+        <p:spPr>
+          <a:xfrm>
+            <a:off x="0" y="554069"/>
+            <a:ext cx="5857875" cy="1533525"/>
+          </a:xfrm>
+          <a:prstGeom prst="rect">
+            <a:avLst/>
+          </a:prstGeom>
+        </p:spPr>
+      </p:pic>
+      <p:sp>
+        <p:nvSpPr>
+          <p:cNvPr id="5" name="TextBox 4"/>
+          <p:cNvSpPr txBox="1"/>
+          <p:nvPr/>
+        </p:nvSpPr>
+        <p:spPr>
+          <a:xfrm>
+            <a:off x="6356194" y="554069"/>
+            <a:ext cx="5140712" cy="338554"/>
+          </a:xfrm>
+          <a:prstGeom prst="rect">
+            <a:avLst/>
+          </a:prstGeom>
+          <a:noFill/>
+        </p:spPr>
+        <p:txBody>
+          <a:bodyPr wrap="square" rtlCol="0">
+            <a:spAutoFit/>
+          </a:bodyPr>
+          <a:lstStyle/>
+          <a:p>
+            <a:r>
+              <a:rPr lang="en-US" altLang="ko-KR" sz="1600" smtClean="0"/>
+              <a:t>1 . git init</a:t>
+            </a:r>
+            <a:r>
+              <a:rPr lang="ko-KR" altLang="en-US" sz="1600" smtClean="0"/>
+              <a:t>으로 깃으로 현재 경로 등록하기</a:t>
+            </a:r>
+            <a:endParaRPr lang="ko-KR" altLang="en-US" sz="1600"/>
+          </a:p>
+        </p:txBody>
+      </p:sp>
+      <p:sp>
+        <p:nvSpPr>
+          <p:cNvPr id="6" name="TextBox 5"/>
+          <p:cNvSpPr txBox="1"/>
+          <p:nvPr/>
+        </p:nvSpPr>
+        <p:spPr>
+          <a:xfrm>
+            <a:off x="6356195" y="2440135"/>
+            <a:ext cx="5140712" cy="584775"/>
+          </a:xfrm>
+          <a:prstGeom prst="rect">
+            <a:avLst/>
+          </a:prstGeom>
+          <a:noFill/>
+        </p:spPr>
+        <p:txBody>
+          <a:bodyPr wrap="square" rtlCol="0">
+            <a:spAutoFit/>
+          </a:bodyPr>
+          <a:lstStyle/>
+          <a:p>
+            <a:r>
+              <a:rPr lang="en-US" altLang="ko-KR" sz="1600" smtClean="0"/>
+              <a:t>2 . git add . </a:t>
+            </a:r>
+            <a:r>
+              <a:rPr lang="ko-KR" altLang="en-US" sz="1600" smtClean="0"/>
+              <a:t>현재 경로내에 작업 변경 내용을 스테이징 영역</a:t>
+            </a:r>
+            <a:r>
+              <a:rPr lang="en-US" altLang="ko-KR" sz="1600" smtClean="0"/>
+              <a:t>(staging area)</a:t>
+            </a:r>
+            <a:r>
+              <a:rPr lang="ko-KR" altLang="en-US" sz="1600" smtClean="0"/>
+              <a:t>에 추가하기 위해서 사용</a:t>
+            </a:r>
+            <a:endParaRPr lang="ko-KR" altLang="en-US" sz="1600"/>
+          </a:p>
+        </p:txBody>
+      </p:sp>
+      <p:pic>
+        <p:nvPicPr>
+          <p:cNvPr id="8" name="그림 7"/>
+          <p:cNvPicPr>
+            <a:picLocks noChangeAspect="1"/>
+          </p:cNvPicPr>
+          <p:nvPr/>
+        </p:nvPicPr>
+        <p:blipFill>
+          <a:blip r:embed="rId4"/>
+          <a:stretch>
+            <a:fillRect/>
+          </a:stretch>
+        </p:blipFill>
+        <p:spPr>
+          <a:xfrm>
+            <a:off x="22302" y="3430371"/>
+            <a:ext cx="5835572" cy="2171700"/>
+          </a:xfrm>
+          <a:prstGeom prst="rect">
+            <a:avLst/>
+          </a:prstGeom>
+        </p:spPr>
+      </p:pic>
+      <p:sp>
+        <p:nvSpPr>
+          <p:cNvPr id="9" name="TextBox 8"/>
+          <p:cNvSpPr txBox="1"/>
+          <p:nvPr/>
+        </p:nvSpPr>
+        <p:spPr>
+          <a:xfrm>
+            <a:off x="6356195" y="3430371"/>
+            <a:ext cx="5140712" cy="338554"/>
+          </a:xfrm>
+          <a:prstGeom prst="rect">
+            <a:avLst/>
+          </a:prstGeom>
+          <a:noFill/>
+        </p:spPr>
+        <p:txBody>
+          <a:bodyPr wrap="square" rtlCol="0">
+            <a:spAutoFit/>
+          </a:bodyPr>
+          <a:lstStyle/>
+          <a:p>
+            <a:r>
+              <a:rPr lang="en-US" altLang="ko-KR" sz="1600" smtClean="0"/>
+              <a:t>3 . git status</a:t>
+            </a:r>
+            <a:r>
+              <a:rPr lang="ko-KR" altLang="en-US" sz="1600" smtClean="0"/>
+              <a:t>로 </a:t>
+            </a:r>
+            <a:r>
+              <a:rPr lang="en-US" altLang="ko-KR" sz="1600" smtClean="0"/>
+              <a:t>git </a:t>
+            </a:r>
+            <a:r>
+              <a:rPr lang="ko-KR" altLang="en-US" sz="1600" smtClean="0"/>
+              <a:t>상태 확인하기 </a:t>
+            </a:r>
+            <a:endParaRPr lang="ko-KR" altLang="en-US" sz="1600"/>
+          </a:p>
+        </p:txBody>
+      </p:sp>
+      <p:sp>
+        <p:nvSpPr>
+          <p:cNvPr id="11" name="모서리가 둥근 직사각형 10"/>
           <p:cNvSpPr/>
           <p:nvPr/>
         </p:nvSpPr>
@@ -5175,12 +4741,20 @@
           <a:p>
             <a:pPr algn="ctr"/>
             <a:r>
+              <a:rPr lang="ko-KR" altLang="en-US" smtClean="0">
+                <a:solidFill>
+                  <a:sysClr val="windowText" lastClr="000000"/>
+                </a:solidFill>
+              </a:rPr>
+              <a:t>터미널로 </a:t>
+            </a:r>
+            <a:r>
               <a:rPr lang="en-US" altLang="ko-KR" smtClean="0">
                 <a:solidFill>
                   <a:sysClr val="windowText" lastClr="000000"/>
                 </a:solidFill>
               </a:rPr>
-              <a:t>Live Server – Visual Studio Code local </a:t>
+              <a:t>Git </a:t>
             </a:r>
             <a:r>
               <a:rPr lang="ko-KR" altLang="en-US" smtClean="0">
@@ -5188,15 +4762,7 @@
                   <a:sysClr val="windowText" lastClr="000000"/>
                 </a:solidFill>
               </a:rPr>
-              <a:t>서버 연결을 실시간으로 해줌</a:t>
-            </a:r>
-            <a:r>
-              <a:rPr lang="en-US" altLang="ko-KR" smtClean="0">
-                <a:solidFill>
-                  <a:sysClr val="windowText" lastClr="000000"/>
-                </a:solidFill>
-              </a:rPr>
-              <a:t>.</a:t>
+              <a:t>처음 생성 과정</a:t>
             </a:r>
             <a:endParaRPr lang="ko-KR" altLang="en-US">
               <a:solidFill>
@@ -5209,7 +4775,7 @@
     </p:spTree>
     <p:extLst>
       <p:ext uri="{BB962C8B-B14F-4D97-AF65-F5344CB8AC3E}">
-        <p14:creationId xmlns:p14="http://schemas.microsoft.com/office/powerpoint/2010/main" val="1917016563"/>
+        <p14:creationId xmlns:p14="http://schemas.microsoft.com/office/powerpoint/2010/main" val="2371689806"/>
       </p:ext>
     </p:extLst>
   </p:cSld>
@@ -5245,7 +4811,7 @@
       </p:grpSpPr>
       <p:pic>
         <p:nvPicPr>
-          <p:cNvPr id="2" name="그림 1"/>
+          <p:cNvPr id="3" name="그림 2"/>
           <p:cNvPicPr>
             <a:picLocks noChangeAspect="1"/>
           </p:cNvPicPr>
@@ -5259,8 +4825,8 @@
         </p:blipFill>
         <p:spPr>
           <a:xfrm>
-            <a:off x="261822" y="698693"/>
-            <a:ext cx="3371850" cy="1914525"/>
+            <a:off x="0" y="476194"/>
+            <a:ext cx="4410075" cy="1895475"/>
           </a:xfrm>
           <a:prstGeom prst="rect">
             <a:avLst/>
@@ -5269,7 +4835,7 @@
       </p:pic>
       <p:pic>
         <p:nvPicPr>
-          <p:cNvPr id="3" name="그림 2"/>
+          <p:cNvPr id="5" name="그림 4"/>
           <p:cNvPicPr>
             <a:picLocks noChangeAspect="1"/>
           </p:cNvPicPr>
@@ -5283,17 +4849,41 @@
         </p:blipFill>
         <p:spPr>
           <a:xfrm>
-            <a:off x="261822" y="3024138"/>
-            <a:ext cx="3374877" cy="816342"/>
+            <a:off x="-1" y="2689014"/>
+            <a:ext cx="4410075" cy="1054163"/>
           </a:xfrm>
           <a:prstGeom prst="rect">
             <a:avLst/>
           </a:prstGeom>
         </p:spPr>
       </p:pic>
-      <p:sp>
-        <p:nvSpPr>
-          <p:cNvPr id="4" name="모서리가 둥근 직사각형 3"/>
+      <p:pic>
+        <p:nvPicPr>
+          <p:cNvPr id="7" name="그림 6"/>
+          <p:cNvPicPr>
+            <a:picLocks noChangeAspect="1"/>
+          </p:cNvPicPr>
+          <p:nvPr/>
+        </p:nvPicPr>
+        <p:blipFill>
+          <a:blip r:embed="rId4"/>
+          <a:stretch>
+            <a:fillRect/>
+          </a:stretch>
+        </p:blipFill>
+        <p:spPr>
+          <a:xfrm>
+            <a:off x="0" y="4393060"/>
+            <a:ext cx="4419600" cy="1666875"/>
+          </a:xfrm>
+          <a:prstGeom prst="rect">
+            <a:avLst/>
+          </a:prstGeom>
+        </p:spPr>
+      </p:pic>
+      <p:sp>
+        <p:nvSpPr>
+          <p:cNvPr id="8" name="모서리가 둥근 직사각형 7"/>
           <p:cNvSpPr/>
           <p:nvPr/>
         </p:nvSpPr>
@@ -5344,7 +4934,7 @@
                   <a:sysClr val="windowText" lastClr="000000"/>
                 </a:solidFill>
               </a:rPr>
-              <a:t>MySQL – mysql</a:t>
+              <a:t>Git </a:t>
             </a:r>
             <a:r>
               <a:rPr lang="ko-KR" altLang="en-US" smtClean="0">
@@ -5352,7 +4942,7 @@
                   <a:sysClr val="windowText" lastClr="000000"/>
                 </a:solidFill>
               </a:rPr>
-              <a:t>을 연동시켜주는 확장팩</a:t>
+              <a:t>자주 사용하는 명령어 </a:t>
             </a:r>
             <a:r>
               <a:rPr lang="en-US" altLang="ko-KR" smtClean="0">
@@ -5360,23 +4950,7 @@
                   <a:sysClr val="windowText" lastClr="000000"/>
                 </a:solidFill>
               </a:rPr>
-              <a:t>. Git Histroy – </a:t>
-            </a:r>
-            <a:r>
-              <a:rPr lang="ko-KR" altLang="en-US" smtClean="0">
-                <a:solidFill>
-                  <a:sysClr val="windowText" lastClr="000000"/>
-                </a:solidFill>
-              </a:rPr>
-              <a:t>깃 사용 내역을 보기 편하게 해줌</a:t>
-            </a:r>
-            <a:r>
-              <a:rPr lang="en-US" altLang="ko-KR" smtClean="0">
-                <a:solidFill>
-                  <a:sysClr val="windowText" lastClr="000000"/>
-                </a:solidFill>
-              </a:rPr>
-              <a:t>.</a:t>
+              <a:t>– commit, log, status</a:t>
             </a:r>
             <a:endParaRPr lang="ko-KR" altLang="en-US">
               <a:solidFill>
@@ -5386,10 +4960,120 @@
           </a:p>
         </p:txBody>
       </p:sp>
+      <p:sp>
+        <p:nvSpPr>
+          <p:cNvPr id="9" name="TextBox 8"/>
+          <p:cNvSpPr txBox="1"/>
+          <p:nvPr/>
+        </p:nvSpPr>
+        <p:spPr>
+          <a:xfrm>
+            <a:off x="5730681" y="497922"/>
+            <a:ext cx="5140712" cy="338554"/>
+          </a:xfrm>
+          <a:prstGeom prst="rect">
+            <a:avLst/>
+          </a:prstGeom>
+          <a:noFill/>
+        </p:spPr>
+        <p:txBody>
+          <a:bodyPr wrap="square" rtlCol="0">
+            <a:spAutoFit/>
+          </a:bodyPr>
+          <a:lstStyle/>
+          <a:p>
+            <a:r>
+              <a:rPr lang="en-US" altLang="ko-KR" sz="1600" smtClean="0"/>
+              <a:t>git commit –m </a:t>
+            </a:r>
+            <a:r>
+              <a:rPr lang="ko-KR" altLang="en-US" sz="1600" smtClean="0"/>
+              <a:t>로 커밋</a:t>
+            </a:r>
+            <a:r>
+              <a:rPr lang="en-US" altLang="ko-KR" sz="1600" smtClean="0"/>
+              <a:t>. –m </a:t>
+            </a:r>
+            <a:r>
+              <a:rPr lang="ko-KR" altLang="en-US" sz="1600" smtClean="0"/>
+              <a:t>으로 커밋 내용 작성</a:t>
+            </a:r>
+            <a:endParaRPr lang="ko-KR" altLang="en-US" sz="1600"/>
+          </a:p>
+        </p:txBody>
+      </p:sp>
+      <p:sp>
+        <p:nvSpPr>
+          <p:cNvPr id="10" name="TextBox 9"/>
+          <p:cNvSpPr txBox="1"/>
+          <p:nvPr/>
+        </p:nvSpPr>
+        <p:spPr>
+          <a:xfrm>
+            <a:off x="5730681" y="2689014"/>
+            <a:ext cx="5140712" cy="338554"/>
+          </a:xfrm>
+          <a:prstGeom prst="rect">
+            <a:avLst/>
+          </a:prstGeom>
+          <a:noFill/>
+        </p:spPr>
+        <p:txBody>
+          <a:bodyPr wrap="square" rtlCol="0">
+            <a:spAutoFit/>
+          </a:bodyPr>
+          <a:lstStyle/>
+          <a:p>
+            <a:r>
+              <a:rPr lang="en-US" altLang="ko-KR" sz="1600" smtClean="0"/>
+              <a:t>git </a:t>
+            </a:r>
+            <a:r>
+              <a:rPr lang="ko-KR" altLang="en-US" sz="1600" smtClean="0"/>
+              <a:t>상태 확인하기 </a:t>
+            </a:r>
+            <a:endParaRPr lang="ko-KR" altLang="en-US" sz="1600"/>
+          </a:p>
+        </p:txBody>
+      </p:sp>
+      <p:sp>
+        <p:nvSpPr>
+          <p:cNvPr id="11" name="TextBox 10"/>
+          <p:cNvSpPr txBox="1"/>
+          <p:nvPr/>
+        </p:nvSpPr>
+        <p:spPr>
+          <a:xfrm>
+            <a:off x="5730681" y="4393060"/>
+            <a:ext cx="5140712" cy="338554"/>
+          </a:xfrm>
+          <a:prstGeom prst="rect">
+            <a:avLst/>
+          </a:prstGeom>
+          <a:noFill/>
+        </p:spPr>
+        <p:txBody>
+          <a:bodyPr wrap="square" rtlCol="0">
+            <a:spAutoFit/>
+          </a:bodyPr>
+          <a:lstStyle/>
+          <a:p>
+            <a:r>
+              <a:rPr lang="en-US" altLang="ko-KR" sz="1600" smtClean="0"/>
+              <a:t>git </a:t>
+            </a:r>
+            <a:r>
+              <a:rPr lang="ko-KR" altLang="en-US" sz="1600" smtClean="0"/>
+              <a:t>사용 기록 확인하기</a:t>
+            </a:r>
+            <a:endParaRPr lang="ko-KR" altLang="en-US" sz="1600"/>
+          </a:p>
+        </p:txBody>
+      </p:sp>
     </p:spTree>
     <p:extLst>
       <p:ext uri="{BB962C8B-B14F-4D97-AF65-F5344CB8AC3E}">
-        <p14:creationId xmlns:p14="http://schemas.microsoft.com/office/powerpoint/2010/main" val="931503997"/>
+        <p14:creationId xmlns:p14="http://schemas.microsoft.com/office/powerpoint/2010/main" val="2941614742"/>
       </p:ext>
     </p:extLst>
   </p:cSld>

--- a/Day2/강의 정리.pptx
+++ b/Day2/강의 정리.pptx
@@ -8,13 +8,19 @@
     <p:sldId id="256" r:id="rId2"/>
     <p:sldId id="257" r:id="rId3"/>
     <p:sldId id="260" r:id="rId4"/>
-    <p:sldId id="258" r:id="rId5"/>
-    <p:sldId id="259" r:id="rId6"/>
-    <p:sldId id="267" r:id="rId7"/>
-    <p:sldId id="269" r:id="rId8"/>
-    <p:sldId id="261" r:id="rId9"/>
-    <p:sldId id="262" r:id="rId10"/>
-    <p:sldId id="265" r:id="rId11"/>
+    <p:sldId id="259" r:id="rId5"/>
+    <p:sldId id="267" r:id="rId6"/>
+    <p:sldId id="269" r:id="rId7"/>
+    <p:sldId id="261" r:id="rId8"/>
+    <p:sldId id="270" r:id="rId9"/>
+    <p:sldId id="275" r:id="rId10"/>
+    <p:sldId id="276" r:id="rId11"/>
+    <p:sldId id="277" r:id="rId12"/>
+    <p:sldId id="258" r:id="rId13"/>
+    <p:sldId id="271" r:id="rId14"/>
+    <p:sldId id="272" r:id="rId15"/>
+    <p:sldId id="273" r:id="rId16"/>
+    <p:sldId id="274" r:id="rId17"/>
   </p:sldIdLst>
   <p:sldSz cx="12192000" cy="6858000"/>
   <p:notesSz cx="6858000" cy="9144000"/>
@@ -3043,57 +3049,9 @@
           <a:chExt cx="0" cy="0"/>
         </a:xfrm>
       </p:grpSpPr>
-      <p:pic>
-        <p:nvPicPr>
-          <p:cNvPr id="3" name="그림 2"/>
-          <p:cNvPicPr>
-            <a:picLocks noChangeAspect="1"/>
-          </p:cNvPicPr>
-          <p:nvPr/>
-        </p:nvPicPr>
-        <p:blipFill>
-          <a:blip r:embed="rId2"/>
-          <a:stretch>
-            <a:fillRect/>
-          </a:stretch>
-        </p:blipFill>
-        <p:spPr>
-          <a:xfrm>
-            <a:off x="0" y="483326"/>
-            <a:ext cx="4362450" cy="1447800"/>
-          </a:xfrm>
-          <a:prstGeom prst="rect">
-            <a:avLst/>
-          </a:prstGeom>
-        </p:spPr>
-      </p:pic>
-      <p:pic>
-        <p:nvPicPr>
-          <p:cNvPr id="4" name="그림 3"/>
-          <p:cNvPicPr>
-            <a:picLocks noChangeAspect="1"/>
-          </p:cNvPicPr>
-          <p:nvPr/>
-        </p:nvPicPr>
-        <p:blipFill>
-          <a:blip r:embed="rId3"/>
-          <a:stretch>
-            <a:fillRect/>
-          </a:stretch>
-        </p:blipFill>
-        <p:spPr>
-          <a:xfrm>
-            <a:off x="0" y="2323858"/>
-            <a:ext cx="4362049" cy="929617"/>
-          </a:xfrm>
-          <a:prstGeom prst="rect">
-            <a:avLst/>
-          </a:prstGeom>
-        </p:spPr>
-      </p:pic>
-      <p:sp>
-        <p:nvSpPr>
-          <p:cNvPr id="5" name="모서리가 둥근 직사각형 4"/>
+      <p:sp>
+        <p:nvSpPr>
+          <p:cNvPr id="11" name="모서리가 둥근 직사각형 10"/>
           <p:cNvSpPr/>
           <p:nvPr/>
         </p:nvSpPr>
@@ -3144,7 +3102,7 @@
                   <a:sysClr val="windowText" lastClr="000000"/>
                 </a:solidFill>
               </a:rPr>
-              <a:t>Git </a:t>
+              <a:t>GITHUB</a:t>
             </a:r>
             <a:r>
               <a:rPr lang="ko-KR" altLang="en-US" smtClean="0">
@@ -3152,7 +3110,7 @@
                   <a:sysClr val="windowText" lastClr="000000"/>
                 </a:solidFill>
               </a:rPr>
-              <a:t>자주 사용하는 명령어 </a:t>
+              <a:t>에서</a:t>
             </a:r>
             <a:r>
               <a:rPr lang="en-US" altLang="ko-KR" smtClean="0">
@@ -3160,7 +3118,39 @@
                   <a:sysClr val="windowText" lastClr="000000"/>
                 </a:solidFill>
               </a:rPr>
-              <a:t>– commit, log, status</a:t>
+              <a:t> </a:t>
+            </a:r>
+            <a:r>
+              <a:rPr lang="ko-KR" altLang="en-US" smtClean="0">
+                <a:solidFill>
+                  <a:sysClr val="windowText" lastClr="000000"/>
+                </a:solidFill>
+              </a:rPr>
+              <a:t>내 </a:t>
+            </a:r>
+            <a:r>
+              <a:rPr lang="en-US" altLang="ko-KR" smtClean="0">
+                <a:solidFill>
+                  <a:sysClr val="windowText" lastClr="000000"/>
+                </a:solidFill>
+              </a:rPr>
+              <a:t>PAGE </a:t>
+            </a:r>
+            <a:r>
+              <a:rPr lang="ko-KR" altLang="en-US" smtClean="0">
+                <a:solidFill>
+                  <a:sysClr val="windowText" lastClr="000000"/>
+                </a:solidFill>
+              </a:rPr>
+              <a:t>만들기</a:t>
+            </a:r>
+            <a:r>
+              <a:rPr lang="en-US" altLang="ko-KR" smtClean="0">
+                <a:solidFill>
+                  <a:sysClr val="windowText" lastClr="000000"/>
+                </a:solidFill>
+              </a:rPr>
+              <a:t> </a:t>
             </a:r>
             <a:endParaRPr lang="ko-KR" altLang="en-US">
               <a:solidFill>
@@ -3170,16 +3160,40 @@
           </a:p>
         </p:txBody>
       </p:sp>
-      <p:sp>
-        <p:nvSpPr>
-          <p:cNvPr id="7" name="TextBox 6"/>
+      <p:pic>
+        <p:nvPicPr>
+          <p:cNvPr id="2" name="그림 1"/>
+          <p:cNvPicPr>
+            <a:picLocks noChangeAspect="1"/>
+          </p:cNvPicPr>
+          <p:nvPr/>
+        </p:nvPicPr>
+        <p:blipFill>
+          <a:blip r:embed="rId2"/>
+          <a:stretch>
+            <a:fillRect/>
+          </a:stretch>
+        </p:blipFill>
+        <p:spPr>
+          <a:xfrm>
+            <a:off x="0" y="1400174"/>
+            <a:ext cx="6337527" cy="4029075"/>
+          </a:xfrm>
+          <a:prstGeom prst="rect">
+            <a:avLst/>
+          </a:prstGeom>
+        </p:spPr>
+      </p:pic>
+      <p:sp>
+        <p:nvSpPr>
+          <p:cNvPr id="3" name="TextBox 2"/>
           <p:cNvSpPr txBox="1"/>
           <p:nvPr/>
         </p:nvSpPr>
         <p:spPr>
           <a:xfrm>
-            <a:off x="5730681" y="497922"/>
-            <a:ext cx="6116414" cy="1569660"/>
+            <a:off x="573202" y="1061620"/>
+            <a:ext cx="5191125" cy="338554"/>
           </a:xfrm>
           <a:prstGeom prst="rect">
             <a:avLst/>
@@ -3192,115 +3206,338 @@
           </a:bodyPr>
           <a:lstStyle/>
           <a:p>
-            <a:r>
-              <a:rPr lang="en-US" altLang="ko-KR" sz="1600" smtClean="0"/>
-              <a:t>git branch –m </a:t>
-            </a:r>
-            <a:r>
-              <a:rPr lang="ko-KR" altLang="en-US" sz="1600" smtClean="0"/>
-              <a:t>명령어로 </a:t>
-            </a:r>
-            <a:r>
-              <a:rPr lang="en-US" altLang="ko-KR" sz="1600" smtClean="0"/>
-              <a:t>master branch </a:t>
-            </a:r>
-            <a:r>
-              <a:rPr lang="ko-KR" altLang="en-US" sz="1600" smtClean="0"/>
-              <a:t>이름을 </a:t>
-            </a:r>
-            <a:r>
-              <a:rPr lang="en-US" altLang="ko-KR" sz="1600" smtClean="0"/>
-              <a:t>main</a:t>
-            </a:r>
-            <a:r>
-              <a:rPr lang="ko-KR" altLang="en-US" sz="1600" smtClean="0"/>
-              <a:t>으로 변경</a:t>
-            </a:r>
-            <a:endParaRPr lang="en-US" altLang="ko-KR" sz="1600" smtClean="0"/>
-          </a:p>
-          <a:p>
-            <a:endParaRPr lang="en-US" altLang="ko-KR" sz="1600"/>
-          </a:p>
-          <a:p>
-            <a:r>
-              <a:rPr lang="en-US" altLang="ko-KR" sz="1600" smtClean="0"/>
-              <a:t>remote add origin </a:t>
-            </a:r>
-            <a:r>
-              <a:rPr lang="ko-KR" altLang="en-US" sz="1600" smtClean="0"/>
-              <a:t>명령어로 </a:t>
-            </a:r>
-            <a:r>
-              <a:rPr lang="en-US" altLang="ko-KR" sz="1600" smtClean="0"/>
-              <a:t>github </a:t>
-            </a:r>
-            <a:r>
-              <a:rPr lang="ko-KR" altLang="en-US" sz="1600" smtClean="0"/>
-              <a:t>저장소와 연결해준다</a:t>
-            </a:r>
-            <a:r>
-              <a:rPr lang="en-US" altLang="ko-KR" sz="1600" smtClean="0"/>
+            <a:pPr algn="ctr"/>
+            <a:r>
+              <a:rPr lang="ko-KR" altLang="en-US" sz="1600" b="1" smtClean="0"/>
+              <a:t>적용되기까지 시간이 조금 걸린다</a:t>
+            </a:r>
+            <a:r>
+              <a:rPr lang="en-US" altLang="ko-KR" sz="1600" b="1" smtClean="0"/>
               <a:t>.</a:t>
             </a:r>
-          </a:p>
-          <a:p>
-            <a:endParaRPr lang="en-US" altLang="ko-KR" sz="1600"/>
-          </a:p>
-          <a:p>
-            <a:r>
-              <a:rPr lang="en-US" altLang="ko-KR" sz="1600" smtClean="0"/>
-              <a:t>git push –u origin main</a:t>
-            </a:r>
-            <a:r>
-              <a:rPr lang="ko-KR" altLang="en-US" sz="1600"/>
-              <a:t> </a:t>
-            </a:r>
-            <a:r>
-              <a:rPr lang="ko-KR" altLang="en-US" sz="1600" smtClean="0"/>
-              <a:t>명령어로</a:t>
-            </a:r>
-            <a:r>
-              <a:rPr lang="en-US" altLang="ko-KR" sz="1600" smtClean="0"/>
-              <a:t>, </a:t>
-            </a:r>
-            <a:r>
-              <a:rPr lang="ko-KR" altLang="en-US" sz="1600" smtClean="0"/>
-              <a:t>현재 </a:t>
-            </a:r>
-            <a:r>
-              <a:rPr lang="en-US" altLang="ko-KR" sz="1600" smtClean="0"/>
-              <a:t>WEB </a:t>
-            </a:r>
-            <a:r>
-              <a:rPr lang="ko-KR" altLang="en-US" sz="1600" smtClean="0"/>
-              <a:t>안의 내용들을 </a:t>
-            </a:r>
-            <a:r>
-              <a:rPr lang="en-US" altLang="ko-KR" sz="1600" smtClean="0"/>
-              <a:t>github </a:t>
-            </a:r>
-            <a:r>
-              <a:rPr lang="ko-KR" altLang="en-US" sz="1600" smtClean="0"/>
-              <a:t>저장소로 보낸다</a:t>
-            </a:r>
-            <a:r>
-              <a:rPr lang="en-US" altLang="ko-KR" sz="1600" smtClean="0"/>
-              <a:t>.</a:t>
-            </a:r>
-            <a:endParaRPr lang="ko-KR" altLang="en-US" sz="1600"/>
-          </a:p>
-        </p:txBody>
-      </p:sp>
-      <p:sp>
-        <p:nvSpPr>
-          <p:cNvPr id="9" name="TextBox 8"/>
+            <a:endParaRPr lang="ko-KR" altLang="en-US" sz="1600" b="1"/>
+          </a:p>
+        </p:txBody>
+      </p:sp>
+    </p:spTree>
+    <p:extLst>
+      <p:ext uri="{BB962C8B-B14F-4D97-AF65-F5344CB8AC3E}">
+        <p14:creationId xmlns:p14="http://schemas.microsoft.com/office/powerpoint/2010/main" val="3090370063"/>
+      </p:ext>
+    </p:extLst>
+  </p:cSld>
+  <p:clrMapOvr>
+    <a:masterClrMapping/>
+  </p:clrMapOvr>
+  <p:timing>
+    <p:tnLst>
+      <p:par>
+        <p:cTn id="1" dur="indefinite" restart="never" nodeType="tmRoot"/>
+      </p:par>
+    </p:tnLst>
+  </p:timing>
+</p:sld>
+</file>
+
+<file path=ppt/slides/slide11.xml><?xml version="1.0" encoding="utf-8"?>
+<p:sld xmlns:a="http://schemas.openxmlformats.org/drawingml/2006/main" xmlns:r="http://schemas.openxmlformats.org/officeDocument/2006/relationships" xmlns:p="http://schemas.openxmlformats.org/presentationml/2006/main">
+  <p:cSld>
+    <p:spTree>
+      <p:nvGrpSpPr>
+        <p:cNvPr id="1" name=""/>
+        <p:cNvGrpSpPr/>
+        <p:nvPr/>
+      </p:nvGrpSpPr>
+      <p:grpSpPr>
+        <a:xfrm>
+          <a:off x="0" y="0"/>
+          <a:ext cx="0" cy="0"/>
+          <a:chOff x="0" y="0"/>
+          <a:chExt cx="0" cy="0"/>
+        </a:xfrm>
+      </p:grpSpPr>
+      <p:sp>
+        <p:nvSpPr>
+          <p:cNvPr id="11" name="모서리가 둥근 직사각형 10"/>
+          <p:cNvSpPr/>
+          <p:nvPr/>
+        </p:nvSpPr>
+        <p:spPr>
+          <a:xfrm>
+            <a:off x="0" y="0"/>
+            <a:ext cx="12192000" cy="483326"/>
+          </a:xfrm>
+          <a:prstGeom prst="roundRect">
+            <a:avLst/>
+          </a:prstGeom>
+          <a:solidFill>
+            <a:schemeClr val="accent3">
+              <a:lumMod val="20000"/>
+              <a:lumOff val="80000"/>
+            </a:schemeClr>
+          </a:solidFill>
+          <a:ln>
+            <a:solidFill>
+              <a:schemeClr val="bg1"/>
+            </a:solidFill>
+          </a:ln>
+        </p:spPr>
+        <p:style>
+          <a:lnRef idx="2">
+            <a:schemeClr val="accent1">
+              <a:shade val="50000"/>
+            </a:schemeClr>
+          </a:lnRef>
+          <a:fillRef idx="1">
+            <a:schemeClr val="accent1"/>
+          </a:fillRef>
+          <a:effectRef idx="0">
+            <a:schemeClr val="accent1"/>
+          </a:effectRef>
+          <a:fontRef idx="minor">
+            <a:schemeClr val="lt1"/>
+          </a:fontRef>
+        </p:style>
+        <p:txBody>
+          <a:bodyPr rtlCol="0" anchor="ctr"/>
+          <a:lstStyle/>
+          <a:p>
+            <a:pPr algn="ctr"/>
+            <a:r>
+              <a:rPr lang="en-US" altLang="ko-KR" smtClean="0">
+                <a:solidFill>
+                  <a:sysClr val="windowText" lastClr="000000"/>
+                </a:solidFill>
+              </a:rPr>
+              <a:t>GITHUB</a:t>
+            </a:r>
+            <a:r>
+              <a:rPr lang="ko-KR" altLang="en-US" smtClean="0">
+                <a:solidFill>
+                  <a:sysClr val="windowText" lastClr="000000"/>
+                </a:solidFill>
+              </a:rPr>
+              <a:t>에 프로필 만들기</a:t>
+            </a:r>
+            <a:endParaRPr lang="ko-KR" altLang="en-US">
+              <a:solidFill>
+                <a:sysClr val="windowText" lastClr="000000"/>
+              </a:solidFill>
+            </a:endParaRPr>
+          </a:p>
+        </p:txBody>
+      </p:sp>
+      <p:pic>
+        <p:nvPicPr>
+          <p:cNvPr id="4" name="그림 3"/>
+          <p:cNvPicPr>
+            <a:picLocks noChangeAspect="1"/>
+          </p:cNvPicPr>
+          <p:nvPr/>
+        </p:nvPicPr>
+        <p:blipFill>
+          <a:blip r:embed="rId2"/>
+          <a:stretch>
+            <a:fillRect/>
+          </a:stretch>
+        </p:blipFill>
+        <p:spPr>
+          <a:xfrm>
+            <a:off x="5029200" y="483326"/>
+            <a:ext cx="6306072" cy="3409950"/>
+          </a:xfrm>
+          <a:prstGeom prst="rect">
+            <a:avLst/>
+          </a:prstGeom>
+          <a:ln>
+            <a:solidFill>
+              <a:schemeClr val="accent1">
+                <a:lumMod val="40000"/>
+                <a:lumOff val="60000"/>
+              </a:schemeClr>
+            </a:solidFill>
+          </a:ln>
+        </p:spPr>
+      </p:pic>
+      <p:pic>
+        <p:nvPicPr>
+          <p:cNvPr id="5" name="그림 4"/>
+          <p:cNvPicPr>
+            <a:picLocks noChangeAspect="1"/>
+          </p:cNvPicPr>
+          <p:nvPr/>
+        </p:nvPicPr>
+        <p:blipFill>
+          <a:blip r:embed="rId3"/>
+          <a:stretch>
+            <a:fillRect/>
+          </a:stretch>
+        </p:blipFill>
+        <p:spPr>
+          <a:xfrm>
+            <a:off x="385762" y="819745"/>
+            <a:ext cx="3890963" cy="2396660"/>
+          </a:xfrm>
+          <a:prstGeom prst="rect">
+            <a:avLst/>
+          </a:prstGeom>
+        </p:spPr>
+      </p:pic>
+      <p:sp>
+        <p:nvSpPr>
+          <p:cNvPr id="6" name="오른쪽 화살표 5"/>
+          <p:cNvSpPr/>
+          <p:nvPr/>
+        </p:nvSpPr>
+        <p:spPr>
+          <a:xfrm>
+            <a:off x="4648200" y="1847850"/>
+            <a:ext cx="381000" cy="340451"/>
+          </a:xfrm>
+          <a:prstGeom prst="rightArrow">
+            <a:avLst/>
+          </a:prstGeom>
+          <a:ln>
+            <a:solidFill>
+              <a:srgbClr val="FF0000"/>
+            </a:solidFill>
+          </a:ln>
+        </p:spPr>
+        <p:style>
+          <a:lnRef idx="2">
+            <a:schemeClr val="accent1">
+              <a:shade val="50000"/>
+            </a:schemeClr>
+          </a:lnRef>
+          <a:fillRef idx="1">
+            <a:schemeClr val="accent1"/>
+          </a:fillRef>
+          <a:effectRef idx="0">
+            <a:schemeClr val="accent1"/>
+          </a:effectRef>
+          <a:fontRef idx="minor">
+            <a:schemeClr val="lt1"/>
+          </a:fontRef>
+        </p:style>
+        <p:txBody>
+          <a:bodyPr rtlCol="0" anchor="ctr"/>
+          <a:lstStyle/>
+          <a:p>
+            <a:pPr algn="ctr"/>
+            <a:endParaRPr lang="ko-KR" altLang="en-US"/>
+          </a:p>
+        </p:txBody>
+      </p:sp>
+    </p:spTree>
+    <p:extLst>
+      <p:ext uri="{BB962C8B-B14F-4D97-AF65-F5344CB8AC3E}">
+        <p14:creationId xmlns:p14="http://schemas.microsoft.com/office/powerpoint/2010/main" val="1698076429"/>
+      </p:ext>
+    </p:extLst>
+  </p:cSld>
+  <p:clrMapOvr>
+    <a:masterClrMapping/>
+  </p:clrMapOvr>
+  <p:timing>
+    <p:tnLst>
+      <p:par>
+        <p:cTn id="1" dur="indefinite" restart="never" nodeType="tmRoot"/>
+      </p:par>
+    </p:tnLst>
+  </p:timing>
+</p:sld>
+</file>
+
+<file path=ppt/slides/slide12.xml><?xml version="1.0" encoding="utf-8"?>
+<p:sld xmlns:a="http://schemas.openxmlformats.org/drawingml/2006/main" xmlns:r="http://schemas.openxmlformats.org/officeDocument/2006/relationships" xmlns:p="http://schemas.openxmlformats.org/presentationml/2006/main">
+  <p:cSld>
+    <p:spTree>
+      <p:nvGrpSpPr>
+        <p:cNvPr id="1" name=""/>
+        <p:cNvGrpSpPr/>
+        <p:nvPr/>
+      </p:nvGrpSpPr>
+      <p:grpSpPr>
+        <a:xfrm>
+          <a:off x="0" y="0"/>
+          <a:ext cx="0" cy="0"/>
+          <a:chOff x="0" y="0"/>
+          <a:chExt cx="0" cy="0"/>
+        </a:xfrm>
+      </p:grpSpPr>
+      <p:sp>
+        <p:nvSpPr>
+          <p:cNvPr id="3" name="모서리가 둥근 직사각형 2"/>
+          <p:cNvSpPr/>
+          <p:nvPr/>
+        </p:nvSpPr>
+        <p:spPr>
+          <a:xfrm>
+            <a:off x="0" y="0"/>
+            <a:ext cx="12192000" cy="483326"/>
+          </a:xfrm>
+          <a:prstGeom prst="roundRect">
+            <a:avLst/>
+          </a:prstGeom>
+          <a:solidFill>
+            <a:schemeClr val="accent3">
+              <a:lumMod val="20000"/>
+              <a:lumOff val="80000"/>
+            </a:schemeClr>
+          </a:solidFill>
+          <a:ln>
+            <a:solidFill>
+              <a:schemeClr val="bg1"/>
+            </a:solidFill>
+          </a:ln>
+        </p:spPr>
+        <p:style>
+          <a:lnRef idx="2">
+            <a:schemeClr val="accent1">
+              <a:shade val="50000"/>
+            </a:schemeClr>
+          </a:lnRef>
+          <a:fillRef idx="1">
+            <a:schemeClr val="accent1"/>
+          </a:fillRef>
+          <a:effectRef idx="0">
+            <a:schemeClr val="accent1"/>
+          </a:effectRef>
+          <a:fontRef idx="minor">
+            <a:schemeClr val="lt1"/>
+          </a:fontRef>
+        </p:style>
+        <p:txBody>
+          <a:bodyPr rtlCol="0" anchor="ctr"/>
+          <a:lstStyle/>
+          <a:p>
+            <a:pPr algn="ctr"/>
+            <a:r>
+              <a:rPr lang="ko-KR" altLang="en-US" smtClean="0">
+                <a:solidFill>
+                  <a:sysClr val="windowText" lastClr="000000"/>
+                </a:solidFill>
+              </a:rPr>
+              <a:t>용어 정리</a:t>
+            </a:r>
+            <a:endParaRPr lang="ko-KR" altLang="en-US">
+              <a:solidFill>
+                <a:sysClr val="windowText" lastClr="000000"/>
+              </a:solidFill>
+            </a:endParaRPr>
+          </a:p>
+        </p:txBody>
+      </p:sp>
+      <p:sp>
+        <p:nvSpPr>
+          <p:cNvPr id="4" name="TextBox 3"/>
           <p:cNvSpPr txBox="1"/>
           <p:nvPr/>
         </p:nvSpPr>
         <p:spPr>
           <a:xfrm>
-            <a:off x="5730681" y="2323858"/>
-            <a:ext cx="6116414" cy="338554"/>
+            <a:off x="1086853" y="786063"/>
+            <a:ext cx="10018294" cy="4093428"/>
           </a:xfrm>
           <a:prstGeom prst="rect">
             <a:avLst/>
@@ -3313,26 +3550,700 @@
           </a:bodyPr>
           <a:lstStyle/>
           <a:p>
+            <a:pPr>
+              <a:lnSpc>
+                <a:spcPct val="200000"/>
+              </a:lnSpc>
+            </a:pPr>
             <a:r>
               <a:rPr lang="en-US" altLang="ko-KR" sz="1600" smtClean="0"/>
-              <a:t>git remot -v</a:t>
+              <a:t>CSS – </a:t>
             </a:r>
             <a:r>
               <a:rPr lang="ko-KR" altLang="en-US" sz="1600" smtClean="0"/>
-              <a:t>로 원격 연결 상태를 확인한다</a:t>
+              <a:t>디자인에 최적화된 웹페이지 마크업 언어</a:t>
             </a:r>
             <a:r>
               <a:rPr lang="en-US" altLang="ko-KR" sz="1600" smtClean="0"/>
               <a:t>.</a:t>
             </a:r>
-            <a:endParaRPr lang="ko-KR" altLang="en-US" sz="1600"/>
+          </a:p>
+          <a:p>
+            <a:pPr>
+              <a:lnSpc>
+                <a:spcPct val="200000"/>
+              </a:lnSpc>
+            </a:pPr>
+            <a:r>
+              <a:rPr lang="ko-KR" altLang="en-US" sz="1600" smtClean="0"/>
+              <a:t>엘리먼트 </a:t>
+            </a:r>
+            <a:r>
+              <a:rPr lang="en-US" altLang="ko-KR" sz="1600" smtClean="0"/>
+              <a:t>– </a:t>
+            </a:r>
+            <a:r>
+              <a:rPr lang="ko-KR" altLang="en-US" sz="1600" smtClean="0"/>
+              <a:t>웹 디자인의 최소 단위</a:t>
+            </a:r>
+            <a:r>
+              <a:rPr lang="en-US" altLang="ko-KR" sz="1600" smtClean="0"/>
+              <a:t>, </a:t>
+            </a:r>
+            <a:r>
+              <a:rPr lang="ko-KR" altLang="en-US" sz="1600" smtClean="0"/>
+              <a:t>하나의 객체를 의미함</a:t>
+            </a:r>
+            <a:r>
+              <a:rPr lang="en-US" altLang="ko-KR" sz="1600" smtClean="0"/>
+              <a:t>. </a:t>
+            </a:r>
+            <a:r>
+              <a:rPr lang="ko-KR" altLang="en-US" sz="1600" b="1" smtClean="0"/>
+              <a:t>보통 태그를 지칭할 때 쓰임</a:t>
+            </a:r>
+            <a:r>
+              <a:rPr lang="en-US" altLang="ko-KR" sz="1600" smtClean="0"/>
+              <a:t>.</a:t>
+            </a:r>
+          </a:p>
+          <a:p>
+            <a:pPr>
+              <a:lnSpc>
+                <a:spcPct val="200000"/>
+              </a:lnSpc>
+            </a:pPr>
+            <a:r>
+              <a:rPr lang="ko-KR" altLang="en-US" sz="1600" smtClean="0"/>
+              <a:t>셀렉터 </a:t>
+            </a:r>
+            <a:r>
+              <a:rPr lang="en-US" altLang="ko-KR" sz="1600" smtClean="0"/>
+              <a:t>– </a:t>
+            </a:r>
+            <a:r>
+              <a:rPr lang="ko-KR" altLang="en-US" sz="1600" smtClean="0"/>
+              <a:t>선택자</a:t>
+            </a:r>
+            <a:r>
+              <a:rPr lang="en-US" altLang="ko-KR" sz="1600" smtClean="0"/>
+              <a:t>. </a:t>
+            </a:r>
+            <a:r>
+              <a:rPr lang="ko-KR" altLang="en-US" sz="1600" smtClean="0"/>
+              <a:t>변화시킬 대상을 지칭할 때 쓰임</a:t>
+            </a:r>
+            <a:r>
+              <a:rPr lang="en-US" altLang="ko-KR" sz="1600" smtClean="0"/>
+              <a:t>.</a:t>
+            </a:r>
+          </a:p>
+          <a:p>
+            <a:pPr>
+              <a:lnSpc>
+                <a:spcPct val="200000"/>
+              </a:lnSpc>
+            </a:pPr>
+            <a:r>
+              <a:rPr lang="ko-KR" altLang="en-US" sz="1600" smtClean="0"/>
+              <a:t>클래스 </a:t>
+            </a:r>
+            <a:r>
+              <a:rPr lang="en-US" altLang="ko-KR" sz="1600" smtClean="0"/>
+              <a:t>– </a:t>
+            </a:r>
+            <a:r>
+              <a:rPr lang="ko-KR" altLang="en-US" sz="1600" smtClean="0"/>
+              <a:t>속성을 하나 정해두고</a:t>
+            </a:r>
+            <a:r>
+              <a:rPr lang="en-US" altLang="ko-KR" sz="1600" smtClean="0"/>
+              <a:t>, </a:t>
+            </a:r>
+            <a:r>
+              <a:rPr lang="ko-KR" altLang="en-US" sz="1600" smtClean="0"/>
+              <a:t>여러 속성에서 원하는 태그에 값을 주고 싶을 때 사용</a:t>
+            </a:r>
+            <a:r>
+              <a:rPr lang="en-US" altLang="ko-KR" sz="1600" smtClean="0"/>
+              <a:t>.</a:t>
+            </a:r>
+          </a:p>
+          <a:p>
+            <a:pPr>
+              <a:lnSpc>
+                <a:spcPct val="200000"/>
+              </a:lnSpc>
+            </a:pPr>
+            <a:r>
+              <a:rPr lang="en-US" altLang="ko-KR" sz="1600" smtClean="0"/>
+              <a:t>(</a:t>
+            </a:r>
+            <a:r>
+              <a:rPr lang="ko-KR" altLang="en-US" sz="1600" smtClean="0"/>
+              <a:t>클래스를 부를 때는 </a:t>
+            </a:r>
+            <a:r>
+              <a:rPr lang="en-US" altLang="ko-KR" b="1" smtClean="0">
+                <a:solidFill>
+                  <a:srgbClr val="FF0000"/>
+                </a:solidFill>
+              </a:rPr>
+              <a:t>.</a:t>
+            </a:r>
+            <a:r>
+              <a:rPr lang="ko-KR" altLang="en-US" sz="1600" smtClean="0"/>
+              <a:t>을 사용 함</a:t>
+            </a:r>
+            <a:r>
+              <a:rPr lang="en-US" altLang="ko-KR" sz="1600"/>
+              <a:t>)</a:t>
+            </a:r>
+            <a:endParaRPr lang="en-US" altLang="ko-KR" sz="1600" smtClean="0"/>
+          </a:p>
+          <a:p>
+            <a:pPr>
+              <a:lnSpc>
+                <a:spcPct val="200000"/>
+              </a:lnSpc>
+            </a:pPr>
+            <a:r>
+              <a:rPr lang="en-US" altLang="ko-KR" sz="1600" smtClean="0"/>
+              <a:t>ID – </a:t>
+            </a:r>
+            <a:r>
+              <a:rPr lang="ko-KR" altLang="en-US" sz="1600" smtClean="0"/>
+              <a:t>하나만 있을 수 있다</a:t>
+            </a:r>
+            <a:r>
+              <a:rPr lang="en-US" altLang="ko-KR" sz="1600" smtClean="0"/>
+              <a:t>.</a:t>
+            </a:r>
+          </a:p>
+          <a:p>
+            <a:pPr>
+              <a:lnSpc>
+                <a:spcPct val="200000"/>
+              </a:lnSpc>
+            </a:pPr>
+            <a:r>
+              <a:rPr lang="en-US" altLang="ko-KR" sz="1600" smtClean="0"/>
+              <a:t>(ID</a:t>
+            </a:r>
+            <a:r>
+              <a:rPr lang="ko-KR" altLang="en-US" sz="1600" smtClean="0"/>
+              <a:t>를 부를 때는 </a:t>
+            </a:r>
+            <a:r>
+              <a:rPr lang="en-US" altLang="ko-KR" sz="1600" smtClean="0">
+                <a:solidFill>
+                  <a:srgbClr val="FF0000"/>
+                </a:solidFill>
+              </a:rPr>
+              <a:t>#</a:t>
+            </a:r>
+            <a:r>
+              <a:rPr lang="ko-KR" altLang="en-US" sz="1600" smtClean="0"/>
+              <a:t>을 사용함</a:t>
+            </a:r>
+            <a:r>
+              <a:rPr lang="en-US" altLang="ko-KR" sz="1600" smtClean="0"/>
+              <a:t>)</a:t>
+            </a:r>
+          </a:p>
+          <a:p>
+            <a:pPr>
+              <a:lnSpc>
+                <a:spcPct val="200000"/>
+              </a:lnSpc>
+            </a:pPr>
+            <a:r>
+              <a:rPr lang="ko-KR" altLang="en-US" sz="1600" smtClean="0"/>
+              <a:t>네임 </a:t>
+            </a:r>
+            <a:r>
+              <a:rPr lang="en-US" altLang="ko-KR" sz="1600" smtClean="0"/>
+              <a:t>– </a:t>
+            </a:r>
+            <a:r>
+              <a:rPr lang="ko-KR" altLang="en-US" sz="1600" smtClean="0"/>
+              <a:t>단수이거나 복수일수도 있는 단위</a:t>
+            </a:r>
+            <a:r>
+              <a:rPr lang="en-US" altLang="ko-KR" sz="1600" smtClean="0"/>
+              <a:t>.</a:t>
+            </a:r>
           </a:p>
         </p:txBody>
       </p:sp>
     </p:spTree>
     <p:extLst>
       <p:ext uri="{BB962C8B-B14F-4D97-AF65-F5344CB8AC3E}">
-        <p14:creationId xmlns:p14="http://schemas.microsoft.com/office/powerpoint/2010/main" val="1107291987"/>
+        <p14:creationId xmlns:p14="http://schemas.microsoft.com/office/powerpoint/2010/main" val="1917016563"/>
+      </p:ext>
+    </p:extLst>
+  </p:cSld>
+  <p:clrMapOvr>
+    <a:masterClrMapping/>
+  </p:clrMapOvr>
+  <p:timing>
+    <p:tnLst>
+      <p:par>
+        <p:cTn id="1" dur="indefinite" restart="never" nodeType="tmRoot"/>
+      </p:par>
+    </p:tnLst>
+  </p:timing>
+</p:sld>
+</file>
+
+<file path=ppt/slides/slide13.xml><?xml version="1.0" encoding="utf-8"?>
+<p:sld xmlns:a="http://schemas.openxmlformats.org/drawingml/2006/main" xmlns:r="http://schemas.openxmlformats.org/officeDocument/2006/relationships" xmlns:p="http://schemas.openxmlformats.org/presentationml/2006/main">
+  <p:cSld>
+    <p:spTree>
+      <p:nvGrpSpPr>
+        <p:cNvPr id="1" name=""/>
+        <p:cNvGrpSpPr/>
+        <p:nvPr/>
+      </p:nvGrpSpPr>
+      <p:grpSpPr>
+        <a:xfrm>
+          <a:off x="0" y="0"/>
+          <a:ext cx="0" cy="0"/>
+          <a:chOff x="0" y="0"/>
+          <a:chExt cx="0" cy="0"/>
+        </a:xfrm>
+      </p:grpSpPr>
+      <p:sp>
+        <p:nvSpPr>
+          <p:cNvPr id="11" name="모서리가 둥근 직사각형 10"/>
+          <p:cNvSpPr/>
+          <p:nvPr/>
+        </p:nvSpPr>
+        <p:spPr>
+          <a:xfrm>
+            <a:off x="0" y="0"/>
+            <a:ext cx="12192000" cy="483326"/>
+          </a:xfrm>
+          <a:prstGeom prst="roundRect">
+            <a:avLst/>
+          </a:prstGeom>
+          <a:solidFill>
+            <a:schemeClr val="accent3">
+              <a:lumMod val="20000"/>
+              <a:lumOff val="80000"/>
+            </a:schemeClr>
+          </a:solidFill>
+          <a:ln>
+            <a:solidFill>
+              <a:schemeClr val="bg1"/>
+            </a:solidFill>
+          </a:ln>
+        </p:spPr>
+        <p:style>
+          <a:lnRef idx="2">
+            <a:schemeClr val="accent1">
+              <a:shade val="50000"/>
+            </a:schemeClr>
+          </a:lnRef>
+          <a:fillRef idx="1">
+            <a:schemeClr val="accent1"/>
+          </a:fillRef>
+          <a:effectRef idx="0">
+            <a:schemeClr val="accent1"/>
+          </a:effectRef>
+          <a:fontRef idx="minor">
+            <a:schemeClr val="lt1"/>
+          </a:fontRef>
+        </p:style>
+        <p:txBody>
+          <a:bodyPr rtlCol="0" anchor="ctr"/>
+          <a:lstStyle/>
+          <a:p>
+            <a:pPr algn="ctr"/>
+            <a:r>
+              <a:rPr lang="ko-KR" altLang="en-US" smtClean="0">
+                <a:solidFill>
+                  <a:sysClr val="windowText" lastClr="000000"/>
+                </a:solidFill>
+              </a:rPr>
+              <a:t>터미널로 </a:t>
+            </a:r>
+            <a:r>
+              <a:rPr lang="en-US" altLang="ko-KR" smtClean="0">
+                <a:solidFill>
+                  <a:sysClr val="windowText" lastClr="000000"/>
+                </a:solidFill>
+              </a:rPr>
+              <a:t>Git </a:t>
+            </a:r>
+            <a:r>
+              <a:rPr lang="ko-KR" altLang="en-US" smtClean="0">
+                <a:solidFill>
+                  <a:sysClr val="windowText" lastClr="000000"/>
+                </a:solidFill>
+              </a:rPr>
+              <a:t>처음 생성 과정</a:t>
+            </a:r>
+            <a:endParaRPr lang="ko-KR" altLang="en-US">
+              <a:solidFill>
+                <a:sysClr val="windowText" lastClr="000000"/>
+              </a:solidFill>
+            </a:endParaRPr>
+          </a:p>
+        </p:txBody>
+      </p:sp>
+    </p:spTree>
+    <p:extLst>
+      <p:ext uri="{BB962C8B-B14F-4D97-AF65-F5344CB8AC3E}">
+        <p14:creationId xmlns:p14="http://schemas.microsoft.com/office/powerpoint/2010/main" val="2070775991"/>
+      </p:ext>
+    </p:extLst>
+  </p:cSld>
+  <p:clrMapOvr>
+    <a:masterClrMapping/>
+  </p:clrMapOvr>
+  <p:timing>
+    <p:tnLst>
+      <p:par>
+        <p:cTn id="1" dur="indefinite" restart="never" nodeType="tmRoot"/>
+      </p:par>
+    </p:tnLst>
+  </p:timing>
+</p:sld>
+</file>
+
+<file path=ppt/slides/slide14.xml><?xml version="1.0" encoding="utf-8"?>
+<p:sld xmlns:a="http://schemas.openxmlformats.org/drawingml/2006/main" xmlns:r="http://schemas.openxmlformats.org/officeDocument/2006/relationships" xmlns:p="http://schemas.openxmlformats.org/presentationml/2006/main">
+  <p:cSld>
+    <p:spTree>
+      <p:nvGrpSpPr>
+        <p:cNvPr id="1" name=""/>
+        <p:cNvGrpSpPr/>
+        <p:nvPr/>
+      </p:nvGrpSpPr>
+      <p:grpSpPr>
+        <a:xfrm>
+          <a:off x="0" y="0"/>
+          <a:ext cx="0" cy="0"/>
+          <a:chOff x="0" y="0"/>
+          <a:chExt cx="0" cy="0"/>
+        </a:xfrm>
+      </p:grpSpPr>
+      <p:sp>
+        <p:nvSpPr>
+          <p:cNvPr id="11" name="모서리가 둥근 직사각형 10"/>
+          <p:cNvSpPr/>
+          <p:nvPr/>
+        </p:nvSpPr>
+        <p:spPr>
+          <a:xfrm>
+            <a:off x="0" y="0"/>
+            <a:ext cx="12192000" cy="483326"/>
+          </a:xfrm>
+          <a:prstGeom prst="roundRect">
+            <a:avLst/>
+          </a:prstGeom>
+          <a:solidFill>
+            <a:schemeClr val="accent3">
+              <a:lumMod val="20000"/>
+              <a:lumOff val="80000"/>
+            </a:schemeClr>
+          </a:solidFill>
+          <a:ln>
+            <a:solidFill>
+              <a:schemeClr val="bg1"/>
+            </a:solidFill>
+          </a:ln>
+        </p:spPr>
+        <p:style>
+          <a:lnRef idx="2">
+            <a:schemeClr val="accent1">
+              <a:shade val="50000"/>
+            </a:schemeClr>
+          </a:lnRef>
+          <a:fillRef idx="1">
+            <a:schemeClr val="accent1"/>
+          </a:fillRef>
+          <a:effectRef idx="0">
+            <a:schemeClr val="accent1"/>
+          </a:effectRef>
+          <a:fontRef idx="minor">
+            <a:schemeClr val="lt1"/>
+          </a:fontRef>
+        </p:style>
+        <p:txBody>
+          <a:bodyPr rtlCol="0" anchor="ctr"/>
+          <a:lstStyle/>
+          <a:p>
+            <a:pPr algn="ctr"/>
+            <a:r>
+              <a:rPr lang="ko-KR" altLang="en-US" smtClean="0">
+                <a:solidFill>
+                  <a:sysClr val="windowText" lastClr="000000"/>
+                </a:solidFill>
+              </a:rPr>
+              <a:t>터미널로 </a:t>
+            </a:r>
+            <a:r>
+              <a:rPr lang="en-US" altLang="ko-KR" smtClean="0">
+                <a:solidFill>
+                  <a:sysClr val="windowText" lastClr="000000"/>
+                </a:solidFill>
+              </a:rPr>
+              <a:t>Git </a:t>
+            </a:r>
+            <a:r>
+              <a:rPr lang="ko-KR" altLang="en-US" smtClean="0">
+                <a:solidFill>
+                  <a:sysClr val="windowText" lastClr="000000"/>
+                </a:solidFill>
+              </a:rPr>
+              <a:t>처음 생성 과정</a:t>
+            </a:r>
+            <a:endParaRPr lang="ko-KR" altLang="en-US">
+              <a:solidFill>
+                <a:sysClr val="windowText" lastClr="000000"/>
+              </a:solidFill>
+            </a:endParaRPr>
+          </a:p>
+        </p:txBody>
+      </p:sp>
+    </p:spTree>
+    <p:extLst>
+      <p:ext uri="{BB962C8B-B14F-4D97-AF65-F5344CB8AC3E}">
+        <p14:creationId xmlns:p14="http://schemas.microsoft.com/office/powerpoint/2010/main" val="2445042572"/>
+      </p:ext>
+    </p:extLst>
+  </p:cSld>
+  <p:clrMapOvr>
+    <a:masterClrMapping/>
+  </p:clrMapOvr>
+  <p:timing>
+    <p:tnLst>
+      <p:par>
+        <p:cTn id="1" dur="indefinite" restart="never" nodeType="tmRoot"/>
+      </p:par>
+    </p:tnLst>
+  </p:timing>
+</p:sld>
+</file>
+
+<file path=ppt/slides/slide15.xml><?xml version="1.0" encoding="utf-8"?>
+<p:sld xmlns:a="http://schemas.openxmlformats.org/drawingml/2006/main" xmlns:r="http://schemas.openxmlformats.org/officeDocument/2006/relationships" xmlns:p="http://schemas.openxmlformats.org/presentationml/2006/main">
+  <p:cSld>
+    <p:spTree>
+      <p:nvGrpSpPr>
+        <p:cNvPr id="1" name=""/>
+        <p:cNvGrpSpPr/>
+        <p:nvPr/>
+      </p:nvGrpSpPr>
+      <p:grpSpPr>
+        <a:xfrm>
+          <a:off x="0" y="0"/>
+          <a:ext cx="0" cy="0"/>
+          <a:chOff x="0" y="0"/>
+          <a:chExt cx="0" cy="0"/>
+        </a:xfrm>
+      </p:grpSpPr>
+      <p:sp>
+        <p:nvSpPr>
+          <p:cNvPr id="11" name="모서리가 둥근 직사각형 10"/>
+          <p:cNvSpPr/>
+          <p:nvPr/>
+        </p:nvSpPr>
+        <p:spPr>
+          <a:xfrm>
+            <a:off x="0" y="0"/>
+            <a:ext cx="12192000" cy="483326"/>
+          </a:xfrm>
+          <a:prstGeom prst="roundRect">
+            <a:avLst/>
+          </a:prstGeom>
+          <a:solidFill>
+            <a:schemeClr val="accent3">
+              <a:lumMod val="20000"/>
+              <a:lumOff val="80000"/>
+            </a:schemeClr>
+          </a:solidFill>
+          <a:ln>
+            <a:solidFill>
+              <a:schemeClr val="bg1"/>
+            </a:solidFill>
+          </a:ln>
+        </p:spPr>
+        <p:style>
+          <a:lnRef idx="2">
+            <a:schemeClr val="accent1">
+              <a:shade val="50000"/>
+            </a:schemeClr>
+          </a:lnRef>
+          <a:fillRef idx="1">
+            <a:schemeClr val="accent1"/>
+          </a:fillRef>
+          <a:effectRef idx="0">
+            <a:schemeClr val="accent1"/>
+          </a:effectRef>
+          <a:fontRef idx="minor">
+            <a:schemeClr val="lt1"/>
+          </a:fontRef>
+        </p:style>
+        <p:txBody>
+          <a:bodyPr rtlCol="0" anchor="ctr"/>
+          <a:lstStyle/>
+          <a:p>
+            <a:pPr algn="ctr"/>
+            <a:r>
+              <a:rPr lang="ko-KR" altLang="en-US" smtClean="0">
+                <a:solidFill>
+                  <a:sysClr val="windowText" lastClr="000000"/>
+                </a:solidFill>
+              </a:rPr>
+              <a:t>터미널로 </a:t>
+            </a:r>
+            <a:r>
+              <a:rPr lang="en-US" altLang="ko-KR" smtClean="0">
+                <a:solidFill>
+                  <a:sysClr val="windowText" lastClr="000000"/>
+                </a:solidFill>
+              </a:rPr>
+              <a:t>Git </a:t>
+            </a:r>
+            <a:r>
+              <a:rPr lang="ko-KR" altLang="en-US" smtClean="0">
+                <a:solidFill>
+                  <a:sysClr val="windowText" lastClr="000000"/>
+                </a:solidFill>
+              </a:rPr>
+              <a:t>처음 생성 과정</a:t>
+            </a:r>
+            <a:endParaRPr lang="ko-KR" altLang="en-US">
+              <a:solidFill>
+                <a:sysClr val="windowText" lastClr="000000"/>
+              </a:solidFill>
+            </a:endParaRPr>
+          </a:p>
+        </p:txBody>
+      </p:sp>
+    </p:spTree>
+    <p:extLst>
+      <p:ext uri="{BB962C8B-B14F-4D97-AF65-F5344CB8AC3E}">
+        <p14:creationId xmlns:p14="http://schemas.microsoft.com/office/powerpoint/2010/main" val="3992402358"/>
+      </p:ext>
+    </p:extLst>
+  </p:cSld>
+  <p:clrMapOvr>
+    <a:masterClrMapping/>
+  </p:clrMapOvr>
+  <p:timing>
+    <p:tnLst>
+      <p:par>
+        <p:cTn id="1" dur="indefinite" restart="never" nodeType="tmRoot"/>
+      </p:par>
+    </p:tnLst>
+  </p:timing>
+</p:sld>
+</file>
+
+<file path=ppt/slides/slide16.xml><?xml version="1.0" encoding="utf-8"?>
+<p:sld xmlns:a="http://schemas.openxmlformats.org/drawingml/2006/main" xmlns:r="http://schemas.openxmlformats.org/officeDocument/2006/relationships" xmlns:p="http://schemas.openxmlformats.org/presentationml/2006/main">
+  <p:cSld>
+    <p:spTree>
+      <p:nvGrpSpPr>
+        <p:cNvPr id="1" name=""/>
+        <p:cNvGrpSpPr/>
+        <p:nvPr/>
+      </p:nvGrpSpPr>
+      <p:grpSpPr>
+        <a:xfrm>
+          <a:off x="0" y="0"/>
+          <a:ext cx="0" cy="0"/>
+          <a:chOff x="0" y="0"/>
+          <a:chExt cx="0" cy="0"/>
+        </a:xfrm>
+      </p:grpSpPr>
+      <p:sp>
+        <p:nvSpPr>
+          <p:cNvPr id="11" name="모서리가 둥근 직사각형 10"/>
+          <p:cNvSpPr/>
+          <p:nvPr/>
+        </p:nvSpPr>
+        <p:spPr>
+          <a:xfrm>
+            <a:off x="0" y="0"/>
+            <a:ext cx="12192000" cy="483326"/>
+          </a:xfrm>
+          <a:prstGeom prst="roundRect">
+            <a:avLst/>
+          </a:prstGeom>
+          <a:solidFill>
+            <a:schemeClr val="accent3">
+              <a:lumMod val="20000"/>
+              <a:lumOff val="80000"/>
+            </a:schemeClr>
+          </a:solidFill>
+          <a:ln>
+            <a:solidFill>
+              <a:schemeClr val="bg1"/>
+            </a:solidFill>
+          </a:ln>
+        </p:spPr>
+        <p:style>
+          <a:lnRef idx="2">
+            <a:schemeClr val="accent1">
+              <a:shade val="50000"/>
+            </a:schemeClr>
+          </a:lnRef>
+          <a:fillRef idx="1">
+            <a:schemeClr val="accent1"/>
+          </a:fillRef>
+          <a:effectRef idx="0">
+            <a:schemeClr val="accent1"/>
+          </a:effectRef>
+          <a:fontRef idx="minor">
+            <a:schemeClr val="lt1"/>
+          </a:fontRef>
+        </p:style>
+        <p:txBody>
+          <a:bodyPr rtlCol="0" anchor="ctr"/>
+          <a:lstStyle/>
+          <a:p>
+            <a:pPr algn="ctr"/>
+            <a:r>
+              <a:rPr lang="ko-KR" altLang="en-US" smtClean="0">
+                <a:solidFill>
+                  <a:sysClr val="windowText" lastClr="000000"/>
+                </a:solidFill>
+              </a:rPr>
+              <a:t>터미널로 </a:t>
+            </a:r>
+            <a:r>
+              <a:rPr lang="en-US" altLang="ko-KR" smtClean="0">
+                <a:solidFill>
+                  <a:sysClr val="windowText" lastClr="000000"/>
+                </a:solidFill>
+              </a:rPr>
+              <a:t>Git </a:t>
+            </a:r>
+            <a:r>
+              <a:rPr lang="ko-KR" altLang="en-US" smtClean="0">
+                <a:solidFill>
+                  <a:sysClr val="windowText" lastClr="000000"/>
+                </a:solidFill>
+              </a:rPr>
+              <a:t>처음 생성 과정</a:t>
+            </a:r>
+            <a:endParaRPr lang="ko-KR" altLang="en-US">
+              <a:solidFill>
+                <a:sysClr val="windowText" lastClr="000000"/>
+              </a:solidFill>
+            </a:endParaRPr>
+          </a:p>
+        </p:txBody>
+      </p:sp>
+    </p:spTree>
+    <p:extLst>
+      <p:ext uri="{BB962C8B-B14F-4D97-AF65-F5344CB8AC3E}">
+        <p14:creationId xmlns:p14="http://schemas.microsoft.com/office/powerpoint/2010/main" val="178273614"/>
       </p:ext>
     </p:extLst>
   </p:cSld>
@@ -3375,7 +4286,7 @@
         <p:spPr>
           <a:xfrm>
             <a:off x="1594624" y="613317"/>
-            <a:ext cx="9422781" cy="5016758"/>
+            <a:ext cx="9422781" cy="4401205"/>
           </a:xfrm>
           <a:prstGeom prst="rect">
             <a:avLst/>
@@ -3395,12 +4306,8 @@
               <a:buAutoNum type="arabicPeriod"/>
             </a:pPr>
             <a:r>
-              <a:rPr lang="en-US" altLang="ko-KR" sz="2000" b="1" smtClean="0"/>
-              <a:t>VS CODE </a:t>
-            </a:r>
-            <a:r>
               <a:rPr lang="ko-KR" altLang="en-US" sz="2000" b="1" smtClean="0"/>
-              <a:t>설치</a:t>
+              <a:t>정규식</a:t>
             </a:r>
             <a:endParaRPr lang="en-US" altLang="ko-KR" sz="2000" b="1" smtClean="0"/>
           </a:p>
@@ -3412,20 +4319,8 @@
               <a:buAutoNum type="arabicPeriod"/>
             </a:pPr>
             <a:r>
-              <a:rPr lang="en-US" altLang="ko-KR" sz="2000" b="1" smtClean="0"/>
-              <a:t>VS CODE_One Dark Pro (</a:t>
-            </a:r>
-            <a:r>
               <a:rPr lang="ko-KR" altLang="en-US" sz="2000" b="1" smtClean="0"/>
-              <a:t>테마</a:t>
-            </a:r>
-            <a:r>
-              <a:rPr lang="en-US" altLang="ko-KR" sz="2000" b="1" smtClean="0"/>
-              <a:t>) </a:t>
-            </a:r>
-            <a:r>
-              <a:rPr lang="ko-KR" altLang="en-US" sz="2000" b="1" smtClean="0"/>
-              <a:t>설치</a:t>
+              <a:t>용어 정리</a:t>
             </a:r>
             <a:endParaRPr lang="en-US" altLang="ko-KR" sz="2000" b="1" smtClean="0"/>
           </a:p>
@@ -3437,12 +4332,8 @@
               <a:buAutoNum type="arabicPeriod"/>
             </a:pPr>
             <a:r>
-              <a:rPr lang="en-US" altLang="ko-KR" sz="2000" b="1" smtClean="0"/>
-              <a:t>VS CODE_Live Server </a:t>
-            </a:r>
-            <a:r>
               <a:rPr lang="ko-KR" altLang="en-US" sz="2000" b="1" smtClean="0"/>
-              <a:t>설치</a:t>
+              <a:t>태그별 영역 범위</a:t>
             </a:r>
             <a:endParaRPr lang="en-US" altLang="ko-KR" sz="2000" b="1" smtClean="0"/>
           </a:p>
@@ -3455,11 +4346,19 @@
             </a:pPr>
             <a:r>
               <a:rPr lang="en-US" altLang="ko-KR" sz="2000" b="1" smtClean="0"/>
-              <a:t>VS CODE_MySQL </a:t>
+              <a:t>Video </a:t>
             </a:r>
             <a:r>
               <a:rPr lang="ko-KR" altLang="en-US" sz="2000" b="1" smtClean="0"/>
-              <a:t>설치</a:t>
+              <a:t>태그</a:t>
+            </a:r>
+            <a:r>
+              <a:rPr lang="en-US" altLang="ko-KR" sz="2000" b="1" smtClean="0"/>
+              <a:t>,iframe</a:t>
+            </a:r>
+            <a:r>
+              <a:rPr lang="ko-KR" altLang="en-US" sz="2000" b="1" smtClean="0"/>
+              <a:t> 사용 예시</a:t>
             </a:r>
             <a:endParaRPr lang="en-US" altLang="ko-KR" sz="2000" b="1" smtClean="0"/>
           </a:p>
@@ -3472,11 +4371,11 @@
             </a:pPr>
             <a:r>
               <a:rPr lang="en-US" altLang="ko-KR" sz="2000" b="1" smtClean="0"/>
-              <a:t>VS CODE_Git History </a:t>
-            </a:r>
-            <a:r>
-              <a:rPr lang="ko-KR" altLang="en-US" sz="2000" b="1" smtClean="0"/>
-              <a:t>설치</a:t>
+              <a:t>Audio </a:t>
+            </a:r>
+            <a:r>
+              <a:rPr lang="ko-KR" altLang="en-US" sz="2000" b="1"/>
+              <a:t>태그 사용 예시</a:t>
             </a:r>
             <a:endParaRPr lang="en-US" altLang="ko-KR" sz="2000" b="1" smtClean="0"/>
           </a:p>
@@ -3488,31 +4387,21 @@
               <a:buAutoNum type="arabicPeriod"/>
             </a:pPr>
             <a:r>
-              <a:rPr lang="en-US" altLang="ko-KR" sz="2000" b="1" smtClean="0"/>
-              <a:t>Git </a:t>
-            </a:r>
-            <a:r>
-              <a:rPr lang="ko-KR" altLang="en-US" sz="2000" b="1" smtClean="0"/>
-              <a:t>터미널 에러 및 해결</a:t>
-            </a:r>
-            <a:endParaRPr lang="en-US" altLang="ko-KR" sz="2000" b="1" smtClean="0"/>
-          </a:p>
-          <a:p>
-            <a:pPr marL="342900" indent="-342900">
-              <a:lnSpc>
-                <a:spcPct val="200000"/>
-              </a:lnSpc>
-              <a:buAutoNum type="arabicPeriod"/>
-            </a:pPr>
-            <a:r>
-              <a:rPr lang="en-US" altLang="ko-KR" sz="2000" b="1" smtClean="0"/>
-              <a:t>Git </a:t>
-            </a:r>
-            <a:r>
-              <a:rPr lang="ko-KR" altLang="en-US" sz="2000" b="1" smtClean="0"/>
-              <a:t>초기 설정 명령어 및 자주 사용하는 명령어</a:t>
-            </a:r>
-            <a:endParaRPr lang="en-US" altLang="ko-KR" sz="2000" b="1" smtClean="0"/>
+              <a:rPr lang="ko-KR" altLang="en-US" sz="2000" b="1"/>
+              <a:t>실습 </a:t>
+            </a:r>
+            <a:r>
+              <a:rPr lang="en-US" altLang="ko-KR" sz="2000" b="1"/>
+              <a:t>1(video,iframe,table </a:t>
+            </a:r>
+            <a:r>
+              <a:rPr lang="ko-KR" altLang="en-US" sz="2000" b="1"/>
+              <a:t>활용</a:t>
+            </a:r>
+            <a:r>
+              <a:rPr lang="en-US" altLang="ko-KR" sz="2000" b="1"/>
+              <a:t>)</a:t>
+            </a:r>
           </a:p>
           <a:p>
             <a:pPr marL="342900" indent="-342900">
@@ -3675,8 +4564,8 @@
         </p:nvSpPr>
         <p:spPr>
           <a:xfrm>
-            <a:off x="5077327" y="2061406"/>
-            <a:ext cx="7251032" cy="2677656"/>
+            <a:off x="2470484" y="1163048"/>
+            <a:ext cx="7251032" cy="3323987"/>
           </a:xfrm>
           <a:prstGeom prst="rect">
             <a:avLst/>
@@ -3796,6 +4685,35 @@
               <a:rPr lang="en-US" altLang="ko-KR" sz="1400"/>
               <a:t>replace(/(\..*)\./g, '$1');" /&gt; </a:t>
             </a:r>
+            <a:endParaRPr lang="en-US" altLang="ko-KR" sz="1400" smtClean="0"/>
+          </a:p>
+          <a:p>
+            <a:pPr>
+              <a:lnSpc>
+                <a:spcPct val="150000"/>
+              </a:lnSpc>
+            </a:pPr>
+            <a:endParaRPr lang="en-US" altLang="ko-KR" sz="1400" smtClean="0"/>
+          </a:p>
+          <a:p>
+            <a:pPr>
+              <a:lnSpc>
+                <a:spcPct val="150000"/>
+              </a:lnSpc>
+            </a:pPr>
+            <a:r>
+              <a:rPr lang="en-US" altLang="ko-KR" sz="1400" smtClean="0"/>
+              <a:t>0~9</a:t>
+            </a:r>
+            <a:r>
+              <a:rPr lang="ko-KR" altLang="en-US" sz="1400" smtClean="0"/>
+              <a:t>까지 숫자만 사용 가능</a:t>
+            </a:r>
+            <a:r>
+              <a:rPr lang="en-US" altLang="ko-KR" sz="1400" smtClean="0"/>
+              <a:t>.</a:t>
+            </a:r>
+            <a:endParaRPr lang="en-US" altLang="ko-KR" sz="1400"/>
           </a:p>
           <a:p>
             <a:pPr>
@@ -3852,33 +4770,9 @@
           <a:chExt cx="0" cy="0"/>
         </a:xfrm>
       </p:grpSpPr>
-      <p:pic>
-        <p:nvPicPr>
-          <p:cNvPr id="2" name="그림 1"/>
-          <p:cNvPicPr>
-            <a:picLocks noChangeAspect="1"/>
-          </p:cNvPicPr>
-          <p:nvPr/>
-        </p:nvPicPr>
-        <p:blipFill>
-          <a:blip r:embed="rId2"/>
-          <a:stretch>
-            <a:fillRect/>
-          </a:stretch>
-        </p:blipFill>
-        <p:spPr>
-          <a:xfrm>
-            <a:off x="0" y="754185"/>
-            <a:ext cx="11477625" cy="1762125"/>
-          </a:xfrm>
-          <a:prstGeom prst="rect">
-            <a:avLst/>
-          </a:prstGeom>
-        </p:spPr>
-      </p:pic>
-      <p:sp>
-        <p:nvSpPr>
-          <p:cNvPr id="3" name="모서리가 둥근 직사각형 2"/>
+      <p:sp>
+        <p:nvSpPr>
+          <p:cNvPr id="4" name="모서리가 둥근 직사각형 3"/>
           <p:cNvSpPr/>
           <p:nvPr/>
         </p:nvSpPr>
@@ -3924,28 +4818,12 @@
           <a:p>
             <a:pPr algn="ctr"/>
             <a:r>
-              <a:rPr lang="en-US" altLang="ko-KR" smtClean="0">
+              <a:rPr lang="ko-KR" altLang="en-US" smtClean="0">
                 <a:solidFill>
                   <a:sysClr val="windowText" lastClr="000000"/>
                 </a:solidFill>
               </a:rPr>
-              <a:t>Live Server – Visual Studio Code local </a:t>
-            </a:r>
-            <a:r>
-              <a:rPr lang="ko-KR" altLang="en-US" smtClean="0">
-                <a:solidFill>
-                  <a:sysClr val="windowText" lastClr="000000"/>
-                </a:solidFill>
-              </a:rPr>
-              <a:t>서버 연결을 실시간으로 해줌</a:t>
-            </a:r>
-            <a:r>
-              <a:rPr lang="en-US" altLang="ko-KR" smtClean="0">
-                <a:solidFill>
-                  <a:sysClr val="windowText" lastClr="000000"/>
-                </a:solidFill>
-              </a:rPr>
-              <a:t>.</a:t>
+              <a:t>태그별 영역 범위</a:t>
             </a:r>
             <a:endParaRPr lang="ko-KR" altLang="en-US">
               <a:solidFill>
@@ -3955,10 +4833,261 @@
           </a:p>
         </p:txBody>
       </p:sp>
+      <p:pic>
+        <p:nvPicPr>
+          <p:cNvPr id="9" name="그림 8"/>
+          <p:cNvPicPr>
+            <a:picLocks noChangeAspect="1"/>
+          </p:cNvPicPr>
+          <p:nvPr/>
+        </p:nvPicPr>
+        <p:blipFill>
+          <a:blip r:embed="rId2"/>
+          <a:stretch>
+            <a:fillRect/>
+          </a:stretch>
+        </p:blipFill>
+        <p:spPr>
+          <a:xfrm>
+            <a:off x="5823285" y="3067968"/>
+            <a:ext cx="1800225" cy="457200"/>
+          </a:xfrm>
+          <a:prstGeom prst="rect">
+            <a:avLst/>
+          </a:prstGeom>
+        </p:spPr>
+      </p:pic>
+      <p:pic>
+        <p:nvPicPr>
+          <p:cNvPr id="10" name="그림 9"/>
+          <p:cNvPicPr>
+            <a:picLocks noChangeAspect="1"/>
+          </p:cNvPicPr>
+          <p:nvPr/>
+        </p:nvPicPr>
+        <p:blipFill>
+          <a:blip r:embed="rId3"/>
+          <a:stretch>
+            <a:fillRect/>
+          </a:stretch>
+        </p:blipFill>
+        <p:spPr>
+          <a:xfrm>
+            <a:off x="5823284" y="1966953"/>
+            <a:ext cx="1800225" cy="485775"/>
+          </a:xfrm>
+          <a:prstGeom prst="rect">
+            <a:avLst/>
+          </a:prstGeom>
+        </p:spPr>
+      </p:pic>
+      <p:pic>
+        <p:nvPicPr>
+          <p:cNvPr id="11" name="그림 10"/>
+          <p:cNvPicPr>
+            <a:picLocks noChangeAspect="1"/>
+          </p:cNvPicPr>
+          <p:nvPr/>
+        </p:nvPicPr>
+        <p:blipFill>
+          <a:blip r:embed="rId4"/>
+          <a:stretch>
+            <a:fillRect/>
+          </a:stretch>
+        </p:blipFill>
+        <p:spPr>
+          <a:xfrm>
+            <a:off x="5823285" y="2636523"/>
+            <a:ext cx="1800225" cy="247650"/>
+          </a:xfrm>
+          <a:prstGeom prst="rect">
+            <a:avLst/>
+          </a:prstGeom>
+        </p:spPr>
+      </p:pic>
+      <p:pic>
+        <p:nvPicPr>
+          <p:cNvPr id="12" name="그림 11"/>
+          <p:cNvPicPr>
+            <a:picLocks noChangeAspect="1"/>
+          </p:cNvPicPr>
+          <p:nvPr/>
+        </p:nvPicPr>
+        <p:blipFill>
+          <a:blip r:embed="rId5"/>
+          <a:stretch>
+            <a:fillRect/>
+          </a:stretch>
+        </p:blipFill>
+        <p:spPr>
+          <a:xfrm>
+            <a:off x="7890451" y="1646612"/>
+            <a:ext cx="2365720" cy="1979822"/>
+          </a:xfrm>
+          <a:prstGeom prst="rect">
+            <a:avLst/>
+          </a:prstGeom>
+        </p:spPr>
+      </p:pic>
+      <p:sp>
+        <p:nvSpPr>
+          <p:cNvPr id="13" name="TextBox 12"/>
+          <p:cNvSpPr txBox="1"/>
+          <p:nvPr/>
+        </p:nvSpPr>
+        <p:spPr>
+          <a:xfrm>
+            <a:off x="5823284" y="483326"/>
+            <a:ext cx="6368716" cy="1061829"/>
+          </a:xfrm>
+          <a:prstGeom prst="rect">
+            <a:avLst/>
+          </a:prstGeom>
+          <a:noFill/>
+          <a:ln>
+            <a:solidFill>
+              <a:schemeClr val="accent1"/>
+            </a:solidFill>
+          </a:ln>
+        </p:spPr>
+        <p:txBody>
+          <a:bodyPr wrap="square" rtlCol="0">
+            <a:spAutoFit/>
+          </a:bodyPr>
+          <a:lstStyle/>
+          <a:p>
+            <a:pPr>
+              <a:lnSpc>
+                <a:spcPct val="150000"/>
+              </a:lnSpc>
+            </a:pPr>
+            <a:r>
+              <a:rPr lang="en-US" altLang="ko-KR" sz="1400" smtClean="0"/>
+              <a:t>p</a:t>
+            </a:r>
+            <a:r>
+              <a:rPr lang="ko-KR" altLang="en-US" sz="1400" smtClean="0"/>
+              <a:t>태그 </a:t>
+            </a:r>
+            <a:r>
+              <a:rPr lang="en-US" altLang="ko-KR" sz="1400" smtClean="0"/>
+              <a:t>– </a:t>
+            </a:r>
+            <a:r>
+              <a:rPr lang="ko-KR" altLang="en-US" sz="1400" smtClean="0"/>
+              <a:t>단락별로 나눌 때 사용</a:t>
+            </a:r>
+            <a:r>
+              <a:rPr lang="en-US" altLang="ko-KR" sz="1400" smtClean="0"/>
+              <a:t>. </a:t>
+            </a:r>
+            <a:r>
+              <a:rPr lang="ko-KR" altLang="en-US" sz="1400" smtClean="0"/>
+              <a:t>범위는 라인 전체</a:t>
+            </a:r>
+            <a:endParaRPr lang="en-US" altLang="ko-KR" sz="1400" smtClean="0"/>
+          </a:p>
+          <a:p>
+            <a:pPr>
+              <a:lnSpc>
+                <a:spcPct val="150000"/>
+              </a:lnSpc>
+            </a:pPr>
+            <a:r>
+              <a:rPr lang="en-US" altLang="ko-KR" sz="1400" smtClean="0"/>
+              <a:t>div </a:t>
+            </a:r>
+            <a:r>
+              <a:rPr lang="ko-KR" altLang="en-US" sz="1400" smtClean="0"/>
+              <a:t>태그 </a:t>
+            </a:r>
+            <a:r>
+              <a:rPr lang="en-US" altLang="ko-KR" sz="1400" smtClean="0"/>
+              <a:t>– </a:t>
+            </a:r>
+            <a:r>
+              <a:rPr lang="ko-KR" altLang="en-US" sz="1400" smtClean="0"/>
+              <a:t>특별한 역할을 하지 않음</a:t>
+            </a:r>
+            <a:r>
+              <a:rPr lang="en-US" altLang="ko-KR" sz="1400" smtClean="0"/>
+              <a:t>. </a:t>
+            </a:r>
+            <a:r>
+              <a:rPr lang="ko-KR" altLang="en-US" sz="1400" smtClean="0"/>
+              <a:t>범위는 라인 전체 </a:t>
+            </a:r>
+            <a:r>
+              <a:rPr lang="en-US" altLang="ko-KR" sz="1400" smtClean="0"/>
+              <a:t>display - block</a:t>
+            </a:r>
+          </a:p>
+          <a:p>
+            <a:pPr>
+              <a:lnSpc>
+                <a:spcPct val="150000"/>
+              </a:lnSpc>
+            </a:pPr>
+            <a:r>
+              <a:rPr lang="en-US" altLang="ko-KR" sz="1400" smtClean="0"/>
+              <a:t>span </a:t>
+            </a:r>
+            <a:r>
+              <a:rPr lang="ko-KR" altLang="en-US" sz="1400" smtClean="0"/>
+              <a:t>태그 </a:t>
+            </a:r>
+            <a:r>
+              <a:rPr lang="en-US" altLang="ko-KR" sz="1400" smtClean="0"/>
+              <a:t>– </a:t>
+            </a:r>
+            <a:r>
+              <a:rPr lang="ko-KR" altLang="en-US" sz="1400" smtClean="0"/>
+              <a:t>특별한 역할을 하지 않음</a:t>
+            </a:r>
+            <a:r>
+              <a:rPr lang="en-US" altLang="ko-KR" sz="1400" smtClean="0"/>
+              <a:t>. </a:t>
+            </a:r>
+            <a:r>
+              <a:rPr lang="ko-KR" altLang="en-US" sz="1400" smtClean="0"/>
+              <a:t>범위는 글 까지만</a:t>
+            </a:r>
+            <a:r>
+              <a:rPr lang="en-US" altLang="ko-KR" sz="1400" smtClean="0"/>
+              <a:t>. display - inline</a:t>
+            </a:r>
+            <a:endParaRPr lang="ko-KR" altLang="en-US" sz="1400"/>
+          </a:p>
+        </p:txBody>
+      </p:sp>
+      <p:pic>
+        <p:nvPicPr>
+          <p:cNvPr id="14" name="그림 13"/>
+          <p:cNvPicPr>
+            <a:picLocks noChangeAspect="1"/>
+          </p:cNvPicPr>
+          <p:nvPr/>
+        </p:nvPicPr>
+        <p:blipFill>
+          <a:blip r:embed="rId6"/>
+          <a:stretch>
+            <a:fillRect/>
+          </a:stretch>
+        </p:blipFill>
+        <p:spPr>
+          <a:xfrm>
+            <a:off x="0" y="483326"/>
+            <a:ext cx="5823284" cy="4752335"/>
+          </a:xfrm>
+          <a:prstGeom prst="rect">
+            <a:avLst/>
+          </a:prstGeom>
+        </p:spPr>
+      </p:pic>
     </p:spTree>
     <p:extLst>
       <p:ext uri="{BB962C8B-B14F-4D97-AF65-F5344CB8AC3E}">
-        <p14:creationId xmlns:p14="http://schemas.microsoft.com/office/powerpoint/2010/main" val="1917016563"/>
+        <p14:creationId xmlns:p14="http://schemas.microsoft.com/office/powerpoint/2010/main" val="931503997"/>
       </p:ext>
     </p:extLst>
   </p:cSld>
@@ -3992,57 +5121,9 @@
           <a:chExt cx="0" cy="0"/>
         </a:xfrm>
       </p:grpSpPr>
-      <p:pic>
-        <p:nvPicPr>
-          <p:cNvPr id="2" name="그림 1"/>
-          <p:cNvPicPr>
-            <a:picLocks noChangeAspect="1"/>
-          </p:cNvPicPr>
-          <p:nvPr/>
-        </p:nvPicPr>
-        <p:blipFill>
-          <a:blip r:embed="rId2"/>
-          <a:stretch>
-            <a:fillRect/>
-          </a:stretch>
-        </p:blipFill>
-        <p:spPr>
-          <a:xfrm>
-            <a:off x="261822" y="698693"/>
-            <a:ext cx="3371850" cy="1914525"/>
-          </a:xfrm>
-          <a:prstGeom prst="rect">
-            <a:avLst/>
-          </a:prstGeom>
-        </p:spPr>
-      </p:pic>
-      <p:pic>
-        <p:nvPicPr>
-          <p:cNvPr id="3" name="그림 2"/>
-          <p:cNvPicPr>
-            <a:picLocks noChangeAspect="1"/>
-          </p:cNvPicPr>
-          <p:nvPr/>
-        </p:nvPicPr>
-        <p:blipFill>
-          <a:blip r:embed="rId3"/>
-          <a:stretch>
-            <a:fillRect/>
-          </a:stretch>
-        </p:blipFill>
-        <p:spPr>
-          <a:xfrm>
-            <a:off x="261822" y="3024138"/>
-            <a:ext cx="3374877" cy="816342"/>
-          </a:xfrm>
-          <a:prstGeom prst="rect">
-            <a:avLst/>
-          </a:prstGeom>
-        </p:spPr>
-      </p:pic>
-      <p:sp>
-        <p:nvSpPr>
-          <p:cNvPr id="4" name="모서리가 둥근 직사각형 3"/>
+      <p:sp>
+        <p:nvSpPr>
+          <p:cNvPr id="3" name="모서리가 둥근 직사각형 2"/>
           <p:cNvSpPr/>
           <p:nvPr/>
         </p:nvSpPr>
@@ -4093,7 +5174,7 @@
                   <a:sysClr val="windowText" lastClr="000000"/>
                 </a:solidFill>
               </a:rPr>
-              <a:t>MySQL – mysql</a:t>
+              <a:t>VIDEO </a:t>
             </a:r>
             <a:r>
               <a:rPr lang="ko-KR" altLang="en-US" smtClean="0">
@@ -4101,7 +5182,7 @@
                   <a:sysClr val="windowText" lastClr="000000"/>
                 </a:solidFill>
               </a:rPr>
-              <a:t>을 연동시켜주는 확장팩</a:t>
+              <a:t>태그</a:t>
             </a:r>
             <a:r>
               <a:rPr lang="en-US" altLang="ko-KR" smtClean="0">
@@ -4109,7 +5190,7 @@
                   <a:sysClr val="windowText" lastClr="000000"/>
                 </a:solidFill>
               </a:rPr>
-              <a:t>. Git Histroy – </a:t>
+              <a:t>, iframe </a:t>
             </a:r>
             <a:r>
               <a:rPr lang="ko-KR" altLang="en-US" smtClean="0">
@@ -4117,15 +5198,7 @@
                   <a:sysClr val="windowText" lastClr="000000"/>
                 </a:solidFill>
               </a:rPr>
-              <a:t>깃 사용 내역을 보기 편하게 해줌</a:t>
-            </a:r>
-            <a:r>
-              <a:rPr lang="en-US" altLang="ko-KR" smtClean="0">
-                <a:solidFill>
-                  <a:sysClr val="windowText" lastClr="000000"/>
-                </a:solidFill>
-              </a:rPr>
-              <a:t>.</a:t>
+              <a:t>태그 사용 예시</a:t>
             </a:r>
             <a:endParaRPr lang="ko-KR" altLang="en-US">
               <a:solidFill>
@@ -4135,10 +5208,155 @@
           </a:p>
         </p:txBody>
       </p:sp>
+      <p:pic>
+        <p:nvPicPr>
+          <p:cNvPr id="4" name="그림 3"/>
+          <p:cNvPicPr>
+            <a:picLocks noChangeAspect="1"/>
+          </p:cNvPicPr>
+          <p:nvPr/>
+        </p:nvPicPr>
+        <p:blipFill>
+          <a:blip r:embed="rId2"/>
+          <a:stretch>
+            <a:fillRect/>
+          </a:stretch>
+        </p:blipFill>
+        <p:spPr>
+          <a:xfrm>
+            <a:off x="1" y="483326"/>
+            <a:ext cx="6503542" cy="5241199"/>
+          </a:xfrm>
+          <a:prstGeom prst="rect">
+            <a:avLst/>
+          </a:prstGeom>
+        </p:spPr>
+      </p:pic>
+      <p:pic>
+        <p:nvPicPr>
+          <p:cNvPr id="5" name="그림 4"/>
+          <p:cNvPicPr>
+            <a:picLocks noChangeAspect="1"/>
+          </p:cNvPicPr>
+          <p:nvPr/>
+        </p:nvPicPr>
+        <p:blipFill>
+          <a:blip r:embed="rId3"/>
+          <a:stretch>
+            <a:fillRect/>
+          </a:stretch>
+        </p:blipFill>
+        <p:spPr>
+          <a:xfrm>
+            <a:off x="6503543" y="483326"/>
+            <a:ext cx="5695437" cy="5241199"/>
+          </a:xfrm>
+          <a:prstGeom prst="rect">
+            <a:avLst/>
+          </a:prstGeom>
+          <a:ln>
+            <a:solidFill>
+              <a:schemeClr val="accent1"/>
+            </a:solidFill>
+          </a:ln>
+        </p:spPr>
+      </p:pic>
+      <p:sp>
+        <p:nvSpPr>
+          <p:cNvPr id="6" name="모서리가 둥근 직사각형 5"/>
+          <p:cNvSpPr/>
+          <p:nvPr/>
+        </p:nvSpPr>
+        <p:spPr>
+          <a:xfrm>
+            <a:off x="466725" y="3848100"/>
+            <a:ext cx="6036818" cy="457200"/>
+          </a:xfrm>
+          <a:prstGeom prst="roundRect">
+            <a:avLst/>
+          </a:prstGeom>
+          <a:noFill/>
+          <a:ln>
+            <a:solidFill>
+              <a:srgbClr val="FF0000"/>
+            </a:solidFill>
+          </a:ln>
+        </p:spPr>
+        <p:style>
+          <a:lnRef idx="2">
+            <a:schemeClr val="accent1">
+              <a:shade val="50000"/>
+            </a:schemeClr>
+          </a:lnRef>
+          <a:fillRef idx="1">
+            <a:schemeClr val="accent1"/>
+          </a:fillRef>
+          <a:effectRef idx="0">
+            <a:schemeClr val="accent1"/>
+          </a:effectRef>
+          <a:fontRef idx="minor">
+            <a:schemeClr val="lt1"/>
+          </a:fontRef>
+        </p:style>
+        <p:txBody>
+          <a:bodyPr rtlCol="0" anchor="ctr"/>
+          <a:lstStyle/>
+          <a:p>
+            <a:pPr algn="ctr"/>
+            <a:endParaRPr lang="ko-KR" altLang="en-US"/>
+          </a:p>
+        </p:txBody>
+      </p:sp>
+      <p:sp>
+        <p:nvSpPr>
+          <p:cNvPr id="7" name="모서리가 둥근 직사각형 6"/>
+          <p:cNvSpPr/>
+          <p:nvPr/>
+        </p:nvSpPr>
+        <p:spPr>
+          <a:xfrm>
+            <a:off x="6305549" y="1768112"/>
+            <a:ext cx="3209925" cy="2079988"/>
+          </a:xfrm>
+          <a:prstGeom prst="roundRect">
+            <a:avLst/>
+          </a:prstGeom>
+          <a:noFill/>
+          <a:ln>
+            <a:solidFill>
+              <a:srgbClr val="FF0000"/>
+            </a:solidFill>
+          </a:ln>
+        </p:spPr>
+        <p:style>
+          <a:lnRef idx="2">
+            <a:schemeClr val="accent1">
+              <a:shade val="50000"/>
+            </a:schemeClr>
+          </a:lnRef>
+          <a:fillRef idx="1">
+            <a:schemeClr val="accent1"/>
+          </a:fillRef>
+          <a:effectRef idx="0">
+            <a:schemeClr val="accent1"/>
+          </a:effectRef>
+          <a:fontRef idx="minor">
+            <a:schemeClr val="lt1"/>
+          </a:fontRef>
+        </p:style>
+        <p:txBody>
+          <a:bodyPr rtlCol="0" anchor="ctr"/>
+          <a:lstStyle/>
+          <a:p>
+            <a:pPr algn="ctr"/>
+            <a:endParaRPr lang="ko-KR" altLang="en-US"/>
+          </a:p>
+        </p:txBody>
+      </p:sp>
     </p:spTree>
     <p:extLst>
       <p:ext uri="{BB962C8B-B14F-4D97-AF65-F5344CB8AC3E}">
-        <p14:creationId xmlns:p14="http://schemas.microsoft.com/office/powerpoint/2010/main" val="931503997"/>
+        <p14:creationId xmlns:p14="http://schemas.microsoft.com/office/powerpoint/2010/main" val="3196824181"/>
       </p:ext>
     </p:extLst>
   </p:cSld>
@@ -4172,30 +5390,6 @@
           <a:chExt cx="0" cy="0"/>
         </a:xfrm>
       </p:grpSpPr>
-      <p:pic>
-        <p:nvPicPr>
-          <p:cNvPr id="2" name="그림 1"/>
-          <p:cNvPicPr>
-            <a:picLocks noChangeAspect="1"/>
-          </p:cNvPicPr>
-          <p:nvPr/>
-        </p:nvPicPr>
-        <p:blipFill>
-          <a:blip r:embed="rId2"/>
-          <a:stretch>
-            <a:fillRect/>
-          </a:stretch>
-        </p:blipFill>
-        <p:spPr>
-          <a:xfrm>
-            <a:off x="0" y="755930"/>
-            <a:ext cx="10685417" cy="2416847"/>
-          </a:xfrm>
-          <a:prstGeom prst="rect">
-            <a:avLst/>
-          </a:prstGeom>
-        </p:spPr>
-      </p:pic>
       <p:sp>
         <p:nvSpPr>
           <p:cNvPr id="3" name="모서리가 둥근 직사각형 2"/>
@@ -4249,15 +5443,15 @@
                   <a:sysClr val="windowText" lastClr="000000"/>
                 </a:solidFill>
               </a:rPr>
-              <a:t>Git </a:t>
-            </a:r>
-            <a:r>
-              <a:rPr lang="ko-KR" altLang="en-US" smtClean="0">
+              <a:t>AUDIO </a:t>
+            </a:r>
+            <a:r>
+              <a:rPr lang="ko-KR" altLang="en-US">
                 <a:solidFill>
                   <a:sysClr val="windowText" lastClr="000000"/>
                 </a:solidFill>
               </a:rPr>
-              <a:t>사용 에러</a:t>
+              <a:t>태그 사용 예시</a:t>
             </a:r>
             <a:endParaRPr lang="ko-KR" altLang="en-US">
               <a:solidFill>
@@ -4267,10 +5461,63 @@
           </a:p>
         </p:txBody>
       </p:sp>
+      <p:pic>
+        <p:nvPicPr>
+          <p:cNvPr id="2" name="그림 1"/>
+          <p:cNvPicPr>
+            <a:picLocks noChangeAspect="1"/>
+          </p:cNvPicPr>
+          <p:nvPr/>
+        </p:nvPicPr>
+        <p:blipFill>
+          <a:blip r:embed="rId2"/>
+          <a:stretch>
+            <a:fillRect/>
+          </a:stretch>
+        </p:blipFill>
+        <p:spPr>
+          <a:xfrm>
+            <a:off x="-1" y="483325"/>
+            <a:ext cx="6273175" cy="5296612"/>
+          </a:xfrm>
+          <a:prstGeom prst="rect">
+            <a:avLst/>
+          </a:prstGeom>
+        </p:spPr>
+      </p:pic>
+      <p:pic>
+        <p:nvPicPr>
+          <p:cNvPr id="6" name="그림 5"/>
+          <p:cNvPicPr>
+            <a:picLocks noChangeAspect="1"/>
+          </p:cNvPicPr>
+          <p:nvPr/>
+        </p:nvPicPr>
+        <p:blipFill>
+          <a:blip r:embed="rId3"/>
+          <a:stretch>
+            <a:fillRect/>
+          </a:stretch>
+        </p:blipFill>
+        <p:spPr>
+          <a:xfrm>
+            <a:off x="6273175" y="483325"/>
+            <a:ext cx="5918825" cy="5296612"/>
+          </a:xfrm>
+          <a:prstGeom prst="rect">
+            <a:avLst/>
+          </a:prstGeom>
+          <a:ln>
+            <a:solidFill>
+              <a:schemeClr val="accent1"/>
+            </a:solidFill>
+          </a:ln>
+        </p:spPr>
+      </p:pic>
     </p:spTree>
     <p:extLst>
       <p:ext uri="{BB962C8B-B14F-4D97-AF65-F5344CB8AC3E}">
-        <p14:creationId xmlns:p14="http://schemas.microsoft.com/office/powerpoint/2010/main" val="3196824181"/>
+        <p14:creationId xmlns:p14="http://schemas.microsoft.com/office/powerpoint/2010/main" val="2172183285"/>
       </p:ext>
     </p:extLst>
   </p:cSld>
@@ -4306,7 +5553,7 @@
       </p:grpSpPr>
       <p:sp>
         <p:nvSpPr>
-          <p:cNvPr id="3" name="모서리가 둥근 직사각형 2"/>
+          <p:cNvPr id="11" name="모서리가 둥근 직사각형 10"/>
           <p:cNvSpPr/>
           <p:nvPr/>
         </p:nvSpPr>
@@ -4352,12 +5599,28 @@
           <a:p>
             <a:pPr algn="ctr"/>
             <a:r>
+              <a:rPr lang="ko-KR" altLang="en-US" smtClean="0">
+                <a:solidFill>
+                  <a:sysClr val="windowText" lastClr="000000"/>
+                </a:solidFill>
+              </a:rPr>
+              <a:t>실습 </a:t>
+            </a:r>
+            <a:r>
               <a:rPr lang="en-US" altLang="ko-KR" smtClean="0">
                 <a:solidFill>
                   <a:sysClr val="windowText" lastClr="000000"/>
                 </a:solidFill>
               </a:rPr>
-              <a:t>Git </a:t>
+              <a:t>1(video</a:t>
+            </a:r>
+            <a:r>
+              <a:rPr lang="en-US" altLang="ko-KR" smtClean="0">
+                <a:solidFill>
+                  <a:sysClr val="windowText" lastClr="000000"/>
+                </a:solidFill>
+              </a:rPr>
+              <a:t>,iframe,table </a:t>
             </a:r>
             <a:r>
               <a:rPr lang="ko-KR" altLang="en-US" smtClean="0">
@@ -4365,7 +5628,15 @@
                   <a:sysClr val="windowText" lastClr="000000"/>
                 </a:solidFill>
               </a:rPr>
-              <a:t>에러 해결방법</a:t>
+              <a:t>활용</a:t>
+            </a:r>
+            <a:r>
+              <a:rPr lang="en-US" altLang="ko-KR" smtClean="0">
+                <a:solidFill>
+                  <a:sysClr val="windowText" lastClr="000000"/>
+                </a:solidFill>
+              </a:rPr>
+              <a:t>)</a:t>
             </a:r>
             <a:endParaRPr lang="ko-KR" altLang="en-US">
               <a:solidFill>
@@ -4377,7 +5648,7 @@
       </p:sp>
       <p:pic>
         <p:nvPicPr>
-          <p:cNvPr id="4" name="그림 3"/>
+          <p:cNvPr id="2" name="그림 1"/>
           <p:cNvPicPr>
             <a:picLocks noChangeAspect="1"/>
           </p:cNvPicPr>
@@ -4391,85 +5662,42 @@
         </p:blipFill>
         <p:spPr>
           <a:xfrm>
-            <a:off x="0" y="738820"/>
-            <a:ext cx="9733285" cy="2403606"/>
+            <a:off x="0" y="483326"/>
+            <a:ext cx="6561733" cy="5631724"/>
           </a:xfrm>
           <a:prstGeom prst="rect">
             <a:avLst/>
           </a:prstGeom>
         </p:spPr>
       </p:pic>
-      <p:sp>
-        <p:nvSpPr>
-          <p:cNvPr id="5" name="TextBox 4"/>
-          <p:cNvSpPr txBox="1"/>
+      <p:pic>
+        <p:nvPicPr>
+          <p:cNvPr id="7" name="그림 6"/>
+          <p:cNvPicPr>
+            <a:picLocks noChangeAspect="1"/>
+          </p:cNvPicPr>
           <p:nvPr/>
-        </p:nvSpPr>
-        <p:spPr>
-          <a:xfrm>
-            <a:off x="0" y="3523129"/>
-            <a:ext cx="9733285" cy="646331"/>
+        </p:nvPicPr>
+        <p:blipFill>
+          <a:blip r:embed="rId3"/>
+          <a:stretch>
+            <a:fillRect/>
+          </a:stretch>
+        </p:blipFill>
+        <p:spPr>
+          <a:xfrm>
+            <a:off x="6561733" y="483326"/>
+            <a:ext cx="5630267" cy="4812574"/>
           </a:xfrm>
           <a:prstGeom prst="rect">
             <a:avLst/>
           </a:prstGeom>
-          <a:noFill/>
-        </p:spPr>
-        <p:txBody>
-          <a:bodyPr wrap="square" rtlCol="0">
-            <a:spAutoFit/>
-          </a:bodyPr>
-          <a:lstStyle/>
-          <a:p>
-            <a:r>
-              <a:rPr lang="ko-KR" altLang="en-US" smtClean="0"/>
-              <a:t>터미널을 그냥 생성해서 사용하려고 하니</a:t>
-            </a:r>
-            <a:r>
-              <a:rPr lang="en-US" altLang="ko-KR" smtClean="0"/>
-              <a:t>, git </a:t>
-            </a:r>
-            <a:r>
-              <a:rPr lang="ko-KR" altLang="en-US" smtClean="0"/>
-              <a:t>설치를 했음에도 인식하지 못하고 있었음</a:t>
-            </a:r>
-            <a:r>
-              <a:rPr lang="en-US" altLang="ko-KR" smtClean="0"/>
-              <a:t>.</a:t>
-            </a:r>
-          </a:p>
-          <a:p>
-            <a:r>
-              <a:rPr lang="ko-KR" altLang="en-US" smtClean="0"/>
-              <a:t>터미널을 </a:t>
-            </a:r>
-            <a:r>
-              <a:rPr lang="en-US" altLang="ko-KR" smtClean="0"/>
-              <a:t>Git Bash</a:t>
-            </a:r>
-            <a:r>
-              <a:rPr lang="ko-KR" altLang="en-US" smtClean="0"/>
-              <a:t>로 다시 오픈하니 </a:t>
-            </a:r>
-            <a:r>
-              <a:rPr lang="en-US" altLang="ko-KR" smtClean="0"/>
-              <a:t>Git </a:t>
-            </a:r>
-            <a:r>
-              <a:rPr lang="ko-KR" altLang="en-US" smtClean="0"/>
-              <a:t>명령어 사용이 가능했음</a:t>
-            </a:r>
-            <a:r>
-              <a:rPr lang="en-US" altLang="ko-KR" smtClean="0"/>
-              <a:t>.</a:t>
-            </a:r>
-          </a:p>
-        </p:txBody>
-      </p:sp>
+        </p:spPr>
+      </p:pic>
     </p:spTree>
     <p:extLst>
       <p:ext uri="{BB962C8B-B14F-4D97-AF65-F5344CB8AC3E}">
-        <p14:creationId xmlns:p14="http://schemas.microsoft.com/office/powerpoint/2010/main" val="2172183285"/>
+        <p14:creationId xmlns:p14="http://schemas.microsoft.com/office/powerpoint/2010/main" val="2371689806"/>
       </p:ext>
     </p:extLst>
   </p:cSld>
@@ -4503,196 +5731,6 @@
           <a:chExt cx="0" cy="0"/>
         </a:xfrm>
       </p:grpSpPr>
-      <p:pic>
-        <p:nvPicPr>
-          <p:cNvPr id="3" name="그림 2"/>
-          <p:cNvPicPr>
-            <a:picLocks noChangeAspect="1"/>
-          </p:cNvPicPr>
-          <p:nvPr/>
-        </p:nvPicPr>
-        <p:blipFill>
-          <a:blip r:embed="rId2"/>
-          <a:stretch>
-            <a:fillRect/>
-          </a:stretch>
-        </p:blipFill>
-        <p:spPr>
-          <a:xfrm>
-            <a:off x="-1" y="2440135"/>
-            <a:ext cx="5857875" cy="637014"/>
-          </a:xfrm>
-          <a:prstGeom prst="rect">
-            <a:avLst/>
-          </a:prstGeom>
-        </p:spPr>
-      </p:pic>
-      <p:pic>
-        <p:nvPicPr>
-          <p:cNvPr id="4" name="그림 3"/>
-          <p:cNvPicPr>
-            <a:picLocks noChangeAspect="1"/>
-          </p:cNvPicPr>
-          <p:nvPr/>
-        </p:nvPicPr>
-        <p:blipFill>
-          <a:blip r:embed="rId3"/>
-          <a:stretch>
-            <a:fillRect/>
-          </a:stretch>
-        </p:blipFill>
-        <p:spPr>
-          <a:xfrm>
-            <a:off x="0" y="554069"/>
-            <a:ext cx="5857875" cy="1533525"/>
-          </a:xfrm>
-          <a:prstGeom prst="rect">
-            <a:avLst/>
-          </a:prstGeom>
-        </p:spPr>
-      </p:pic>
-      <p:sp>
-        <p:nvSpPr>
-          <p:cNvPr id="5" name="TextBox 4"/>
-          <p:cNvSpPr txBox="1"/>
-          <p:nvPr/>
-        </p:nvSpPr>
-        <p:spPr>
-          <a:xfrm>
-            <a:off x="6356194" y="554069"/>
-            <a:ext cx="5140712" cy="338554"/>
-          </a:xfrm>
-          <a:prstGeom prst="rect">
-            <a:avLst/>
-          </a:prstGeom>
-          <a:noFill/>
-        </p:spPr>
-        <p:txBody>
-          <a:bodyPr wrap="square" rtlCol="0">
-            <a:spAutoFit/>
-          </a:bodyPr>
-          <a:lstStyle/>
-          <a:p>
-            <a:r>
-              <a:rPr lang="en-US" altLang="ko-KR" sz="1600" smtClean="0"/>
-              <a:t>1 . git init</a:t>
-            </a:r>
-            <a:r>
-              <a:rPr lang="ko-KR" altLang="en-US" sz="1600" smtClean="0"/>
-              <a:t>으로 깃으로 현재 경로 등록하기</a:t>
-            </a:r>
-            <a:endParaRPr lang="ko-KR" altLang="en-US" sz="1600"/>
-          </a:p>
-        </p:txBody>
-      </p:sp>
-      <p:sp>
-        <p:nvSpPr>
-          <p:cNvPr id="6" name="TextBox 5"/>
-          <p:cNvSpPr txBox="1"/>
-          <p:nvPr/>
-        </p:nvSpPr>
-        <p:spPr>
-          <a:xfrm>
-            <a:off x="6356195" y="2440135"/>
-            <a:ext cx="5140712" cy="584775"/>
-          </a:xfrm>
-          <a:prstGeom prst="rect">
-            <a:avLst/>
-          </a:prstGeom>
-          <a:noFill/>
-        </p:spPr>
-        <p:txBody>
-          <a:bodyPr wrap="square" rtlCol="0">
-            <a:spAutoFit/>
-          </a:bodyPr>
-          <a:lstStyle/>
-          <a:p>
-            <a:r>
-              <a:rPr lang="en-US" altLang="ko-KR" sz="1600" smtClean="0"/>
-              <a:t>2 . git add . </a:t>
-            </a:r>
-            <a:r>
-              <a:rPr lang="ko-KR" altLang="en-US" sz="1600" smtClean="0"/>
-              <a:t>현재 경로내에 작업 변경 내용을 스테이징 영역</a:t>
-            </a:r>
-            <a:r>
-              <a:rPr lang="en-US" altLang="ko-KR" sz="1600" smtClean="0"/>
-              <a:t>(staging area)</a:t>
-            </a:r>
-            <a:r>
-              <a:rPr lang="ko-KR" altLang="en-US" sz="1600" smtClean="0"/>
-              <a:t>에 추가하기 위해서 사용</a:t>
-            </a:r>
-            <a:endParaRPr lang="ko-KR" altLang="en-US" sz="1600"/>
-          </a:p>
-        </p:txBody>
-      </p:sp>
-      <p:pic>
-        <p:nvPicPr>
-          <p:cNvPr id="8" name="그림 7"/>
-          <p:cNvPicPr>
-            <a:picLocks noChangeAspect="1"/>
-          </p:cNvPicPr>
-          <p:nvPr/>
-        </p:nvPicPr>
-        <p:blipFill>
-          <a:blip r:embed="rId4"/>
-          <a:stretch>
-            <a:fillRect/>
-          </a:stretch>
-        </p:blipFill>
-        <p:spPr>
-          <a:xfrm>
-            <a:off x="22302" y="3430371"/>
-            <a:ext cx="5835572" cy="2171700"/>
-          </a:xfrm>
-          <a:prstGeom prst="rect">
-            <a:avLst/>
-          </a:prstGeom>
-        </p:spPr>
-      </p:pic>
-      <p:sp>
-        <p:nvSpPr>
-          <p:cNvPr id="9" name="TextBox 8"/>
-          <p:cNvSpPr txBox="1"/>
-          <p:nvPr/>
-        </p:nvSpPr>
-        <p:spPr>
-          <a:xfrm>
-            <a:off x="6356195" y="3430371"/>
-            <a:ext cx="5140712" cy="338554"/>
-          </a:xfrm>
-          <a:prstGeom prst="rect">
-            <a:avLst/>
-          </a:prstGeom>
-          <a:noFill/>
-        </p:spPr>
-        <p:txBody>
-          <a:bodyPr wrap="square" rtlCol="0">
-            <a:spAutoFit/>
-          </a:bodyPr>
-          <a:lstStyle/>
-          <a:p>
-            <a:r>
-              <a:rPr lang="en-US" altLang="ko-KR" sz="1600" smtClean="0"/>
-              <a:t>3 . git status</a:t>
-            </a:r>
-            <a:r>
-              <a:rPr lang="ko-KR" altLang="en-US" sz="1600" smtClean="0"/>
-              <a:t>로 </a:t>
-            </a:r>
-            <a:r>
-              <a:rPr lang="en-US" altLang="ko-KR" sz="1600" smtClean="0"/>
-              <a:t>git </a:t>
-            </a:r>
-            <a:r>
-              <a:rPr lang="ko-KR" altLang="en-US" sz="1600" smtClean="0"/>
-              <a:t>상태 확인하기 </a:t>
-            </a:r>
-            <a:endParaRPr lang="ko-KR" altLang="en-US" sz="1600"/>
-          </a:p>
-        </p:txBody>
-      </p:sp>
       <p:sp>
         <p:nvSpPr>
           <p:cNvPr id="11" name="모서리가 둥근 직사각형 10"/>
@@ -4741,28 +5779,60 @@
           <a:p>
             <a:pPr algn="ctr"/>
             <a:r>
-              <a:rPr lang="ko-KR" altLang="en-US" smtClean="0">
+              <a:rPr lang="en-US" altLang="ko-KR">
                 <a:solidFill>
                   <a:sysClr val="windowText" lastClr="000000"/>
                 </a:solidFill>
               </a:rPr>
-              <a:t>터미널로 </a:t>
-            </a:r>
-            <a:r>
-              <a:rPr lang="en-US" altLang="ko-KR" smtClean="0">
+              <a:t>GITHUB</a:t>
+            </a:r>
+            <a:r>
+              <a:rPr lang="ko-KR" altLang="en-US">
                 <a:solidFill>
                   <a:sysClr val="windowText" lastClr="000000"/>
                 </a:solidFill>
               </a:rPr>
-              <a:t>Git </a:t>
-            </a:r>
-            <a:r>
-              <a:rPr lang="ko-KR" altLang="en-US" smtClean="0">
+              <a:t>에서</a:t>
+            </a:r>
+            <a:r>
+              <a:rPr lang="en-US" altLang="ko-KR">
                 <a:solidFill>
                   <a:sysClr val="windowText" lastClr="000000"/>
                 </a:solidFill>
               </a:rPr>
-              <a:t>처음 생성 과정</a:t>
+              <a:t> </a:t>
+            </a:r>
+            <a:r>
+              <a:rPr lang="ko-KR" altLang="en-US">
+                <a:solidFill>
+                  <a:sysClr val="windowText" lastClr="000000"/>
+                </a:solidFill>
+              </a:rPr>
+              <a:t>내 </a:t>
+            </a:r>
+            <a:r>
+              <a:rPr lang="en-US" altLang="ko-KR">
+                <a:solidFill>
+                  <a:sysClr val="windowText" lastClr="000000"/>
+                </a:solidFill>
+              </a:rPr>
+              <a:t>PAGE </a:t>
+            </a:r>
+            <a:r>
+              <a:rPr lang="ko-KR" altLang="en-US">
+                <a:solidFill>
+                  <a:sysClr val="windowText" lastClr="000000"/>
+                </a:solidFill>
+              </a:rPr>
+              <a:t>만들기</a:t>
+            </a:r>
+            <a:r>
+              <a:rPr lang="en-US" altLang="ko-KR">
+                <a:solidFill>
+                  <a:sysClr val="windowText" lastClr="000000"/>
+                </a:solidFill>
+              </a:rPr>
+              <a:t> </a:t>
             </a:r>
             <a:endParaRPr lang="ko-KR" altLang="en-US">
               <a:solidFill>
@@ -4772,10 +5842,172 @@
           </a:p>
         </p:txBody>
       </p:sp>
+      <p:pic>
+        <p:nvPicPr>
+          <p:cNvPr id="2" name="그림 1"/>
+          <p:cNvPicPr>
+            <a:picLocks noChangeAspect="1"/>
+          </p:cNvPicPr>
+          <p:nvPr/>
+        </p:nvPicPr>
+        <p:blipFill>
+          <a:blip r:embed="rId2"/>
+          <a:stretch>
+            <a:fillRect/>
+          </a:stretch>
+        </p:blipFill>
+        <p:spPr>
+          <a:xfrm>
+            <a:off x="0" y="636950"/>
+            <a:ext cx="5991225" cy="3543299"/>
+          </a:xfrm>
+          <a:prstGeom prst="rect">
+            <a:avLst/>
+          </a:prstGeom>
+        </p:spPr>
+      </p:pic>
+      <p:pic>
+        <p:nvPicPr>
+          <p:cNvPr id="3" name="그림 2"/>
+          <p:cNvPicPr>
+            <a:picLocks noChangeAspect="1"/>
+          </p:cNvPicPr>
+          <p:nvPr/>
+        </p:nvPicPr>
+        <p:blipFill>
+          <a:blip r:embed="rId3"/>
+          <a:stretch>
+            <a:fillRect/>
+          </a:stretch>
+        </p:blipFill>
+        <p:spPr>
+          <a:xfrm>
+            <a:off x="6500812" y="779824"/>
+            <a:ext cx="2855867" cy="3096850"/>
+          </a:xfrm>
+          <a:prstGeom prst="rect">
+            <a:avLst/>
+          </a:prstGeom>
+        </p:spPr>
+      </p:pic>
+      <p:sp>
+        <p:nvSpPr>
+          <p:cNvPr id="4" name="오른쪽 화살표 3"/>
+          <p:cNvSpPr/>
+          <p:nvPr/>
+        </p:nvSpPr>
+        <p:spPr>
+          <a:xfrm>
+            <a:off x="6148387" y="2171087"/>
+            <a:ext cx="352425" cy="314325"/>
+          </a:xfrm>
+          <a:prstGeom prst="rightArrow">
+            <a:avLst/>
+          </a:prstGeom>
+          <a:ln>
+            <a:solidFill>
+              <a:srgbClr val="FF0000"/>
+            </a:solidFill>
+          </a:ln>
+        </p:spPr>
+        <p:style>
+          <a:lnRef idx="2">
+            <a:schemeClr val="accent1">
+              <a:shade val="50000"/>
+            </a:schemeClr>
+          </a:lnRef>
+          <a:fillRef idx="1">
+            <a:schemeClr val="accent1"/>
+          </a:fillRef>
+          <a:effectRef idx="0">
+            <a:schemeClr val="accent1"/>
+          </a:effectRef>
+          <a:fontRef idx="minor">
+            <a:schemeClr val="lt1"/>
+          </a:fontRef>
+        </p:style>
+        <p:txBody>
+          <a:bodyPr rtlCol="0" anchor="ctr"/>
+          <a:lstStyle/>
+          <a:p>
+            <a:pPr algn="ctr"/>
+            <a:endParaRPr lang="ko-KR" altLang="en-US"/>
+          </a:p>
+        </p:txBody>
+      </p:sp>
+      <p:pic>
+        <p:nvPicPr>
+          <p:cNvPr id="5" name="그림 4"/>
+          <p:cNvPicPr>
+            <a:picLocks noChangeAspect="1"/>
+          </p:cNvPicPr>
+          <p:nvPr/>
+        </p:nvPicPr>
+        <p:blipFill>
+          <a:blip r:embed="rId4"/>
+          <a:stretch>
+            <a:fillRect/>
+          </a:stretch>
+        </p:blipFill>
+        <p:spPr>
+          <a:xfrm>
+            <a:off x="5644310" y="4476747"/>
+            <a:ext cx="5147516" cy="2148963"/>
+          </a:xfrm>
+          <a:prstGeom prst="rect">
+            <a:avLst/>
+          </a:prstGeom>
+        </p:spPr>
+      </p:pic>
+      <p:sp>
+        <p:nvSpPr>
+          <p:cNvPr id="6" name="아래쪽 화살표 5"/>
+          <p:cNvSpPr/>
+          <p:nvPr/>
+        </p:nvSpPr>
+        <p:spPr>
+          <a:xfrm>
+            <a:off x="7790632" y="4180249"/>
+            <a:ext cx="276225" cy="314325"/>
+          </a:xfrm>
+          <a:prstGeom prst="downArrow">
+            <a:avLst/>
+          </a:prstGeom>
+          <a:ln>
+            <a:solidFill>
+              <a:srgbClr val="FF0000"/>
+            </a:solidFill>
+          </a:ln>
+        </p:spPr>
+        <p:style>
+          <a:lnRef idx="2">
+            <a:schemeClr val="accent1">
+              <a:shade val="50000"/>
+            </a:schemeClr>
+          </a:lnRef>
+          <a:fillRef idx="1">
+            <a:schemeClr val="accent1"/>
+          </a:fillRef>
+          <a:effectRef idx="0">
+            <a:schemeClr val="accent1"/>
+          </a:effectRef>
+          <a:fontRef idx="minor">
+            <a:schemeClr val="lt1"/>
+          </a:fontRef>
+        </p:style>
+        <p:txBody>
+          <a:bodyPr rtlCol="0" anchor="ctr"/>
+          <a:lstStyle/>
+          <a:p>
+            <a:pPr algn="ctr"/>
+            <a:endParaRPr lang="ko-KR" altLang="en-US"/>
+          </a:p>
+        </p:txBody>
+      </p:sp>
     </p:spTree>
     <p:extLst>
       <p:ext uri="{BB962C8B-B14F-4D97-AF65-F5344CB8AC3E}">
-        <p14:creationId xmlns:p14="http://schemas.microsoft.com/office/powerpoint/2010/main" val="2371689806"/>
+        <p14:creationId xmlns:p14="http://schemas.microsoft.com/office/powerpoint/2010/main" val="2190800043"/>
       </p:ext>
     </p:extLst>
   </p:cSld>
@@ -4809,81 +6041,9 @@
           <a:chExt cx="0" cy="0"/>
         </a:xfrm>
       </p:grpSpPr>
-      <p:pic>
-        <p:nvPicPr>
-          <p:cNvPr id="3" name="그림 2"/>
-          <p:cNvPicPr>
-            <a:picLocks noChangeAspect="1"/>
-          </p:cNvPicPr>
-          <p:nvPr/>
-        </p:nvPicPr>
-        <p:blipFill>
-          <a:blip r:embed="rId2"/>
-          <a:stretch>
-            <a:fillRect/>
-          </a:stretch>
-        </p:blipFill>
-        <p:spPr>
-          <a:xfrm>
-            <a:off x="0" y="476194"/>
-            <a:ext cx="4410075" cy="1895475"/>
-          </a:xfrm>
-          <a:prstGeom prst="rect">
-            <a:avLst/>
-          </a:prstGeom>
-        </p:spPr>
-      </p:pic>
-      <p:pic>
-        <p:nvPicPr>
-          <p:cNvPr id="5" name="그림 4"/>
-          <p:cNvPicPr>
-            <a:picLocks noChangeAspect="1"/>
-          </p:cNvPicPr>
-          <p:nvPr/>
-        </p:nvPicPr>
-        <p:blipFill>
-          <a:blip r:embed="rId3"/>
-          <a:stretch>
-            <a:fillRect/>
-          </a:stretch>
-        </p:blipFill>
-        <p:spPr>
-          <a:xfrm>
-            <a:off x="-1" y="2689014"/>
-            <a:ext cx="4410075" cy="1054163"/>
-          </a:xfrm>
-          <a:prstGeom prst="rect">
-            <a:avLst/>
-          </a:prstGeom>
-        </p:spPr>
-      </p:pic>
-      <p:pic>
-        <p:nvPicPr>
-          <p:cNvPr id="7" name="그림 6"/>
-          <p:cNvPicPr>
-            <a:picLocks noChangeAspect="1"/>
-          </p:cNvPicPr>
-          <p:nvPr/>
-        </p:nvPicPr>
-        <p:blipFill>
-          <a:blip r:embed="rId4"/>
-          <a:stretch>
-            <a:fillRect/>
-          </a:stretch>
-        </p:blipFill>
-        <p:spPr>
-          <a:xfrm>
-            <a:off x="0" y="4393060"/>
-            <a:ext cx="4419600" cy="1666875"/>
-          </a:xfrm>
-          <a:prstGeom prst="rect">
-            <a:avLst/>
-          </a:prstGeom>
-        </p:spPr>
-      </p:pic>
-      <p:sp>
-        <p:nvSpPr>
-          <p:cNvPr id="8" name="모서리가 둥근 직사각형 7"/>
+      <p:sp>
+        <p:nvSpPr>
+          <p:cNvPr id="11" name="모서리가 둥근 직사각형 10"/>
           <p:cNvSpPr/>
           <p:nvPr/>
         </p:nvSpPr>
@@ -4929,28 +6089,60 @@
           <a:p>
             <a:pPr algn="ctr"/>
             <a:r>
-              <a:rPr lang="en-US" altLang="ko-KR" smtClean="0">
+              <a:rPr lang="en-US" altLang="ko-KR">
                 <a:solidFill>
                   <a:sysClr val="windowText" lastClr="000000"/>
                 </a:solidFill>
               </a:rPr>
-              <a:t>Git </a:t>
-            </a:r>
-            <a:r>
-              <a:rPr lang="ko-KR" altLang="en-US" smtClean="0">
+              <a:t>GITHUB</a:t>
+            </a:r>
+            <a:r>
+              <a:rPr lang="ko-KR" altLang="en-US">
                 <a:solidFill>
                   <a:sysClr val="windowText" lastClr="000000"/>
                 </a:solidFill>
               </a:rPr>
-              <a:t>자주 사용하는 명령어 </a:t>
-            </a:r>
-            <a:r>
-              <a:rPr lang="en-US" altLang="ko-KR" smtClean="0">
+              <a:t>에서</a:t>
+            </a:r>
+            <a:r>
+              <a:rPr lang="en-US" altLang="ko-KR">
                 <a:solidFill>
                   <a:sysClr val="windowText" lastClr="000000"/>
                 </a:solidFill>
               </a:rPr>
-              <a:t>– commit, log, status</a:t>
+              <a:t> </a:t>
+            </a:r>
+            <a:r>
+              <a:rPr lang="ko-KR" altLang="en-US">
+                <a:solidFill>
+                  <a:sysClr val="windowText" lastClr="000000"/>
+                </a:solidFill>
+              </a:rPr>
+              <a:t>내 </a:t>
+            </a:r>
+            <a:r>
+              <a:rPr lang="en-US" altLang="ko-KR">
+                <a:solidFill>
+                  <a:sysClr val="windowText" lastClr="000000"/>
+                </a:solidFill>
+              </a:rPr>
+              <a:t>PAGE </a:t>
+            </a:r>
+            <a:r>
+              <a:rPr lang="ko-KR" altLang="en-US">
+                <a:solidFill>
+                  <a:sysClr val="windowText" lastClr="000000"/>
+                </a:solidFill>
+              </a:rPr>
+              <a:t>만들기</a:t>
+            </a:r>
+            <a:r>
+              <a:rPr lang="en-US" altLang="ko-KR">
+                <a:solidFill>
+                  <a:sysClr val="windowText" lastClr="000000"/>
+                </a:solidFill>
+              </a:rPr>
+              <a:t> </a:t>
             </a:r>
             <a:endParaRPr lang="ko-KR" altLang="en-US">
               <a:solidFill>
@@ -4960,120 +6152,172 @@
           </a:p>
         </p:txBody>
       </p:sp>
-      <p:sp>
-        <p:nvSpPr>
-          <p:cNvPr id="9" name="TextBox 8"/>
-          <p:cNvSpPr txBox="1"/>
+      <p:pic>
+        <p:nvPicPr>
+          <p:cNvPr id="7" name="그림 6"/>
+          <p:cNvPicPr>
+            <a:picLocks noChangeAspect="1"/>
+          </p:cNvPicPr>
           <p:nvPr/>
-        </p:nvSpPr>
-        <p:spPr>
-          <a:xfrm>
-            <a:off x="5730681" y="497922"/>
-            <a:ext cx="5140712" cy="338554"/>
+        </p:nvPicPr>
+        <p:blipFill>
+          <a:blip r:embed="rId2"/>
+          <a:stretch>
+            <a:fillRect/>
+          </a:stretch>
+        </p:blipFill>
+        <p:spPr>
+          <a:xfrm>
+            <a:off x="128587" y="1014412"/>
+            <a:ext cx="3838575" cy="2238375"/>
           </a:xfrm>
           <a:prstGeom prst="rect">
             <a:avLst/>
           </a:prstGeom>
-          <a:noFill/>
-        </p:spPr>
-        <p:txBody>
-          <a:bodyPr wrap="square" rtlCol="0">
-            <a:spAutoFit/>
-          </a:bodyPr>
-          <a:lstStyle/>
-          <a:p>
-            <a:r>
-              <a:rPr lang="en-US" altLang="ko-KR" sz="1600" smtClean="0"/>
-              <a:t>git commit –m </a:t>
-            </a:r>
-            <a:r>
-              <a:rPr lang="ko-KR" altLang="en-US" sz="1600" smtClean="0"/>
-              <a:t>로 커밋</a:t>
-            </a:r>
-            <a:r>
-              <a:rPr lang="en-US" altLang="ko-KR" sz="1600" smtClean="0"/>
-              <a:t>. –m </a:t>
-            </a:r>
-            <a:r>
-              <a:rPr lang="ko-KR" altLang="en-US" sz="1600" smtClean="0"/>
-              <a:t>으로 커밋 내용 작성</a:t>
-            </a:r>
-            <a:endParaRPr lang="ko-KR" altLang="en-US" sz="1600"/>
-          </a:p>
-        </p:txBody>
-      </p:sp>
-      <p:sp>
-        <p:nvSpPr>
-          <p:cNvPr id="10" name="TextBox 9"/>
-          <p:cNvSpPr txBox="1"/>
+        </p:spPr>
+      </p:pic>
+      <p:pic>
+        <p:nvPicPr>
+          <p:cNvPr id="8" name="그림 7"/>
+          <p:cNvPicPr>
+            <a:picLocks noChangeAspect="1"/>
+          </p:cNvPicPr>
           <p:nvPr/>
-        </p:nvSpPr>
-        <p:spPr>
-          <a:xfrm>
-            <a:off x="5730681" y="2689014"/>
-            <a:ext cx="5140712" cy="338554"/>
+        </p:nvPicPr>
+        <p:blipFill>
+          <a:blip r:embed="rId3"/>
+          <a:stretch>
+            <a:fillRect/>
+          </a:stretch>
+        </p:blipFill>
+        <p:spPr>
+          <a:xfrm>
+            <a:off x="4948238" y="1014412"/>
+            <a:ext cx="4017868" cy="1990726"/>
           </a:xfrm>
           <a:prstGeom prst="rect">
             <a:avLst/>
           </a:prstGeom>
-          <a:noFill/>
-        </p:spPr>
-        <p:txBody>
-          <a:bodyPr wrap="square" rtlCol="0">
-            <a:spAutoFit/>
-          </a:bodyPr>
-          <a:lstStyle/>
-          <a:p>
-            <a:r>
-              <a:rPr lang="en-US" altLang="ko-KR" sz="1600" smtClean="0"/>
-              <a:t>git </a:t>
-            </a:r>
-            <a:r>
-              <a:rPr lang="ko-KR" altLang="en-US" sz="1600" smtClean="0"/>
-              <a:t>상태 확인하기 </a:t>
-            </a:r>
-            <a:endParaRPr lang="ko-KR" altLang="en-US" sz="1600"/>
-          </a:p>
-        </p:txBody>
-      </p:sp>
-      <p:sp>
-        <p:nvSpPr>
-          <p:cNvPr id="11" name="TextBox 10"/>
-          <p:cNvSpPr txBox="1"/>
+        </p:spPr>
+      </p:pic>
+      <p:sp>
+        <p:nvSpPr>
+          <p:cNvPr id="9" name="오른쪽 화살표 8"/>
+          <p:cNvSpPr/>
           <p:nvPr/>
         </p:nvSpPr>
         <p:spPr>
           <a:xfrm>
-            <a:off x="5730681" y="4393060"/>
-            <a:ext cx="5140712" cy="338554"/>
+            <a:off x="4286250" y="1828799"/>
+            <a:ext cx="361950" cy="314324"/>
+          </a:xfrm>
+          <a:prstGeom prst="rightArrow">
+            <a:avLst/>
+          </a:prstGeom>
+          <a:ln>
+            <a:solidFill>
+              <a:srgbClr val="FF0000"/>
+            </a:solidFill>
+          </a:ln>
+        </p:spPr>
+        <p:style>
+          <a:lnRef idx="2">
+            <a:schemeClr val="accent1">
+              <a:shade val="50000"/>
+            </a:schemeClr>
+          </a:lnRef>
+          <a:fillRef idx="1">
+            <a:schemeClr val="accent1"/>
+          </a:fillRef>
+          <a:effectRef idx="0">
+            <a:schemeClr val="accent1"/>
+          </a:effectRef>
+          <a:fontRef idx="minor">
+            <a:schemeClr val="lt1"/>
+          </a:fontRef>
+        </p:style>
+        <p:txBody>
+          <a:bodyPr rtlCol="0" anchor="ctr"/>
+          <a:lstStyle/>
+          <a:p>
+            <a:pPr algn="ctr"/>
+            <a:endParaRPr lang="ko-KR" altLang="en-US"/>
+          </a:p>
+        </p:txBody>
+      </p:sp>
+      <p:pic>
+        <p:nvPicPr>
+          <p:cNvPr id="10" name="그림 9"/>
+          <p:cNvPicPr>
+            <a:picLocks noChangeAspect="1"/>
+          </p:cNvPicPr>
+          <p:nvPr/>
+        </p:nvPicPr>
+        <p:blipFill>
+          <a:blip r:embed="rId4"/>
+          <a:stretch>
+            <a:fillRect/>
+          </a:stretch>
+        </p:blipFill>
+        <p:spPr>
+          <a:xfrm>
+            <a:off x="4467225" y="3469548"/>
+            <a:ext cx="5148263" cy="2983580"/>
           </a:xfrm>
           <a:prstGeom prst="rect">
             <a:avLst/>
           </a:prstGeom>
-          <a:noFill/>
-        </p:spPr>
-        <p:txBody>
-          <a:bodyPr wrap="square" rtlCol="0">
-            <a:spAutoFit/>
-          </a:bodyPr>
-          <a:lstStyle/>
-          <a:p>
-            <a:r>
-              <a:rPr lang="en-US" altLang="ko-KR" sz="1600" smtClean="0"/>
-              <a:t>git </a:t>
-            </a:r>
-            <a:r>
-              <a:rPr lang="ko-KR" altLang="en-US" sz="1600" smtClean="0"/>
-              <a:t>사용 기록 확인하기</a:t>
-            </a:r>
-            <a:endParaRPr lang="ko-KR" altLang="en-US" sz="1600"/>
+        </p:spPr>
+      </p:pic>
+      <p:sp>
+        <p:nvSpPr>
+          <p:cNvPr id="12" name="아래쪽 화살표 11"/>
+          <p:cNvSpPr/>
+          <p:nvPr/>
+        </p:nvSpPr>
+        <p:spPr>
+          <a:xfrm>
+            <a:off x="6793286" y="3165975"/>
+            <a:ext cx="327771" cy="345348"/>
+          </a:xfrm>
+          <a:prstGeom prst="downArrow">
+            <a:avLst/>
+          </a:prstGeom>
+          <a:ln>
+            <a:solidFill>
+              <a:srgbClr val="FF0000"/>
+            </a:solidFill>
+          </a:ln>
+        </p:spPr>
+        <p:style>
+          <a:lnRef idx="2">
+            <a:schemeClr val="accent1">
+              <a:shade val="50000"/>
+            </a:schemeClr>
+          </a:lnRef>
+          <a:fillRef idx="1">
+            <a:schemeClr val="accent1"/>
+          </a:fillRef>
+          <a:effectRef idx="0">
+            <a:schemeClr val="accent1"/>
+          </a:effectRef>
+          <a:fontRef idx="minor">
+            <a:schemeClr val="lt1"/>
+          </a:fontRef>
+        </p:style>
+        <p:txBody>
+          <a:bodyPr rtlCol="0" anchor="ctr"/>
+          <a:lstStyle/>
+          <a:p>
+            <a:pPr algn="ctr"/>
+            <a:endParaRPr lang="ko-KR" altLang="en-US"/>
           </a:p>
         </p:txBody>
       </p:sp>
     </p:spTree>
     <p:extLst>
       <p:ext uri="{BB962C8B-B14F-4D97-AF65-F5344CB8AC3E}">
-        <p14:creationId xmlns:p14="http://schemas.microsoft.com/office/powerpoint/2010/main" val="2941614742"/>
+        <p14:creationId xmlns:p14="http://schemas.microsoft.com/office/powerpoint/2010/main" val="1009727215"/>
       </p:ext>
     </p:extLst>
   </p:cSld>

--- a/Day2/강의 정리.pptx
+++ b/Day2/강의 정리.pptx
@@ -16,11 +16,16 @@
     <p:sldId id="275" r:id="rId10"/>
     <p:sldId id="276" r:id="rId11"/>
     <p:sldId id="277" r:id="rId12"/>
-    <p:sldId id="258" r:id="rId13"/>
-    <p:sldId id="271" r:id="rId14"/>
-    <p:sldId id="272" r:id="rId15"/>
-    <p:sldId id="273" r:id="rId16"/>
-    <p:sldId id="274" r:id="rId17"/>
+    <p:sldId id="271" r:id="rId13"/>
+    <p:sldId id="258" r:id="rId14"/>
+    <p:sldId id="278" r:id="rId15"/>
+    <p:sldId id="280" r:id="rId16"/>
+    <p:sldId id="281" r:id="rId17"/>
+    <p:sldId id="279" r:id="rId18"/>
+    <p:sldId id="282" r:id="rId19"/>
+    <p:sldId id="283" r:id="rId20"/>
+    <p:sldId id="284" r:id="rId21"/>
+    <p:sldId id="285" r:id="rId22"/>
   </p:sldIdLst>
   <p:sldSz cx="12192000" cy="6858000"/>
   <p:notesSz cx="6858000" cy="9144000"/>
@@ -3095,7 +3100,6 @@
           <a:bodyPr rtlCol="0" anchor="ctr"/>
           <a:lstStyle/>
           <a:p>
-            <a:pPr algn="ctr"/>
             <a:r>
               <a:rPr lang="en-US" altLang="ko-KR" smtClean="0">
                 <a:solidFill>
@@ -3302,7 +3306,6 @@
           <a:bodyPr rtlCol="0" anchor="ctr"/>
           <a:lstStyle/>
           <a:p>
-            <a:pPr algn="ctr"/>
             <a:r>
               <a:rPr lang="en-US" altLang="ko-KR" smtClean="0">
                 <a:solidFill>
@@ -3467,7 +3470,7 @@
       </p:grpSpPr>
       <p:sp>
         <p:nvSpPr>
-          <p:cNvPr id="3" name="모서리가 둥근 직사각형 2"/>
+          <p:cNvPr id="11" name="모서리가 둥근 직사각형 10"/>
           <p:cNvSpPr/>
           <p:nvPr/>
         </p:nvSpPr>
@@ -3511,14 +3514,21 @@
           <a:bodyPr rtlCol="0" anchor="ctr"/>
           <a:lstStyle/>
           <a:p>
-            <a:pPr algn="ctr"/>
+            <a:r>
+              <a:rPr lang="en-US" altLang="ko-KR" smtClean="0">
+                <a:solidFill>
+                  <a:sysClr val="windowText" lastClr="000000"/>
+                </a:solidFill>
+              </a:rPr>
+              <a:t>GITHUB </a:t>
+            </a:r>
             <a:r>
               <a:rPr lang="ko-KR" altLang="en-US" smtClean="0">
                 <a:solidFill>
                   <a:sysClr val="windowText" lastClr="000000"/>
                 </a:solidFill>
               </a:rPr>
-              <a:t>용어 정리</a:t>
+              <a:t>프로필 만들기</a:t>
             </a:r>
             <a:endParaRPr lang="ko-KR" altLang="en-US">
               <a:solidFill>
@@ -3528,258 +3538,108 @@
           </a:p>
         </p:txBody>
       </p:sp>
-      <p:sp>
-        <p:nvSpPr>
-          <p:cNvPr id="4" name="TextBox 3"/>
-          <p:cNvSpPr txBox="1"/>
+      <p:pic>
+        <p:nvPicPr>
+          <p:cNvPr id="2" name="그림 1"/>
+          <p:cNvPicPr>
+            <a:picLocks noChangeAspect="1"/>
+          </p:cNvPicPr>
           <p:nvPr/>
-        </p:nvSpPr>
-        <p:spPr>
-          <a:xfrm>
-            <a:off x="1086853" y="786063"/>
-            <a:ext cx="10018294" cy="4093428"/>
+        </p:nvPicPr>
+        <p:blipFill>
+          <a:blip r:embed="rId2"/>
+          <a:stretch>
+            <a:fillRect/>
+          </a:stretch>
+        </p:blipFill>
+        <p:spPr>
+          <a:xfrm>
+            <a:off x="501283" y="793994"/>
+            <a:ext cx="11439525" cy="2190750"/>
           </a:xfrm>
           <a:prstGeom prst="rect">
             <a:avLst/>
           </a:prstGeom>
-          <a:noFill/>
-        </p:spPr>
-        <p:txBody>
-          <a:bodyPr wrap="square" rtlCol="0">
-            <a:spAutoFit/>
-          </a:bodyPr>
-          <a:lstStyle/>
-          <a:p>
-            <a:pPr>
-              <a:lnSpc>
-                <a:spcPct val="200000"/>
-              </a:lnSpc>
-            </a:pPr>
-            <a:r>
-              <a:rPr lang="en-US" altLang="ko-KR" sz="1600" smtClean="0"/>
-              <a:t>CSS – </a:t>
-            </a:r>
-            <a:r>
-              <a:rPr lang="ko-KR" altLang="en-US" sz="1600" smtClean="0"/>
-              <a:t>디자인에 최적화된 웹페이지 마크업 언어</a:t>
-            </a:r>
-            <a:r>
-              <a:rPr lang="en-US" altLang="ko-KR" sz="1600" smtClean="0"/>
-              <a:t>.</a:t>
-            </a:r>
-          </a:p>
-          <a:p>
-            <a:pPr>
-              <a:lnSpc>
-                <a:spcPct val="200000"/>
-              </a:lnSpc>
-            </a:pPr>
-            <a:r>
-              <a:rPr lang="ko-KR" altLang="en-US" sz="1600" smtClean="0"/>
-              <a:t>엘리먼트 </a:t>
-            </a:r>
-            <a:r>
-              <a:rPr lang="en-US" altLang="ko-KR" sz="1600" smtClean="0"/>
-              <a:t>– </a:t>
-            </a:r>
-            <a:r>
-              <a:rPr lang="ko-KR" altLang="en-US" sz="1600" smtClean="0"/>
-              <a:t>웹 디자인의 최소 단위</a:t>
-            </a:r>
-            <a:r>
-              <a:rPr lang="en-US" altLang="ko-KR" sz="1600" smtClean="0"/>
-              <a:t>, </a:t>
-            </a:r>
-            <a:r>
-              <a:rPr lang="ko-KR" altLang="en-US" sz="1600" smtClean="0"/>
-              <a:t>하나의 객체를 의미함</a:t>
-            </a:r>
-            <a:r>
-              <a:rPr lang="en-US" altLang="ko-KR" sz="1600" smtClean="0"/>
-              <a:t>. </a:t>
-            </a:r>
-            <a:r>
-              <a:rPr lang="ko-KR" altLang="en-US" sz="1600" b="1" smtClean="0"/>
-              <a:t>보통 태그를 지칭할 때 쓰임</a:t>
-            </a:r>
-            <a:r>
-              <a:rPr lang="en-US" altLang="ko-KR" sz="1600" smtClean="0"/>
-              <a:t>.</a:t>
-            </a:r>
-          </a:p>
-          <a:p>
-            <a:pPr>
-              <a:lnSpc>
-                <a:spcPct val="200000"/>
-              </a:lnSpc>
-            </a:pPr>
-            <a:r>
-              <a:rPr lang="ko-KR" altLang="en-US" sz="1600" smtClean="0"/>
-              <a:t>셀렉터 </a:t>
-            </a:r>
-            <a:r>
-              <a:rPr lang="en-US" altLang="ko-KR" sz="1600" smtClean="0"/>
-              <a:t>– </a:t>
-            </a:r>
-            <a:r>
-              <a:rPr lang="ko-KR" altLang="en-US" sz="1600" smtClean="0"/>
-              <a:t>선택자</a:t>
-            </a:r>
-            <a:r>
-              <a:rPr lang="en-US" altLang="ko-KR" sz="1600" smtClean="0"/>
-              <a:t>. </a:t>
-            </a:r>
-            <a:r>
-              <a:rPr lang="ko-KR" altLang="en-US" sz="1600" smtClean="0"/>
-              <a:t>변화시킬 대상을 지칭할 때 쓰임</a:t>
-            </a:r>
-            <a:r>
-              <a:rPr lang="en-US" altLang="ko-KR" sz="1600" smtClean="0"/>
-              <a:t>.</a:t>
-            </a:r>
-          </a:p>
-          <a:p>
-            <a:pPr>
-              <a:lnSpc>
-                <a:spcPct val="200000"/>
-              </a:lnSpc>
-            </a:pPr>
-            <a:r>
-              <a:rPr lang="ko-KR" altLang="en-US" sz="1600" smtClean="0"/>
-              <a:t>클래스 </a:t>
-            </a:r>
-            <a:r>
-              <a:rPr lang="en-US" altLang="ko-KR" sz="1600" smtClean="0"/>
-              <a:t>– </a:t>
-            </a:r>
-            <a:r>
-              <a:rPr lang="ko-KR" altLang="en-US" sz="1600" smtClean="0"/>
-              <a:t>속성을 하나 정해두고</a:t>
-            </a:r>
-            <a:r>
-              <a:rPr lang="en-US" altLang="ko-KR" sz="1600" smtClean="0"/>
-              <a:t>, </a:t>
-            </a:r>
-            <a:r>
-              <a:rPr lang="ko-KR" altLang="en-US" sz="1600" smtClean="0"/>
-              <a:t>여러 속성에서 원하는 태그에 값을 주고 싶을 때 사용</a:t>
-            </a:r>
-            <a:r>
-              <a:rPr lang="en-US" altLang="ko-KR" sz="1600" smtClean="0"/>
-              <a:t>.</a:t>
-            </a:r>
-          </a:p>
-          <a:p>
-            <a:pPr>
-              <a:lnSpc>
-                <a:spcPct val="200000"/>
-              </a:lnSpc>
-            </a:pPr>
-            <a:r>
-              <a:rPr lang="en-US" altLang="ko-KR" sz="1600" smtClean="0"/>
-              <a:t>(</a:t>
-            </a:r>
-            <a:r>
-              <a:rPr lang="ko-KR" altLang="en-US" sz="1600" smtClean="0"/>
-              <a:t>클래스를 부를 때는 </a:t>
-            </a:r>
-            <a:r>
-              <a:rPr lang="en-US" altLang="ko-KR" b="1" smtClean="0">
-                <a:solidFill>
-                  <a:srgbClr val="FF0000"/>
-                </a:solidFill>
-              </a:rPr>
-              <a:t>.</a:t>
-            </a:r>
-            <a:r>
-              <a:rPr lang="ko-KR" altLang="en-US" sz="1600" smtClean="0"/>
-              <a:t>을 사용 함</a:t>
-            </a:r>
-            <a:r>
-              <a:rPr lang="en-US" altLang="ko-KR" sz="1600"/>
-              <a:t>)</a:t>
-            </a:r>
-            <a:endParaRPr lang="en-US" altLang="ko-KR" sz="1600" smtClean="0"/>
-          </a:p>
-          <a:p>
-            <a:pPr>
-              <a:lnSpc>
-                <a:spcPct val="200000"/>
-              </a:lnSpc>
-            </a:pPr>
-            <a:r>
-              <a:rPr lang="en-US" altLang="ko-KR" sz="1600" smtClean="0"/>
-              <a:t>ID – </a:t>
-            </a:r>
-            <a:r>
-              <a:rPr lang="ko-KR" altLang="en-US" sz="1600" smtClean="0"/>
-              <a:t>하나만 있을 수 있다</a:t>
-            </a:r>
-            <a:r>
-              <a:rPr lang="en-US" altLang="ko-KR" sz="1600" smtClean="0"/>
-              <a:t>.</a:t>
-            </a:r>
-          </a:p>
-          <a:p>
-            <a:pPr>
-              <a:lnSpc>
-                <a:spcPct val="200000"/>
-              </a:lnSpc>
-            </a:pPr>
-            <a:r>
-              <a:rPr lang="en-US" altLang="ko-KR" sz="1600" smtClean="0"/>
-              <a:t>(ID</a:t>
-            </a:r>
-            <a:r>
-              <a:rPr lang="ko-KR" altLang="en-US" sz="1600" smtClean="0"/>
-              <a:t>를 부를 때는 </a:t>
-            </a:r>
-            <a:r>
-              <a:rPr lang="en-US" altLang="ko-KR" sz="1600" smtClean="0">
-                <a:solidFill>
-                  <a:srgbClr val="FF0000"/>
-                </a:solidFill>
-              </a:rPr>
-              <a:t>#</a:t>
-            </a:r>
-            <a:r>
-              <a:rPr lang="ko-KR" altLang="en-US" sz="1600" smtClean="0"/>
-              <a:t>을 사용함</a:t>
-            </a:r>
-            <a:r>
-              <a:rPr lang="en-US" altLang="ko-KR" sz="1600" smtClean="0"/>
-              <a:t>)</a:t>
-            </a:r>
-          </a:p>
-          <a:p>
-            <a:pPr>
-              <a:lnSpc>
-                <a:spcPct val="200000"/>
-              </a:lnSpc>
-            </a:pPr>
-            <a:r>
-              <a:rPr lang="ko-KR" altLang="en-US" sz="1600" smtClean="0"/>
-              <a:t>네임 </a:t>
-            </a:r>
-            <a:r>
-              <a:rPr lang="en-US" altLang="ko-KR" sz="1600" smtClean="0"/>
-              <a:t>– </a:t>
-            </a:r>
-            <a:r>
-              <a:rPr lang="ko-KR" altLang="en-US" sz="1600" smtClean="0"/>
-              <a:t>단수이거나 복수일수도 있는 단위</a:t>
-            </a:r>
-            <a:r>
-              <a:rPr lang="en-US" altLang="ko-KR" sz="1600" smtClean="0"/>
-              <a:t>.</a:t>
-            </a:r>
+        </p:spPr>
+      </p:pic>
+      <p:pic>
+        <p:nvPicPr>
+          <p:cNvPr id="3" name="그림 2"/>
+          <p:cNvPicPr>
+            <a:picLocks noChangeAspect="1"/>
+          </p:cNvPicPr>
+          <p:nvPr/>
+        </p:nvPicPr>
+        <p:blipFill>
+          <a:blip r:embed="rId3"/>
+          <a:stretch>
+            <a:fillRect/>
+          </a:stretch>
+        </p:blipFill>
+        <p:spPr>
+          <a:xfrm>
+            <a:off x="1944320" y="3640137"/>
+            <a:ext cx="8553450" cy="2219325"/>
+          </a:xfrm>
+          <a:prstGeom prst="rect">
+            <a:avLst/>
+          </a:prstGeom>
+          <a:ln>
+            <a:solidFill>
+              <a:schemeClr val="accent1"/>
+            </a:solidFill>
+          </a:ln>
+        </p:spPr>
+      </p:pic>
+      <p:sp>
+        <p:nvSpPr>
+          <p:cNvPr id="4" name="아래쪽 화살표 3"/>
+          <p:cNvSpPr/>
+          <p:nvPr/>
+        </p:nvSpPr>
+        <p:spPr>
+          <a:xfrm>
+            <a:off x="5908431" y="3149600"/>
+            <a:ext cx="312614" cy="289169"/>
+          </a:xfrm>
+          <a:prstGeom prst="downArrow">
+            <a:avLst/>
+          </a:prstGeom>
+          <a:ln>
+            <a:solidFill>
+              <a:srgbClr val="FF0000"/>
+            </a:solidFill>
+          </a:ln>
+        </p:spPr>
+        <p:style>
+          <a:lnRef idx="2">
+            <a:schemeClr val="accent1">
+              <a:shade val="50000"/>
+            </a:schemeClr>
+          </a:lnRef>
+          <a:fillRef idx="1">
+            <a:schemeClr val="accent1"/>
+          </a:fillRef>
+          <a:effectRef idx="0">
+            <a:schemeClr val="accent1"/>
+          </a:effectRef>
+          <a:fontRef idx="minor">
+            <a:schemeClr val="lt1"/>
+          </a:fontRef>
+        </p:style>
+        <p:txBody>
+          <a:bodyPr rtlCol="0" anchor="ctr"/>
+          <a:lstStyle/>
+          <a:p>
+            <a:pPr algn="ctr"/>
+            <a:endParaRPr lang="ko-KR" altLang="en-US"/>
           </a:p>
         </p:txBody>
       </p:sp>
     </p:spTree>
     <p:extLst>
       <p:ext uri="{BB962C8B-B14F-4D97-AF65-F5344CB8AC3E}">
-        <p14:creationId xmlns:p14="http://schemas.microsoft.com/office/powerpoint/2010/main" val="1917016563"/>
+        <p14:creationId xmlns:p14="http://schemas.microsoft.com/office/powerpoint/2010/main" val="2070775991"/>
       </p:ext>
     </p:extLst>
   </p:cSld>
@@ -3815,7 +3675,7 @@
       </p:grpSpPr>
       <p:sp>
         <p:nvSpPr>
-          <p:cNvPr id="11" name="모서리가 둥근 직사각형 10"/>
+          <p:cNvPr id="3" name="모서리가 둥근 직사각형 2"/>
           <p:cNvSpPr/>
           <p:nvPr/>
         </p:nvSpPr>
@@ -3859,30 +3719,13 @@
           <a:bodyPr rtlCol="0" anchor="ctr"/>
           <a:lstStyle/>
           <a:p>
-            <a:pPr algn="ctr"/>
             <a:r>
               <a:rPr lang="ko-KR" altLang="en-US" smtClean="0">
                 <a:solidFill>
                   <a:sysClr val="windowText" lastClr="000000"/>
                 </a:solidFill>
               </a:rPr>
-              <a:t>터미널로 </a:t>
-            </a:r>
-            <a:r>
-              <a:rPr lang="en-US" altLang="ko-KR" smtClean="0">
-                <a:solidFill>
-                  <a:sysClr val="windowText" lastClr="000000"/>
-                </a:solidFill>
-              </a:rPr>
-              <a:t>Git </a:t>
-            </a:r>
-            <a:r>
-              <a:rPr lang="ko-KR" altLang="en-US" smtClean="0">
-                <a:solidFill>
-                  <a:sysClr val="windowText" lastClr="000000"/>
-                </a:solidFill>
-              </a:rPr>
-              <a:t>처음 생성 과정</a:t>
+              <a:t>용어 정리</a:t>
             </a:r>
             <a:endParaRPr lang="ko-KR" altLang="en-US">
               <a:solidFill>
@@ -3892,10 +3735,258 @@
           </a:p>
         </p:txBody>
       </p:sp>
+      <p:sp>
+        <p:nvSpPr>
+          <p:cNvPr id="4" name="TextBox 3"/>
+          <p:cNvSpPr txBox="1"/>
+          <p:nvPr/>
+        </p:nvSpPr>
+        <p:spPr>
+          <a:xfrm>
+            <a:off x="1086853" y="786063"/>
+            <a:ext cx="10018294" cy="4093428"/>
+          </a:xfrm>
+          <a:prstGeom prst="rect">
+            <a:avLst/>
+          </a:prstGeom>
+          <a:noFill/>
+        </p:spPr>
+        <p:txBody>
+          <a:bodyPr wrap="square" rtlCol="0">
+            <a:spAutoFit/>
+          </a:bodyPr>
+          <a:lstStyle/>
+          <a:p>
+            <a:pPr>
+              <a:lnSpc>
+                <a:spcPct val="200000"/>
+              </a:lnSpc>
+            </a:pPr>
+            <a:r>
+              <a:rPr lang="en-US" altLang="ko-KR" sz="1600" smtClean="0"/>
+              <a:t>CSS – </a:t>
+            </a:r>
+            <a:r>
+              <a:rPr lang="ko-KR" altLang="en-US" sz="1600" smtClean="0"/>
+              <a:t>디자인에 최적화된 웹페이지 마크업 언어</a:t>
+            </a:r>
+            <a:r>
+              <a:rPr lang="en-US" altLang="ko-KR" sz="1600" smtClean="0"/>
+              <a:t>.</a:t>
+            </a:r>
+          </a:p>
+          <a:p>
+            <a:pPr>
+              <a:lnSpc>
+                <a:spcPct val="200000"/>
+              </a:lnSpc>
+            </a:pPr>
+            <a:r>
+              <a:rPr lang="ko-KR" altLang="en-US" sz="1600" smtClean="0"/>
+              <a:t>엘리먼트 </a:t>
+            </a:r>
+            <a:r>
+              <a:rPr lang="en-US" altLang="ko-KR" sz="1600" smtClean="0"/>
+              <a:t>– </a:t>
+            </a:r>
+            <a:r>
+              <a:rPr lang="ko-KR" altLang="en-US" sz="1600" smtClean="0"/>
+              <a:t>웹 디자인의 최소 단위</a:t>
+            </a:r>
+            <a:r>
+              <a:rPr lang="en-US" altLang="ko-KR" sz="1600" smtClean="0"/>
+              <a:t>, </a:t>
+            </a:r>
+            <a:r>
+              <a:rPr lang="ko-KR" altLang="en-US" sz="1600" smtClean="0"/>
+              <a:t>하나의 객체를 의미함</a:t>
+            </a:r>
+            <a:r>
+              <a:rPr lang="en-US" altLang="ko-KR" sz="1600" smtClean="0"/>
+              <a:t>. </a:t>
+            </a:r>
+            <a:r>
+              <a:rPr lang="ko-KR" altLang="en-US" sz="1600" b="1" smtClean="0"/>
+              <a:t>보통 태그를 지칭할 때 쓰임</a:t>
+            </a:r>
+            <a:r>
+              <a:rPr lang="en-US" altLang="ko-KR" sz="1600" smtClean="0"/>
+              <a:t>.</a:t>
+            </a:r>
+          </a:p>
+          <a:p>
+            <a:pPr>
+              <a:lnSpc>
+                <a:spcPct val="200000"/>
+              </a:lnSpc>
+            </a:pPr>
+            <a:r>
+              <a:rPr lang="ko-KR" altLang="en-US" sz="1600" smtClean="0"/>
+              <a:t>셀렉터 </a:t>
+            </a:r>
+            <a:r>
+              <a:rPr lang="en-US" altLang="ko-KR" sz="1600" smtClean="0"/>
+              <a:t>– </a:t>
+            </a:r>
+            <a:r>
+              <a:rPr lang="ko-KR" altLang="en-US" sz="1600" smtClean="0"/>
+              <a:t>선택자</a:t>
+            </a:r>
+            <a:r>
+              <a:rPr lang="en-US" altLang="ko-KR" sz="1600" smtClean="0"/>
+              <a:t>. </a:t>
+            </a:r>
+            <a:r>
+              <a:rPr lang="ko-KR" altLang="en-US" sz="1600" smtClean="0"/>
+              <a:t>변화시킬 대상을 지칭할 때 쓰임</a:t>
+            </a:r>
+            <a:r>
+              <a:rPr lang="en-US" altLang="ko-KR" sz="1600" smtClean="0"/>
+              <a:t>.</a:t>
+            </a:r>
+          </a:p>
+          <a:p>
+            <a:pPr>
+              <a:lnSpc>
+                <a:spcPct val="200000"/>
+              </a:lnSpc>
+            </a:pPr>
+            <a:r>
+              <a:rPr lang="ko-KR" altLang="en-US" sz="1600" smtClean="0"/>
+              <a:t>클래스 </a:t>
+            </a:r>
+            <a:r>
+              <a:rPr lang="en-US" altLang="ko-KR" sz="1600" smtClean="0"/>
+              <a:t>– </a:t>
+            </a:r>
+            <a:r>
+              <a:rPr lang="ko-KR" altLang="en-US" sz="1600" smtClean="0"/>
+              <a:t>속성을 하나 정해두고</a:t>
+            </a:r>
+            <a:r>
+              <a:rPr lang="en-US" altLang="ko-KR" sz="1600" smtClean="0"/>
+              <a:t>, </a:t>
+            </a:r>
+            <a:r>
+              <a:rPr lang="ko-KR" altLang="en-US" sz="1600" smtClean="0"/>
+              <a:t>여러 속성에서 원하는 태그에 값을 주고 싶을 때 사용</a:t>
+            </a:r>
+            <a:r>
+              <a:rPr lang="en-US" altLang="ko-KR" sz="1600" smtClean="0"/>
+              <a:t>.</a:t>
+            </a:r>
+          </a:p>
+          <a:p>
+            <a:pPr>
+              <a:lnSpc>
+                <a:spcPct val="200000"/>
+              </a:lnSpc>
+            </a:pPr>
+            <a:r>
+              <a:rPr lang="en-US" altLang="ko-KR" sz="1600" smtClean="0"/>
+              <a:t>(</a:t>
+            </a:r>
+            <a:r>
+              <a:rPr lang="ko-KR" altLang="en-US" sz="1600" smtClean="0"/>
+              <a:t>클래스를 부를 때는 </a:t>
+            </a:r>
+            <a:r>
+              <a:rPr lang="en-US" altLang="ko-KR" b="1" smtClean="0">
+                <a:solidFill>
+                  <a:srgbClr val="FF0000"/>
+                </a:solidFill>
+              </a:rPr>
+              <a:t>.</a:t>
+            </a:r>
+            <a:r>
+              <a:rPr lang="ko-KR" altLang="en-US" sz="1600" smtClean="0"/>
+              <a:t>을 사용 함</a:t>
+            </a:r>
+            <a:r>
+              <a:rPr lang="en-US" altLang="ko-KR" sz="1600"/>
+              <a:t>)</a:t>
+            </a:r>
+            <a:endParaRPr lang="en-US" altLang="ko-KR" sz="1600" smtClean="0"/>
+          </a:p>
+          <a:p>
+            <a:pPr>
+              <a:lnSpc>
+                <a:spcPct val="200000"/>
+              </a:lnSpc>
+            </a:pPr>
+            <a:r>
+              <a:rPr lang="en-US" altLang="ko-KR" sz="1600" smtClean="0"/>
+              <a:t>ID – </a:t>
+            </a:r>
+            <a:r>
+              <a:rPr lang="ko-KR" altLang="en-US" sz="1600" smtClean="0"/>
+              <a:t>하나만 있을 수 있다</a:t>
+            </a:r>
+            <a:r>
+              <a:rPr lang="en-US" altLang="ko-KR" sz="1600" smtClean="0"/>
+              <a:t>.</a:t>
+            </a:r>
+          </a:p>
+          <a:p>
+            <a:pPr>
+              <a:lnSpc>
+                <a:spcPct val="200000"/>
+              </a:lnSpc>
+            </a:pPr>
+            <a:r>
+              <a:rPr lang="en-US" altLang="ko-KR" sz="1600" smtClean="0"/>
+              <a:t>(ID</a:t>
+            </a:r>
+            <a:r>
+              <a:rPr lang="ko-KR" altLang="en-US" sz="1600" smtClean="0"/>
+              <a:t>를 부를 때는 </a:t>
+            </a:r>
+            <a:r>
+              <a:rPr lang="en-US" altLang="ko-KR" sz="1600" smtClean="0">
+                <a:solidFill>
+                  <a:srgbClr val="FF0000"/>
+                </a:solidFill>
+              </a:rPr>
+              <a:t>#</a:t>
+            </a:r>
+            <a:r>
+              <a:rPr lang="ko-KR" altLang="en-US" sz="1600" smtClean="0"/>
+              <a:t>을 사용함</a:t>
+            </a:r>
+            <a:r>
+              <a:rPr lang="en-US" altLang="ko-KR" sz="1600" smtClean="0"/>
+              <a:t>)</a:t>
+            </a:r>
+          </a:p>
+          <a:p>
+            <a:pPr>
+              <a:lnSpc>
+                <a:spcPct val="200000"/>
+              </a:lnSpc>
+            </a:pPr>
+            <a:r>
+              <a:rPr lang="ko-KR" altLang="en-US" sz="1600" smtClean="0"/>
+              <a:t>네임 </a:t>
+            </a:r>
+            <a:r>
+              <a:rPr lang="en-US" altLang="ko-KR" sz="1600" smtClean="0"/>
+              <a:t>– </a:t>
+            </a:r>
+            <a:r>
+              <a:rPr lang="ko-KR" altLang="en-US" sz="1600" smtClean="0"/>
+              <a:t>단수이거나 복수일수도 있는 단위</a:t>
+            </a:r>
+            <a:r>
+              <a:rPr lang="en-US" altLang="ko-KR" sz="1600" smtClean="0"/>
+              <a:t>.</a:t>
+            </a:r>
+          </a:p>
+        </p:txBody>
+      </p:sp>
     </p:spTree>
     <p:extLst>
       <p:ext uri="{BB962C8B-B14F-4D97-AF65-F5344CB8AC3E}">
-        <p14:creationId xmlns:p14="http://schemas.microsoft.com/office/powerpoint/2010/main" val="2070775991"/>
+        <p14:creationId xmlns:p14="http://schemas.microsoft.com/office/powerpoint/2010/main" val="1917016563"/>
       </p:ext>
     </p:extLst>
   </p:cSld>
@@ -3975,30 +4066,21 @@
           <a:bodyPr rtlCol="0" anchor="ctr"/>
           <a:lstStyle/>
           <a:p>
-            <a:pPr algn="ctr"/>
+            <a:r>
+              <a:rPr lang="en-US" altLang="ko-KR" smtClean="0">
+                <a:solidFill>
+                  <a:sysClr val="windowText" lastClr="000000"/>
+                </a:solidFill>
+              </a:rPr>
+              <a:t>HTML,CSS </a:t>
+            </a:r>
             <a:r>
               <a:rPr lang="ko-KR" altLang="en-US" smtClean="0">
                 <a:solidFill>
                   <a:sysClr val="windowText" lastClr="000000"/>
                 </a:solidFill>
               </a:rPr>
-              <a:t>터미널로 </a:t>
-            </a:r>
-            <a:r>
-              <a:rPr lang="en-US" altLang="ko-KR" smtClean="0">
-                <a:solidFill>
-                  <a:sysClr val="windowText" lastClr="000000"/>
-                </a:solidFill>
-              </a:rPr>
-              <a:t>Git </a:t>
-            </a:r>
-            <a:r>
-              <a:rPr lang="ko-KR" altLang="en-US" smtClean="0">
-                <a:solidFill>
-                  <a:sysClr val="windowText" lastClr="000000"/>
-                </a:solidFill>
-              </a:rPr>
-              <a:t>처음 생성 과정</a:t>
+              <a:t>실습</a:t>
             </a:r>
             <a:endParaRPr lang="ko-KR" altLang="en-US">
               <a:solidFill>
@@ -4008,10 +4090,56 @@
           </a:p>
         </p:txBody>
       </p:sp>
+      <p:pic>
+        <p:nvPicPr>
+          <p:cNvPr id="5" name="그림 4"/>
+          <p:cNvPicPr>
+            <a:picLocks noChangeAspect="1"/>
+          </p:cNvPicPr>
+          <p:nvPr/>
+        </p:nvPicPr>
+        <p:blipFill rotWithShape="1">
+          <a:blip r:embed="rId2"/>
+          <a:srcRect l="1" t="1" r="1262" b="1262"/>
+          <a:stretch/>
+        </p:blipFill>
+        <p:spPr>
+          <a:xfrm>
+            <a:off x="0" y="456596"/>
+            <a:ext cx="6268375" cy="4932644"/>
+          </a:xfrm>
+          <a:prstGeom prst="rect">
+            <a:avLst/>
+          </a:prstGeom>
+        </p:spPr>
+      </p:pic>
+      <p:pic>
+        <p:nvPicPr>
+          <p:cNvPr id="6" name="그림 5"/>
+          <p:cNvPicPr>
+            <a:picLocks noChangeAspect="1"/>
+          </p:cNvPicPr>
+          <p:nvPr/>
+        </p:nvPicPr>
+        <p:blipFill rotWithShape="1">
+          <a:blip r:embed="rId3"/>
+          <a:srcRect l="994" b="994"/>
+          <a:stretch/>
+        </p:blipFill>
+        <p:spPr>
+          <a:xfrm>
+            <a:off x="6236677" y="463412"/>
+            <a:ext cx="5955323" cy="4925828"/>
+          </a:xfrm>
+          <a:prstGeom prst="rect">
+            <a:avLst/>
+          </a:prstGeom>
+        </p:spPr>
+      </p:pic>
     </p:spTree>
     <p:extLst>
       <p:ext uri="{BB962C8B-B14F-4D97-AF65-F5344CB8AC3E}">
-        <p14:creationId xmlns:p14="http://schemas.microsoft.com/office/powerpoint/2010/main" val="2445042572"/>
+        <p14:creationId xmlns:p14="http://schemas.microsoft.com/office/powerpoint/2010/main" val="1927693583"/>
       </p:ext>
     </p:extLst>
   </p:cSld>
@@ -4091,30 +4219,21 @@
           <a:bodyPr rtlCol="0" anchor="ctr"/>
           <a:lstStyle/>
           <a:p>
-            <a:pPr algn="ctr"/>
+            <a:r>
+              <a:rPr lang="en-US" altLang="ko-KR" smtClean="0">
+                <a:solidFill>
+                  <a:sysClr val="windowText" lastClr="000000"/>
+                </a:solidFill>
+              </a:rPr>
+              <a:t>HTML,CSS </a:t>
+            </a:r>
             <a:r>
               <a:rPr lang="ko-KR" altLang="en-US" smtClean="0">
                 <a:solidFill>
                   <a:sysClr val="windowText" lastClr="000000"/>
                 </a:solidFill>
               </a:rPr>
-              <a:t>터미널로 </a:t>
-            </a:r>
-            <a:r>
-              <a:rPr lang="en-US" altLang="ko-KR" smtClean="0">
-                <a:solidFill>
-                  <a:sysClr val="windowText" lastClr="000000"/>
-                </a:solidFill>
-              </a:rPr>
-              <a:t>Git </a:t>
-            </a:r>
-            <a:r>
-              <a:rPr lang="ko-KR" altLang="en-US" smtClean="0">
-                <a:solidFill>
-                  <a:sysClr val="windowText" lastClr="000000"/>
-                </a:solidFill>
-              </a:rPr>
-              <a:t>처음 생성 과정</a:t>
+              <a:t>실습</a:t>
             </a:r>
             <a:endParaRPr lang="ko-KR" altLang="en-US">
               <a:solidFill>
@@ -4124,10 +4243,33 @@
           </a:p>
         </p:txBody>
       </p:sp>
+      <p:pic>
+        <p:nvPicPr>
+          <p:cNvPr id="2" name="그림 1"/>
+          <p:cNvPicPr>
+            <a:picLocks noChangeAspect="1"/>
+          </p:cNvPicPr>
+          <p:nvPr/>
+        </p:nvPicPr>
+        <p:blipFill rotWithShape="1">
+          <a:blip r:embed="rId2"/>
+          <a:srcRect r="5609" b="5609"/>
+          <a:stretch/>
+        </p:blipFill>
+        <p:spPr>
+          <a:xfrm>
+            <a:off x="0" y="483327"/>
+            <a:ext cx="6703049" cy="5260982"/>
+          </a:xfrm>
+          <a:prstGeom prst="rect">
+            <a:avLst/>
+          </a:prstGeom>
+        </p:spPr>
+      </p:pic>
     </p:spTree>
     <p:extLst>
       <p:ext uri="{BB962C8B-B14F-4D97-AF65-F5344CB8AC3E}">
-        <p14:creationId xmlns:p14="http://schemas.microsoft.com/office/powerpoint/2010/main" val="3992402358"/>
+        <p14:creationId xmlns:p14="http://schemas.microsoft.com/office/powerpoint/2010/main" val="435095761"/>
       </p:ext>
     </p:extLst>
   </p:cSld>
@@ -4207,30 +4349,21 @@
           <a:bodyPr rtlCol="0" anchor="ctr"/>
           <a:lstStyle/>
           <a:p>
-            <a:pPr algn="ctr"/>
+            <a:r>
+              <a:rPr lang="en-US" altLang="ko-KR" smtClean="0">
+                <a:solidFill>
+                  <a:sysClr val="windowText" lastClr="000000"/>
+                </a:solidFill>
+              </a:rPr>
+              <a:t>HTML,CSS </a:t>
+            </a:r>
             <a:r>
               <a:rPr lang="ko-KR" altLang="en-US" smtClean="0">
                 <a:solidFill>
                   <a:sysClr val="windowText" lastClr="000000"/>
                 </a:solidFill>
               </a:rPr>
-              <a:t>터미널로 </a:t>
-            </a:r>
-            <a:r>
-              <a:rPr lang="en-US" altLang="ko-KR" smtClean="0">
-                <a:solidFill>
-                  <a:sysClr val="windowText" lastClr="000000"/>
-                </a:solidFill>
-              </a:rPr>
-              <a:t>Git </a:t>
-            </a:r>
-            <a:r>
-              <a:rPr lang="ko-KR" altLang="en-US" smtClean="0">
-                <a:solidFill>
-                  <a:sysClr val="windowText" lastClr="000000"/>
-                </a:solidFill>
-              </a:rPr>
-              <a:t>처음 생성 과정</a:t>
+              <a:t>실습</a:t>
             </a:r>
             <a:endParaRPr lang="ko-KR" altLang="en-US">
               <a:solidFill>
@@ -4240,10 +4373,943 @@
           </a:p>
         </p:txBody>
       </p:sp>
+      <p:pic>
+        <p:nvPicPr>
+          <p:cNvPr id="2" name="그림 1"/>
+          <p:cNvPicPr>
+            <a:picLocks noChangeAspect="1"/>
+          </p:cNvPicPr>
+          <p:nvPr/>
+        </p:nvPicPr>
+        <p:blipFill>
+          <a:blip r:embed="rId2"/>
+          <a:stretch>
+            <a:fillRect/>
+          </a:stretch>
+        </p:blipFill>
+        <p:spPr>
+          <a:xfrm>
+            <a:off x="2" y="483327"/>
+            <a:ext cx="6696074" cy="4583974"/>
+          </a:xfrm>
+          <a:prstGeom prst="rect">
+            <a:avLst/>
+          </a:prstGeom>
+        </p:spPr>
+      </p:pic>
     </p:spTree>
     <p:extLst>
       <p:ext uri="{BB962C8B-B14F-4D97-AF65-F5344CB8AC3E}">
-        <p14:creationId xmlns:p14="http://schemas.microsoft.com/office/powerpoint/2010/main" val="178273614"/>
+        <p14:creationId xmlns:p14="http://schemas.microsoft.com/office/powerpoint/2010/main" val="3842618584"/>
+      </p:ext>
+    </p:extLst>
+  </p:cSld>
+  <p:clrMapOvr>
+    <a:masterClrMapping/>
+  </p:clrMapOvr>
+  <p:timing>
+    <p:tnLst>
+      <p:par>
+        <p:cTn id="1" dur="indefinite" restart="never" nodeType="tmRoot"/>
+      </p:par>
+    </p:tnLst>
+  </p:timing>
+</p:sld>
+</file>
+
+<file path=ppt/slides/slide17.xml><?xml version="1.0" encoding="utf-8"?>
+<p:sld xmlns:a="http://schemas.openxmlformats.org/drawingml/2006/main" xmlns:r="http://schemas.openxmlformats.org/officeDocument/2006/relationships" xmlns:p="http://schemas.openxmlformats.org/presentationml/2006/main">
+  <p:cSld>
+    <p:spTree>
+      <p:nvGrpSpPr>
+        <p:cNvPr id="1" name=""/>
+        <p:cNvGrpSpPr/>
+        <p:nvPr/>
+      </p:nvGrpSpPr>
+      <p:grpSpPr>
+        <a:xfrm>
+          <a:off x="0" y="0"/>
+          <a:ext cx="0" cy="0"/>
+          <a:chOff x="0" y="0"/>
+          <a:chExt cx="0" cy="0"/>
+        </a:xfrm>
+      </p:grpSpPr>
+      <p:sp>
+        <p:nvSpPr>
+          <p:cNvPr id="11" name="모서리가 둥근 직사각형 10"/>
+          <p:cNvSpPr/>
+          <p:nvPr/>
+        </p:nvSpPr>
+        <p:spPr>
+          <a:xfrm>
+            <a:off x="0" y="0"/>
+            <a:ext cx="12192000" cy="483326"/>
+          </a:xfrm>
+          <a:prstGeom prst="roundRect">
+            <a:avLst/>
+          </a:prstGeom>
+          <a:solidFill>
+            <a:schemeClr val="accent3">
+              <a:lumMod val="20000"/>
+              <a:lumOff val="80000"/>
+            </a:schemeClr>
+          </a:solidFill>
+          <a:ln>
+            <a:solidFill>
+              <a:schemeClr val="bg1"/>
+            </a:solidFill>
+          </a:ln>
+        </p:spPr>
+        <p:style>
+          <a:lnRef idx="2">
+            <a:schemeClr val="accent1">
+              <a:shade val="50000"/>
+            </a:schemeClr>
+          </a:lnRef>
+          <a:fillRef idx="1">
+            <a:schemeClr val="accent1"/>
+          </a:fillRef>
+          <a:effectRef idx="0">
+            <a:schemeClr val="accent1"/>
+          </a:effectRef>
+          <a:fontRef idx="minor">
+            <a:schemeClr val="lt1"/>
+          </a:fontRef>
+        </p:style>
+        <p:txBody>
+          <a:bodyPr rtlCol="0" anchor="ctr"/>
+          <a:lstStyle/>
+          <a:p>
+            <a:r>
+              <a:rPr lang="en-US" altLang="ko-KR" smtClean="0">
+                <a:solidFill>
+                  <a:sysClr val="windowText" lastClr="000000"/>
+                </a:solidFill>
+              </a:rPr>
+              <a:t>HTML,CSS </a:t>
+            </a:r>
+            <a:r>
+              <a:rPr lang="ko-KR" altLang="en-US" smtClean="0">
+                <a:solidFill>
+                  <a:sysClr val="windowText" lastClr="000000"/>
+                </a:solidFill>
+              </a:rPr>
+              <a:t>실습</a:t>
+            </a:r>
+            <a:endParaRPr lang="ko-KR" altLang="en-US">
+              <a:solidFill>
+                <a:sysClr val="windowText" lastClr="000000"/>
+              </a:solidFill>
+            </a:endParaRPr>
+          </a:p>
+        </p:txBody>
+      </p:sp>
+      <p:pic>
+        <p:nvPicPr>
+          <p:cNvPr id="3" name="그림 2"/>
+          <p:cNvPicPr>
+            <a:picLocks noChangeAspect="1"/>
+          </p:cNvPicPr>
+          <p:nvPr/>
+        </p:nvPicPr>
+        <p:blipFill>
+          <a:blip r:embed="rId2"/>
+          <a:stretch>
+            <a:fillRect/>
+          </a:stretch>
+        </p:blipFill>
+        <p:spPr>
+          <a:xfrm>
+            <a:off x="-2" y="483326"/>
+            <a:ext cx="6724651" cy="4917350"/>
+          </a:xfrm>
+          <a:prstGeom prst="rect">
+            <a:avLst/>
+          </a:prstGeom>
+        </p:spPr>
+      </p:pic>
+    </p:spTree>
+    <p:extLst>
+      <p:ext uri="{BB962C8B-B14F-4D97-AF65-F5344CB8AC3E}">
+        <p14:creationId xmlns:p14="http://schemas.microsoft.com/office/powerpoint/2010/main" val="1559642295"/>
+      </p:ext>
+    </p:extLst>
+  </p:cSld>
+  <p:clrMapOvr>
+    <a:masterClrMapping/>
+  </p:clrMapOvr>
+  <p:timing>
+    <p:tnLst>
+      <p:par>
+        <p:cTn id="1" dur="indefinite" restart="never" nodeType="tmRoot"/>
+      </p:par>
+    </p:tnLst>
+  </p:timing>
+</p:sld>
+</file>
+
+<file path=ppt/slides/slide18.xml><?xml version="1.0" encoding="utf-8"?>
+<p:sld xmlns:a="http://schemas.openxmlformats.org/drawingml/2006/main" xmlns:r="http://schemas.openxmlformats.org/officeDocument/2006/relationships" xmlns:p="http://schemas.openxmlformats.org/presentationml/2006/main">
+  <p:cSld>
+    <p:spTree>
+      <p:nvGrpSpPr>
+        <p:cNvPr id="1" name=""/>
+        <p:cNvGrpSpPr/>
+        <p:nvPr/>
+      </p:nvGrpSpPr>
+      <p:grpSpPr>
+        <a:xfrm>
+          <a:off x="0" y="0"/>
+          <a:ext cx="0" cy="0"/>
+          <a:chOff x="0" y="0"/>
+          <a:chExt cx="0" cy="0"/>
+        </a:xfrm>
+      </p:grpSpPr>
+      <p:sp>
+        <p:nvSpPr>
+          <p:cNvPr id="11" name="모서리가 둥근 직사각형 10"/>
+          <p:cNvSpPr/>
+          <p:nvPr/>
+        </p:nvSpPr>
+        <p:spPr>
+          <a:xfrm>
+            <a:off x="0" y="0"/>
+            <a:ext cx="12192000" cy="483326"/>
+          </a:xfrm>
+          <a:prstGeom prst="roundRect">
+            <a:avLst/>
+          </a:prstGeom>
+          <a:solidFill>
+            <a:schemeClr val="accent3">
+              <a:lumMod val="20000"/>
+              <a:lumOff val="80000"/>
+            </a:schemeClr>
+          </a:solidFill>
+          <a:ln>
+            <a:solidFill>
+              <a:schemeClr val="bg1"/>
+            </a:solidFill>
+          </a:ln>
+        </p:spPr>
+        <p:style>
+          <a:lnRef idx="2">
+            <a:schemeClr val="accent1">
+              <a:shade val="50000"/>
+            </a:schemeClr>
+          </a:lnRef>
+          <a:fillRef idx="1">
+            <a:schemeClr val="accent1"/>
+          </a:fillRef>
+          <a:effectRef idx="0">
+            <a:schemeClr val="accent1"/>
+          </a:effectRef>
+          <a:fontRef idx="minor">
+            <a:schemeClr val="lt1"/>
+          </a:fontRef>
+        </p:style>
+        <p:txBody>
+          <a:bodyPr rtlCol="0" anchor="ctr"/>
+          <a:lstStyle/>
+          <a:p>
+            <a:r>
+              <a:rPr lang="en-US" altLang="ko-KR" smtClean="0">
+                <a:solidFill>
+                  <a:sysClr val="windowText" lastClr="000000"/>
+                </a:solidFill>
+              </a:rPr>
+              <a:t>HTML,CSS </a:t>
+            </a:r>
+            <a:r>
+              <a:rPr lang="ko-KR" altLang="en-US" smtClean="0">
+                <a:solidFill>
+                  <a:sysClr val="windowText" lastClr="000000"/>
+                </a:solidFill>
+              </a:rPr>
+              <a:t>실습</a:t>
+            </a:r>
+            <a:endParaRPr lang="ko-KR" altLang="en-US">
+              <a:solidFill>
+                <a:sysClr val="windowText" lastClr="000000"/>
+              </a:solidFill>
+            </a:endParaRPr>
+          </a:p>
+        </p:txBody>
+      </p:sp>
+      <p:sp>
+        <p:nvSpPr>
+          <p:cNvPr id="4" name="직사각형 3"/>
+          <p:cNvSpPr/>
+          <p:nvPr/>
+        </p:nvSpPr>
+        <p:spPr>
+          <a:xfrm>
+            <a:off x="0" y="562660"/>
+            <a:ext cx="6096000" cy="646331"/>
+          </a:xfrm>
+          <a:prstGeom prst="rect">
+            <a:avLst/>
+          </a:prstGeom>
+        </p:spPr>
+        <p:txBody>
+          <a:bodyPr>
+            <a:spAutoFit/>
+          </a:bodyPr>
+          <a:lstStyle/>
+          <a:p>
+            <a:r>
+              <a:rPr lang="en-US" altLang="ko-KR"/>
+              <a:t>overline : </a:t>
+            </a:r>
+            <a:r>
+              <a:rPr lang="ko-KR" altLang="en-US"/>
+              <a:t>글자 위에 선을 만듭니다</a:t>
+            </a:r>
+            <a:r>
+              <a:rPr lang="en-US" altLang="ko-KR"/>
+              <a:t>.</a:t>
+            </a:r>
+          </a:p>
+          <a:p>
+            <a:r>
+              <a:rPr lang="en-US" altLang="ko-KR"/>
+              <a:t>underline : </a:t>
+            </a:r>
+            <a:r>
+              <a:rPr lang="ko-KR" altLang="en-US"/>
+              <a:t>글자 아래에 선을 만듭니다</a:t>
+            </a:r>
+            <a:r>
+              <a:rPr lang="en-US" altLang="ko-KR"/>
+              <a:t>.</a:t>
+            </a:r>
+            <a:endParaRPr lang="ko-KR" altLang="en-US"/>
+          </a:p>
+        </p:txBody>
+      </p:sp>
+      <p:pic>
+        <p:nvPicPr>
+          <p:cNvPr id="5" name="그림 4"/>
+          <p:cNvPicPr>
+            <a:picLocks noChangeAspect="1"/>
+          </p:cNvPicPr>
+          <p:nvPr/>
+        </p:nvPicPr>
+        <p:blipFill>
+          <a:blip r:embed="rId2"/>
+          <a:stretch>
+            <a:fillRect/>
+          </a:stretch>
+        </p:blipFill>
+        <p:spPr>
+          <a:xfrm>
+            <a:off x="0" y="1576387"/>
+            <a:ext cx="3310449" cy="1228725"/>
+          </a:xfrm>
+          <a:prstGeom prst="rect">
+            <a:avLst/>
+          </a:prstGeom>
+        </p:spPr>
+      </p:pic>
+      <p:pic>
+        <p:nvPicPr>
+          <p:cNvPr id="6" name="그림 5"/>
+          <p:cNvPicPr>
+            <a:picLocks noChangeAspect="1"/>
+          </p:cNvPicPr>
+          <p:nvPr/>
+        </p:nvPicPr>
+        <p:blipFill>
+          <a:blip r:embed="rId3"/>
+          <a:stretch>
+            <a:fillRect/>
+          </a:stretch>
+        </p:blipFill>
+        <p:spPr>
+          <a:xfrm>
+            <a:off x="4033328" y="1576387"/>
+            <a:ext cx="3086100" cy="1228725"/>
+          </a:xfrm>
+          <a:prstGeom prst="rect">
+            <a:avLst/>
+          </a:prstGeom>
+        </p:spPr>
+      </p:pic>
+      <p:sp>
+        <p:nvSpPr>
+          <p:cNvPr id="7" name="오른쪽 화살표 6"/>
+          <p:cNvSpPr/>
+          <p:nvPr/>
+        </p:nvSpPr>
+        <p:spPr>
+          <a:xfrm>
+            <a:off x="3495676" y="1981200"/>
+            <a:ext cx="352425" cy="342900"/>
+          </a:xfrm>
+          <a:prstGeom prst="rightArrow">
+            <a:avLst/>
+          </a:prstGeom>
+          <a:ln>
+            <a:solidFill>
+              <a:srgbClr val="FF0000"/>
+            </a:solidFill>
+          </a:ln>
+        </p:spPr>
+        <p:style>
+          <a:lnRef idx="2">
+            <a:schemeClr val="accent1">
+              <a:shade val="50000"/>
+            </a:schemeClr>
+          </a:lnRef>
+          <a:fillRef idx="1">
+            <a:schemeClr val="accent1"/>
+          </a:fillRef>
+          <a:effectRef idx="0">
+            <a:schemeClr val="accent1"/>
+          </a:effectRef>
+          <a:fontRef idx="minor">
+            <a:schemeClr val="lt1"/>
+          </a:fontRef>
+        </p:style>
+        <p:txBody>
+          <a:bodyPr rtlCol="0" anchor="ctr"/>
+          <a:lstStyle/>
+          <a:p>
+            <a:pPr algn="ctr"/>
+            <a:endParaRPr lang="ko-KR" altLang="en-US"/>
+          </a:p>
+        </p:txBody>
+      </p:sp>
+      <p:pic>
+        <p:nvPicPr>
+          <p:cNvPr id="8" name="그림 7"/>
+          <p:cNvPicPr>
+            <a:picLocks noChangeAspect="1"/>
+          </p:cNvPicPr>
+          <p:nvPr/>
+        </p:nvPicPr>
+        <p:blipFill>
+          <a:blip r:embed="rId4"/>
+          <a:stretch>
+            <a:fillRect/>
+          </a:stretch>
+        </p:blipFill>
+        <p:spPr>
+          <a:xfrm>
+            <a:off x="9525" y="4648200"/>
+            <a:ext cx="3362325" cy="1123950"/>
+          </a:xfrm>
+          <a:prstGeom prst="rect">
+            <a:avLst/>
+          </a:prstGeom>
+        </p:spPr>
+      </p:pic>
+      <p:pic>
+        <p:nvPicPr>
+          <p:cNvPr id="9" name="그림 8"/>
+          <p:cNvPicPr>
+            <a:picLocks noChangeAspect="1"/>
+          </p:cNvPicPr>
+          <p:nvPr/>
+        </p:nvPicPr>
+        <p:blipFill>
+          <a:blip r:embed="rId5"/>
+          <a:stretch>
+            <a:fillRect/>
+          </a:stretch>
+        </p:blipFill>
+        <p:spPr>
+          <a:xfrm>
+            <a:off x="4052379" y="4648200"/>
+            <a:ext cx="3210001" cy="1123950"/>
+          </a:xfrm>
+          <a:prstGeom prst="rect">
+            <a:avLst/>
+          </a:prstGeom>
+        </p:spPr>
+      </p:pic>
+      <p:sp>
+        <p:nvSpPr>
+          <p:cNvPr id="12" name="오른쪽 화살표 11"/>
+          <p:cNvSpPr/>
+          <p:nvPr/>
+        </p:nvSpPr>
+        <p:spPr>
+          <a:xfrm>
+            <a:off x="3535902" y="5038725"/>
+            <a:ext cx="352425" cy="342900"/>
+          </a:xfrm>
+          <a:prstGeom prst="rightArrow">
+            <a:avLst/>
+          </a:prstGeom>
+          <a:ln>
+            <a:solidFill>
+              <a:srgbClr val="FF0000"/>
+            </a:solidFill>
+          </a:ln>
+        </p:spPr>
+        <p:style>
+          <a:lnRef idx="2">
+            <a:schemeClr val="accent1">
+              <a:shade val="50000"/>
+            </a:schemeClr>
+          </a:lnRef>
+          <a:fillRef idx="1">
+            <a:schemeClr val="accent1"/>
+          </a:fillRef>
+          <a:effectRef idx="0">
+            <a:schemeClr val="accent1"/>
+          </a:effectRef>
+          <a:fontRef idx="minor">
+            <a:schemeClr val="lt1"/>
+          </a:fontRef>
+        </p:style>
+        <p:txBody>
+          <a:bodyPr rtlCol="0" anchor="ctr"/>
+          <a:lstStyle/>
+          <a:p>
+            <a:pPr algn="ctr"/>
+            <a:endParaRPr lang="ko-KR" altLang="en-US"/>
+          </a:p>
+        </p:txBody>
+      </p:sp>
+      <p:sp>
+        <p:nvSpPr>
+          <p:cNvPr id="13" name="직사각형 12"/>
+          <p:cNvSpPr/>
+          <p:nvPr/>
+        </p:nvSpPr>
+        <p:spPr>
+          <a:xfrm>
+            <a:off x="9525" y="3403490"/>
+            <a:ext cx="6096000" cy="646331"/>
+          </a:xfrm>
+          <a:prstGeom prst="rect">
+            <a:avLst/>
+          </a:prstGeom>
+        </p:spPr>
+        <p:txBody>
+          <a:bodyPr>
+            <a:spAutoFit/>
+          </a:bodyPr>
+          <a:lstStyle/>
+          <a:p>
+            <a:r>
+              <a:rPr lang="en-US" altLang="ko-KR"/>
+              <a:t>uppercase </a:t>
+            </a:r>
+            <a:r>
+              <a:rPr lang="en-US" altLang="ko-KR"/>
+              <a:t>: </a:t>
+            </a:r>
+            <a:r>
+              <a:rPr lang="ko-KR" altLang="en-US" smtClean="0"/>
+              <a:t>대문자로 바꿔줍니다</a:t>
+            </a:r>
+            <a:r>
+              <a:rPr lang="en-US" altLang="ko-KR" smtClean="0"/>
+              <a:t>.</a:t>
+            </a:r>
+          </a:p>
+          <a:p>
+            <a:r>
+              <a:rPr lang="en-US" altLang="ko-KR" smtClean="0"/>
+              <a:t>lowercase </a:t>
+            </a:r>
+            <a:r>
+              <a:rPr lang="en-US" altLang="ko-KR"/>
+              <a:t>: </a:t>
+            </a:r>
+            <a:r>
+              <a:rPr lang="ko-KR" altLang="en-US" smtClean="0"/>
+              <a:t>소문자로 </a:t>
+            </a:r>
+            <a:r>
+              <a:rPr lang="ko-KR" altLang="en-US"/>
+              <a:t>바꿔줍니다</a:t>
+            </a:r>
+            <a:r>
+              <a:rPr lang="en-US" altLang="ko-KR"/>
+              <a:t>.</a:t>
+            </a:r>
+            <a:endParaRPr lang="ko-KR" altLang="en-US"/>
+          </a:p>
+        </p:txBody>
+      </p:sp>
+    </p:spTree>
+    <p:extLst>
+      <p:ext uri="{BB962C8B-B14F-4D97-AF65-F5344CB8AC3E}">
+        <p14:creationId xmlns:p14="http://schemas.microsoft.com/office/powerpoint/2010/main" val="3590857567"/>
+      </p:ext>
+    </p:extLst>
+  </p:cSld>
+  <p:clrMapOvr>
+    <a:masterClrMapping/>
+  </p:clrMapOvr>
+  <p:timing>
+    <p:tnLst>
+      <p:par>
+        <p:cTn id="1" dur="indefinite" restart="never" nodeType="tmRoot"/>
+      </p:par>
+    </p:tnLst>
+  </p:timing>
+</p:sld>
+</file>
+
+<file path=ppt/slides/slide19.xml><?xml version="1.0" encoding="utf-8"?>
+<p:sld xmlns:a="http://schemas.openxmlformats.org/drawingml/2006/main" xmlns:r="http://schemas.openxmlformats.org/officeDocument/2006/relationships" xmlns:p="http://schemas.openxmlformats.org/presentationml/2006/main">
+  <p:cSld>
+    <p:spTree>
+      <p:nvGrpSpPr>
+        <p:cNvPr id="1" name=""/>
+        <p:cNvGrpSpPr/>
+        <p:nvPr/>
+      </p:nvGrpSpPr>
+      <p:grpSpPr>
+        <a:xfrm>
+          <a:off x="0" y="0"/>
+          <a:ext cx="0" cy="0"/>
+          <a:chOff x="0" y="0"/>
+          <a:chExt cx="0" cy="0"/>
+        </a:xfrm>
+      </p:grpSpPr>
+      <p:pic>
+        <p:nvPicPr>
+          <p:cNvPr id="4" name="그림 3"/>
+          <p:cNvPicPr>
+            <a:picLocks noChangeAspect="1"/>
+          </p:cNvPicPr>
+          <p:nvPr/>
+        </p:nvPicPr>
+        <p:blipFill>
+          <a:blip r:embed="rId2"/>
+          <a:stretch>
+            <a:fillRect/>
+          </a:stretch>
+        </p:blipFill>
+        <p:spPr>
+          <a:xfrm>
+            <a:off x="0" y="483326"/>
+            <a:ext cx="7519988" cy="5352283"/>
+          </a:xfrm>
+          <a:prstGeom prst="rect">
+            <a:avLst/>
+          </a:prstGeom>
+        </p:spPr>
+      </p:pic>
+      <p:sp>
+        <p:nvSpPr>
+          <p:cNvPr id="11" name="모서리가 둥근 직사각형 10"/>
+          <p:cNvSpPr/>
+          <p:nvPr/>
+        </p:nvSpPr>
+        <p:spPr>
+          <a:xfrm>
+            <a:off x="0" y="0"/>
+            <a:ext cx="12192000" cy="483326"/>
+          </a:xfrm>
+          <a:prstGeom prst="roundRect">
+            <a:avLst/>
+          </a:prstGeom>
+          <a:solidFill>
+            <a:schemeClr val="accent3">
+              <a:lumMod val="20000"/>
+              <a:lumOff val="80000"/>
+            </a:schemeClr>
+          </a:solidFill>
+          <a:ln>
+            <a:solidFill>
+              <a:schemeClr val="bg1"/>
+            </a:solidFill>
+          </a:ln>
+        </p:spPr>
+        <p:style>
+          <a:lnRef idx="2">
+            <a:schemeClr val="accent1">
+              <a:shade val="50000"/>
+            </a:schemeClr>
+          </a:lnRef>
+          <a:fillRef idx="1">
+            <a:schemeClr val="accent1"/>
+          </a:fillRef>
+          <a:effectRef idx="0">
+            <a:schemeClr val="accent1"/>
+          </a:effectRef>
+          <a:fontRef idx="minor">
+            <a:schemeClr val="lt1"/>
+          </a:fontRef>
+        </p:style>
+        <p:txBody>
+          <a:bodyPr rtlCol="0" anchor="ctr"/>
+          <a:lstStyle/>
+          <a:p>
+            <a:r>
+              <a:rPr lang="en-US" altLang="ko-KR">
+                <a:solidFill>
+                  <a:sysClr val="windowText" lastClr="000000"/>
+                </a:solidFill>
+              </a:rPr>
+              <a:t>HTML,CSS </a:t>
+            </a:r>
+            <a:r>
+              <a:rPr lang="ko-KR" altLang="en-US">
+                <a:solidFill>
+                  <a:sysClr val="windowText" lastClr="000000"/>
+                </a:solidFill>
+              </a:rPr>
+              <a:t>실습 </a:t>
+            </a:r>
+            <a:r>
+              <a:rPr lang="en-US" altLang="ko-KR">
+                <a:solidFill>
+                  <a:sysClr val="windowText" lastClr="000000"/>
+                </a:solidFill>
+              </a:rPr>
+              <a:t>– text-indent</a:t>
+            </a:r>
+            <a:endParaRPr lang="ko-KR" altLang="en-US">
+              <a:solidFill>
+                <a:sysClr val="windowText" lastClr="000000"/>
+              </a:solidFill>
+            </a:endParaRPr>
+          </a:p>
+        </p:txBody>
+      </p:sp>
+      <p:sp>
+        <p:nvSpPr>
+          <p:cNvPr id="3" name="직사각형 2"/>
+          <p:cNvSpPr/>
+          <p:nvPr/>
+        </p:nvSpPr>
+        <p:spPr>
+          <a:xfrm>
+            <a:off x="1423988" y="483326"/>
+            <a:ext cx="6096000" cy="1708160"/>
+          </a:xfrm>
+          <a:prstGeom prst="rect">
+            <a:avLst/>
+          </a:prstGeom>
+        </p:spPr>
+        <p:txBody>
+          <a:bodyPr>
+            <a:spAutoFit/>
+          </a:bodyPr>
+          <a:lstStyle/>
+          <a:p>
+            <a:pPr>
+              <a:lnSpc>
+                <a:spcPct val="150000"/>
+              </a:lnSpc>
+            </a:pPr>
+            <a:r>
+              <a:rPr lang="en-US" altLang="ko-KR" sz="1400" smtClean="0">
+                <a:solidFill>
+                  <a:schemeClr val="bg1">
+                    <a:lumMod val="95000"/>
+                  </a:schemeClr>
+                </a:solidFill>
+              </a:rPr>
+              <a:t>text-indent</a:t>
+            </a:r>
+          </a:p>
+          <a:p>
+            <a:pPr marL="285750" indent="-285750">
+              <a:lnSpc>
+                <a:spcPct val="150000"/>
+              </a:lnSpc>
+              <a:buFont typeface="Arial" panose="020B0604020202020204" pitchFamily="34" charset="0"/>
+              <a:buChar char="•"/>
+            </a:pPr>
+            <a:r>
+              <a:rPr lang="ko-KR" altLang="en-US" sz="1400" smtClean="0">
+                <a:solidFill>
+                  <a:schemeClr val="bg1">
+                    <a:lumMod val="95000"/>
+                  </a:schemeClr>
+                </a:solidFill>
+              </a:rPr>
+              <a:t>들여쓰기와 </a:t>
+            </a:r>
+            <a:r>
+              <a:rPr lang="ko-KR" altLang="en-US" sz="1400">
+                <a:solidFill>
+                  <a:schemeClr val="bg1">
+                    <a:lumMod val="95000"/>
+                  </a:schemeClr>
+                </a:solidFill>
+              </a:rPr>
+              <a:t>내어쓰기는 </a:t>
+            </a:r>
+            <a:r>
+              <a:rPr lang="en-US" altLang="ko-KR" sz="1400">
+                <a:solidFill>
+                  <a:schemeClr val="bg1">
+                    <a:lumMod val="95000"/>
+                  </a:schemeClr>
+                </a:solidFill>
+              </a:rPr>
+              <a:t>text-indent </a:t>
+            </a:r>
+            <a:r>
+              <a:rPr lang="ko-KR" altLang="en-US" sz="1400">
+                <a:solidFill>
+                  <a:schemeClr val="bg1">
+                    <a:lumMod val="95000"/>
+                  </a:schemeClr>
+                </a:solidFill>
+              </a:rPr>
+              <a:t>속성으로 만듭니다</a:t>
+            </a:r>
+            <a:r>
+              <a:rPr lang="en-US" altLang="ko-KR" sz="1400">
+                <a:solidFill>
+                  <a:schemeClr val="bg1">
+                    <a:lumMod val="95000"/>
+                  </a:schemeClr>
+                </a:solidFill>
+              </a:rPr>
+              <a:t>.</a:t>
+            </a:r>
+          </a:p>
+          <a:p>
+            <a:pPr marL="285750" indent="-285750">
+              <a:lnSpc>
+                <a:spcPct val="150000"/>
+              </a:lnSpc>
+              <a:buFont typeface="Arial" panose="020B0604020202020204" pitchFamily="34" charset="0"/>
+              <a:buChar char="•"/>
+            </a:pPr>
+            <a:r>
+              <a:rPr lang="ko-KR" altLang="en-US" sz="1400">
+                <a:solidFill>
+                  <a:schemeClr val="bg1">
+                    <a:lumMod val="95000"/>
+                  </a:schemeClr>
+                </a:solidFill>
+              </a:rPr>
+              <a:t>값이 양수이면 들여쓰기</a:t>
+            </a:r>
+            <a:r>
+              <a:rPr lang="en-US" altLang="ko-KR" sz="1400">
+                <a:solidFill>
+                  <a:schemeClr val="bg1">
+                    <a:lumMod val="95000"/>
+                  </a:schemeClr>
+                </a:solidFill>
+              </a:rPr>
+              <a:t>, </a:t>
+            </a:r>
+            <a:r>
+              <a:rPr lang="ko-KR" altLang="en-US" sz="1400">
+                <a:solidFill>
+                  <a:schemeClr val="bg1">
+                    <a:lumMod val="95000"/>
+                  </a:schemeClr>
+                </a:solidFill>
+              </a:rPr>
+              <a:t>값이 음수이면 내어쓰기가 됩니다</a:t>
+            </a:r>
+            <a:r>
+              <a:rPr lang="en-US" altLang="ko-KR" sz="1400">
+                <a:solidFill>
+                  <a:schemeClr val="bg1">
+                    <a:lumMod val="95000"/>
+                  </a:schemeClr>
+                </a:solidFill>
+              </a:rPr>
+              <a:t>.</a:t>
+            </a:r>
+          </a:p>
+          <a:p>
+            <a:pPr marL="285750" indent="-285750">
+              <a:lnSpc>
+                <a:spcPct val="150000"/>
+              </a:lnSpc>
+              <a:buFont typeface="Arial" panose="020B0604020202020204" pitchFamily="34" charset="0"/>
+              <a:buChar char="•"/>
+            </a:pPr>
+            <a:r>
+              <a:rPr lang="ko-KR" altLang="en-US" sz="1400">
+                <a:solidFill>
+                  <a:schemeClr val="bg1">
+                    <a:lumMod val="95000"/>
+                  </a:schemeClr>
+                </a:solidFill>
+              </a:rPr>
+              <a:t>기본값은 </a:t>
+            </a:r>
+            <a:r>
+              <a:rPr lang="en-US" altLang="ko-KR" sz="1400">
+                <a:solidFill>
+                  <a:schemeClr val="bg1">
+                    <a:lumMod val="95000"/>
+                  </a:schemeClr>
+                </a:solidFill>
+              </a:rPr>
+              <a:t>0</a:t>
+            </a:r>
+            <a:r>
+              <a:rPr lang="ko-KR" altLang="en-US" sz="1400">
+                <a:solidFill>
+                  <a:schemeClr val="bg1">
+                    <a:lumMod val="95000"/>
+                  </a:schemeClr>
+                </a:solidFill>
+              </a:rPr>
+              <a:t>입니다</a:t>
+            </a:r>
+            <a:r>
+              <a:rPr lang="en-US" altLang="ko-KR" sz="1400">
+                <a:solidFill>
+                  <a:schemeClr val="bg1">
+                    <a:lumMod val="95000"/>
+                  </a:schemeClr>
+                </a:solidFill>
+              </a:rPr>
+              <a:t>.</a:t>
+            </a:r>
+          </a:p>
+          <a:p>
+            <a:pPr marL="285750" indent="-285750">
+              <a:lnSpc>
+                <a:spcPct val="150000"/>
+              </a:lnSpc>
+              <a:buFont typeface="Arial" panose="020B0604020202020204" pitchFamily="34" charset="0"/>
+              <a:buChar char="•"/>
+            </a:pPr>
+            <a:r>
+              <a:rPr lang="ko-KR" altLang="en-US" sz="1400">
+                <a:solidFill>
+                  <a:schemeClr val="bg1">
+                    <a:lumMod val="95000"/>
+                  </a:schemeClr>
+                </a:solidFill>
+              </a:rPr>
+              <a:t>내어쓰기를 할 때는 왼쪽에 여백을 적절히 줍니다</a:t>
+            </a:r>
+            <a:r>
+              <a:rPr lang="en-US" altLang="ko-KR" sz="1400">
+                <a:solidFill>
+                  <a:schemeClr val="bg1">
+                    <a:lumMod val="95000"/>
+                  </a:schemeClr>
+                </a:solidFill>
+              </a:rPr>
+              <a:t>.</a:t>
+            </a:r>
+            <a:endParaRPr lang="ko-KR" altLang="en-US" sz="1400">
+              <a:solidFill>
+                <a:schemeClr val="bg1">
+                  <a:lumMod val="95000"/>
+                </a:schemeClr>
+              </a:solidFill>
+            </a:endParaRPr>
+          </a:p>
+        </p:txBody>
+      </p:sp>
+    </p:spTree>
+    <p:extLst>
+      <p:ext uri="{BB962C8B-B14F-4D97-AF65-F5344CB8AC3E}">
+        <p14:creationId xmlns:p14="http://schemas.microsoft.com/office/powerpoint/2010/main" val="257213449"/>
       </p:ext>
     </p:extLst>
   </p:cSld>
@@ -4285,8 +5351,8 @@
         </p:nvSpPr>
         <p:spPr>
           <a:xfrm>
-            <a:off x="1594624" y="613317"/>
-            <a:ext cx="9422781" cy="4401205"/>
+            <a:off x="0" y="433564"/>
+            <a:ext cx="9422781" cy="5632311"/>
           </a:xfrm>
           <a:prstGeom prst="rect">
             <a:avLst/>
@@ -4399,9 +5465,43 @@
               <a:t>활용</a:t>
             </a:r>
             <a:r>
-              <a:rPr lang="en-US" altLang="ko-KR" sz="2000" b="1"/>
+              <a:rPr lang="en-US" altLang="ko-KR" sz="2000" b="1" smtClean="0"/>
               <a:t>)</a:t>
             </a:r>
+          </a:p>
+          <a:p>
+            <a:pPr marL="342900" indent="-342900">
+              <a:lnSpc>
+                <a:spcPct val="200000"/>
+              </a:lnSpc>
+              <a:buAutoNum type="arabicPeriod"/>
+            </a:pPr>
+            <a:r>
+              <a:rPr lang="en-US" altLang="ko-KR" sz="2000" b="1" smtClean="0"/>
+              <a:t>Github page, profile </a:t>
+            </a:r>
+            <a:r>
+              <a:rPr lang="ko-KR" altLang="en-US" sz="2000" b="1" smtClean="0"/>
+              <a:t>만들기</a:t>
+            </a:r>
+            <a:endParaRPr lang="en-US" altLang="ko-KR" sz="2000" b="1" smtClean="0"/>
+          </a:p>
+          <a:p>
+            <a:pPr marL="342900" indent="-342900">
+              <a:lnSpc>
+                <a:spcPct val="200000"/>
+              </a:lnSpc>
+              <a:buAutoNum type="arabicPeriod"/>
+            </a:pPr>
+            <a:r>
+              <a:rPr lang="en-US" altLang="ko-KR" sz="2000" b="1" smtClean="0"/>
+              <a:t>HTML,CSS </a:t>
+            </a:r>
+            <a:r>
+              <a:rPr lang="ko-KR" altLang="en-US" sz="2000" b="1" smtClean="0"/>
+              <a:t>실습</a:t>
+            </a:r>
+            <a:endParaRPr lang="en-US" altLang="ko-KR" sz="2000" b="1"/>
           </a:p>
           <a:p>
             <a:pPr marL="342900" indent="-342900">
@@ -4431,6 +5531,299 @@
       </p:par>
     </p:tnLst>
   </p:timing>
+</p:sld>
+</file>
+
+<file path=ppt/slides/slide20.xml><?xml version="1.0" encoding="utf-8"?>
+<p:sld xmlns:a="http://schemas.openxmlformats.org/drawingml/2006/main" xmlns:r="http://schemas.openxmlformats.org/officeDocument/2006/relationships" xmlns:p="http://schemas.openxmlformats.org/presentationml/2006/main">
+  <p:cSld>
+    <p:spTree>
+      <p:nvGrpSpPr>
+        <p:cNvPr id="1" name=""/>
+        <p:cNvGrpSpPr/>
+        <p:nvPr/>
+      </p:nvGrpSpPr>
+      <p:grpSpPr>
+        <a:xfrm>
+          <a:off x="0" y="0"/>
+          <a:ext cx="0" cy="0"/>
+          <a:chOff x="0" y="0"/>
+          <a:chExt cx="0" cy="0"/>
+        </a:xfrm>
+      </p:grpSpPr>
+      <p:sp>
+        <p:nvSpPr>
+          <p:cNvPr id="4" name="모서리가 둥근 직사각형 3"/>
+          <p:cNvSpPr/>
+          <p:nvPr/>
+        </p:nvSpPr>
+        <p:spPr>
+          <a:xfrm>
+            <a:off x="0" y="0"/>
+            <a:ext cx="12192000" cy="483326"/>
+          </a:xfrm>
+          <a:prstGeom prst="roundRect">
+            <a:avLst/>
+          </a:prstGeom>
+          <a:solidFill>
+            <a:schemeClr val="accent3">
+              <a:lumMod val="20000"/>
+              <a:lumOff val="80000"/>
+            </a:schemeClr>
+          </a:solidFill>
+          <a:ln>
+            <a:solidFill>
+              <a:schemeClr val="bg1"/>
+            </a:solidFill>
+          </a:ln>
+        </p:spPr>
+        <p:style>
+          <a:lnRef idx="2">
+            <a:schemeClr val="accent1">
+              <a:shade val="50000"/>
+            </a:schemeClr>
+          </a:lnRef>
+          <a:fillRef idx="1">
+            <a:schemeClr val="accent1"/>
+          </a:fillRef>
+          <a:effectRef idx="0">
+            <a:schemeClr val="accent1"/>
+          </a:effectRef>
+          <a:fontRef idx="minor">
+            <a:schemeClr val="lt1"/>
+          </a:fontRef>
+        </p:style>
+        <p:txBody>
+          <a:bodyPr rtlCol="0" anchor="ctr"/>
+          <a:lstStyle/>
+          <a:p>
+            <a:r>
+              <a:rPr lang="en-US" altLang="ko-KR" smtClean="0">
+                <a:solidFill>
+                  <a:sysClr val="windowText" lastClr="000000"/>
+                </a:solidFill>
+              </a:rPr>
+              <a:t>HTML,CSS </a:t>
+            </a:r>
+            <a:r>
+              <a:rPr lang="ko-KR" altLang="en-US" smtClean="0">
+                <a:solidFill>
+                  <a:sysClr val="windowText" lastClr="000000"/>
+                </a:solidFill>
+              </a:rPr>
+              <a:t>실습 </a:t>
+            </a:r>
+            <a:r>
+              <a:rPr lang="en-US" altLang="ko-KR" smtClean="0">
+                <a:solidFill>
+                  <a:sysClr val="windowText" lastClr="000000"/>
+                </a:solidFill>
+              </a:rPr>
+              <a:t>– text-indent</a:t>
+            </a:r>
+            <a:endParaRPr lang="ko-KR" altLang="en-US">
+              <a:solidFill>
+                <a:sysClr val="windowText" lastClr="000000"/>
+              </a:solidFill>
+            </a:endParaRPr>
+          </a:p>
+        </p:txBody>
+      </p:sp>
+      <p:pic>
+        <p:nvPicPr>
+          <p:cNvPr id="5" name="그림 4"/>
+          <p:cNvPicPr>
+            <a:picLocks noChangeAspect="1"/>
+          </p:cNvPicPr>
+          <p:nvPr/>
+        </p:nvPicPr>
+        <p:blipFill>
+          <a:blip r:embed="rId2"/>
+          <a:stretch>
+            <a:fillRect/>
+          </a:stretch>
+        </p:blipFill>
+        <p:spPr>
+          <a:xfrm>
+            <a:off x="0" y="502376"/>
+            <a:ext cx="7442692" cy="3393349"/>
+          </a:xfrm>
+          <a:prstGeom prst="rect">
+            <a:avLst/>
+          </a:prstGeom>
+          <a:ln>
+            <a:solidFill>
+              <a:schemeClr val="tx1"/>
+            </a:solidFill>
+          </a:ln>
+        </p:spPr>
+      </p:pic>
+    </p:spTree>
+    <p:extLst>
+      <p:ext uri="{BB962C8B-B14F-4D97-AF65-F5344CB8AC3E}">
+        <p14:creationId xmlns:p14="http://schemas.microsoft.com/office/powerpoint/2010/main" val="1976806619"/>
+      </p:ext>
+    </p:extLst>
+  </p:cSld>
+  <p:clrMapOvr>
+    <a:masterClrMapping/>
+  </p:clrMapOvr>
+</p:sld>
+</file>
+
+<file path=ppt/slides/slide21.xml><?xml version="1.0" encoding="utf-8"?>
+<p:sld xmlns:a="http://schemas.openxmlformats.org/drawingml/2006/main" xmlns:r="http://schemas.openxmlformats.org/officeDocument/2006/relationships" xmlns:p="http://schemas.openxmlformats.org/presentationml/2006/main">
+  <p:cSld>
+    <p:spTree>
+      <p:nvGrpSpPr>
+        <p:cNvPr id="1" name=""/>
+        <p:cNvGrpSpPr/>
+        <p:nvPr/>
+      </p:nvGrpSpPr>
+      <p:grpSpPr>
+        <a:xfrm>
+          <a:off x="0" y="0"/>
+          <a:ext cx="0" cy="0"/>
+          <a:chOff x="0" y="0"/>
+          <a:chExt cx="0" cy="0"/>
+        </a:xfrm>
+      </p:grpSpPr>
+      <p:sp>
+        <p:nvSpPr>
+          <p:cNvPr id="5" name="모서리가 둥근 직사각형 4"/>
+          <p:cNvSpPr/>
+          <p:nvPr/>
+        </p:nvSpPr>
+        <p:spPr>
+          <a:xfrm>
+            <a:off x="0" y="0"/>
+            <a:ext cx="12192000" cy="483326"/>
+          </a:xfrm>
+          <a:prstGeom prst="roundRect">
+            <a:avLst/>
+          </a:prstGeom>
+          <a:solidFill>
+            <a:schemeClr val="accent3">
+              <a:lumMod val="20000"/>
+              <a:lumOff val="80000"/>
+            </a:schemeClr>
+          </a:solidFill>
+          <a:ln>
+            <a:solidFill>
+              <a:schemeClr val="bg1"/>
+            </a:solidFill>
+          </a:ln>
+        </p:spPr>
+        <p:style>
+          <a:lnRef idx="2">
+            <a:schemeClr val="accent1">
+              <a:shade val="50000"/>
+            </a:schemeClr>
+          </a:lnRef>
+          <a:fillRef idx="1">
+            <a:schemeClr val="accent1"/>
+          </a:fillRef>
+          <a:effectRef idx="0">
+            <a:schemeClr val="accent1"/>
+          </a:effectRef>
+          <a:fontRef idx="minor">
+            <a:schemeClr val="lt1"/>
+          </a:fontRef>
+        </p:style>
+        <p:txBody>
+          <a:bodyPr rtlCol="0" anchor="ctr"/>
+          <a:lstStyle/>
+          <a:p>
+            <a:r>
+              <a:rPr lang="en-US" altLang="ko-KR" smtClean="0">
+                <a:solidFill>
+                  <a:sysClr val="windowText" lastClr="000000"/>
+                </a:solidFill>
+              </a:rPr>
+              <a:t>HTML,CSS </a:t>
+            </a:r>
+            <a:r>
+              <a:rPr lang="ko-KR" altLang="en-US" smtClean="0">
+                <a:solidFill>
+                  <a:sysClr val="windowText" lastClr="000000"/>
+                </a:solidFill>
+              </a:rPr>
+              <a:t>실습 </a:t>
+            </a:r>
+            <a:r>
+              <a:rPr lang="en-US" altLang="ko-KR" smtClean="0">
+                <a:solidFill>
+                  <a:sysClr val="windowText" lastClr="000000"/>
+                </a:solidFill>
+              </a:rPr>
+              <a:t>– font-style</a:t>
+            </a:r>
+            <a:endParaRPr lang="ko-KR" altLang="en-US">
+              <a:solidFill>
+                <a:sysClr val="windowText" lastClr="000000"/>
+              </a:solidFill>
+            </a:endParaRPr>
+          </a:p>
+        </p:txBody>
+      </p:sp>
+      <p:pic>
+        <p:nvPicPr>
+          <p:cNvPr id="6" name="그림 5"/>
+          <p:cNvPicPr>
+            <a:picLocks noChangeAspect="1"/>
+          </p:cNvPicPr>
+          <p:nvPr/>
+        </p:nvPicPr>
+        <p:blipFill>
+          <a:blip r:embed="rId2"/>
+          <a:stretch>
+            <a:fillRect/>
+          </a:stretch>
+        </p:blipFill>
+        <p:spPr>
+          <a:xfrm>
+            <a:off x="0" y="2581275"/>
+            <a:ext cx="4257675" cy="2457450"/>
+          </a:xfrm>
+          <a:prstGeom prst="rect">
+            <a:avLst/>
+          </a:prstGeom>
+        </p:spPr>
+      </p:pic>
+      <p:pic>
+        <p:nvPicPr>
+          <p:cNvPr id="7" name="그림 6"/>
+          <p:cNvPicPr>
+            <a:picLocks noChangeAspect="1"/>
+          </p:cNvPicPr>
+          <p:nvPr/>
+        </p:nvPicPr>
+        <p:blipFill>
+          <a:blip r:embed="rId3"/>
+          <a:stretch>
+            <a:fillRect/>
+          </a:stretch>
+        </p:blipFill>
+        <p:spPr>
+          <a:xfrm>
+            <a:off x="1" y="638175"/>
+            <a:ext cx="11734800" cy="1500261"/>
+          </a:xfrm>
+          <a:prstGeom prst="rect">
+            <a:avLst/>
+          </a:prstGeom>
+        </p:spPr>
+      </p:pic>
+    </p:spTree>
+    <p:extLst>
+      <p:ext uri="{BB962C8B-B14F-4D97-AF65-F5344CB8AC3E}">
+        <p14:creationId xmlns:p14="http://schemas.microsoft.com/office/powerpoint/2010/main" val="983058540"/>
+      </p:ext>
+    </p:extLst>
+  </p:cSld>
+  <p:clrMapOvr>
+    <a:masterClrMapping/>
+  </p:clrMapOvr>
 </p:sld>
 </file>
 
@@ -4816,7 +6209,6 @@
           <a:bodyPr rtlCol="0" anchor="ctr"/>
           <a:lstStyle/>
           <a:p>
-            <a:pPr algn="ctr"/>
             <a:r>
               <a:rPr lang="ko-KR" altLang="en-US" smtClean="0">
                 <a:solidFill>
@@ -5167,7 +6559,6 @@
           <a:bodyPr rtlCol="0" anchor="ctr"/>
           <a:lstStyle/>
           <a:p>
-            <a:pPr algn="ctr"/>
             <a:r>
               <a:rPr lang="en-US" altLang="ko-KR" smtClean="0">
                 <a:solidFill>
@@ -5436,7 +6827,6 @@
           <a:bodyPr rtlCol="0" anchor="ctr"/>
           <a:lstStyle/>
           <a:p>
-            <a:pPr algn="ctr"/>
             <a:r>
               <a:rPr lang="en-US" altLang="ko-KR" smtClean="0">
                 <a:solidFill>
@@ -5453,11 +6843,6 @@
               </a:rPr>
               <a:t>태그 사용 예시</a:t>
             </a:r>
-            <a:endParaRPr lang="ko-KR" altLang="en-US">
-              <a:solidFill>
-                <a:sysClr val="windowText" lastClr="000000"/>
-              </a:solidFill>
-            </a:endParaRPr>
           </a:p>
         </p:txBody>
       </p:sp>
@@ -5597,7 +6982,6 @@
           <a:bodyPr rtlCol="0" anchor="ctr"/>
           <a:lstStyle/>
           <a:p>
-            <a:pPr algn="ctr"/>
             <a:r>
               <a:rPr lang="ko-KR" altLang="en-US" smtClean="0">
                 <a:solidFill>
@@ -5612,15 +6996,7 @@
                   <a:sysClr val="windowText" lastClr="000000"/>
                 </a:solidFill>
               </a:rPr>
-              <a:t>1(video</a:t>
-            </a:r>
-            <a:r>
-              <a:rPr lang="en-US" altLang="ko-KR" smtClean="0">
-                <a:solidFill>
-                  <a:sysClr val="windowText" lastClr="000000"/>
-                </a:solidFill>
-              </a:rPr>
-              <a:t>,iframe,table </a:t>
+              <a:t>1(video,iframe,table </a:t>
             </a:r>
             <a:r>
               <a:rPr lang="ko-KR" altLang="en-US" smtClean="0">
@@ -5777,7 +7153,6 @@
           <a:bodyPr rtlCol="0" anchor="ctr"/>
           <a:lstStyle/>
           <a:p>
-            <a:pPr algn="ctr"/>
             <a:r>
               <a:rPr lang="en-US" altLang="ko-KR">
                 <a:solidFill>
@@ -6087,7 +7462,6 @@
           <a:bodyPr rtlCol="0" anchor="ctr"/>
           <a:lstStyle/>
           <a:p>
-            <a:pPr algn="ctr"/>
             <a:r>
               <a:rPr lang="en-US" altLang="ko-KR">
                 <a:solidFill>
